--- a/com.js.ens.leveller/ver3UI업데이트.pptx
+++ b/com.js.ens.leveller/ver3UI업데이트.pptx
@@ -6,10 +6,12 @@
   </p:sldMasterIdLst>
   <p:sldIdLst>
     <p:sldId id="256" r:id="rId2"/>
-    <p:sldId id="257" r:id="rId3"/>
-    <p:sldId id="258" r:id="rId4"/>
-    <p:sldId id="259" r:id="rId5"/>
-    <p:sldId id="260" r:id="rId6"/>
+    <p:sldId id="261" r:id="rId3"/>
+    <p:sldId id="262" r:id="rId4"/>
+    <p:sldId id="257" r:id="rId5"/>
+    <p:sldId id="258" r:id="rId6"/>
+    <p:sldId id="259" r:id="rId7"/>
+    <p:sldId id="260" r:id="rId8"/>
   </p:sldIdLst>
   <p:sldSz cx="12192000" cy="6858000"/>
   <p:notesSz cx="6858000" cy="9144000"/>
@@ -242,6 +244,7 @@
           <a:p>
             <a:fld id="{B4FEAEA1-33FC-4DA6-9577-1C5DB471FED0}" type="datetimeFigureOut">
               <a:rPr lang="ko-KR" altLang="en-US" smtClean="0"/>
+              <a:pPr/>
               <a:t>2016-07-19</a:t>
             </a:fld>
             <a:endParaRPr lang="ko-KR" altLang="en-US"/>
@@ -284,6 +287,7 @@
           <a:p>
             <a:fld id="{BFDDCAD2-4399-43F6-A6D7-6A349252E3DE}" type="slidenum">
               <a:rPr lang="ko-KR" altLang="en-US" smtClean="0"/>
+              <a:pPr/>
               <a:t>‹#›</a:t>
             </a:fld>
             <a:endParaRPr lang="ko-KR" altLang="en-US"/>
@@ -293,7 +297,7 @@
     </p:spTree>
     <p:extLst>
       <p:ext uri="{BB962C8B-B14F-4D97-AF65-F5344CB8AC3E}">
-        <p14:creationId xmlns:p14="http://schemas.microsoft.com/office/powerpoint/2010/main" val="650990095"/>
+        <p14:creationId xmlns:p14="http://schemas.microsoft.com/office/powerpoint/2010/main" xmlns="" val="650990095"/>
       </p:ext>
     </p:extLst>
   </p:cSld>
@@ -412,6 +416,7 @@
           <a:p>
             <a:fld id="{B4FEAEA1-33FC-4DA6-9577-1C5DB471FED0}" type="datetimeFigureOut">
               <a:rPr lang="ko-KR" altLang="en-US" smtClean="0"/>
+              <a:pPr/>
               <a:t>2016-07-19</a:t>
             </a:fld>
             <a:endParaRPr lang="ko-KR" altLang="en-US"/>
@@ -454,6 +459,7 @@
           <a:p>
             <a:fld id="{BFDDCAD2-4399-43F6-A6D7-6A349252E3DE}" type="slidenum">
               <a:rPr lang="ko-KR" altLang="en-US" smtClean="0"/>
+              <a:pPr/>
               <a:t>‹#›</a:t>
             </a:fld>
             <a:endParaRPr lang="ko-KR" altLang="en-US"/>
@@ -463,7 +469,7 @@
     </p:spTree>
     <p:extLst>
       <p:ext uri="{BB962C8B-B14F-4D97-AF65-F5344CB8AC3E}">
-        <p14:creationId xmlns:p14="http://schemas.microsoft.com/office/powerpoint/2010/main" val="3201969876"/>
+        <p14:creationId xmlns:p14="http://schemas.microsoft.com/office/powerpoint/2010/main" xmlns="" val="3201969876"/>
       </p:ext>
     </p:extLst>
   </p:cSld>
@@ -592,6 +598,7 @@
           <a:p>
             <a:fld id="{B4FEAEA1-33FC-4DA6-9577-1C5DB471FED0}" type="datetimeFigureOut">
               <a:rPr lang="ko-KR" altLang="en-US" smtClean="0"/>
+              <a:pPr/>
               <a:t>2016-07-19</a:t>
             </a:fld>
             <a:endParaRPr lang="ko-KR" altLang="en-US"/>
@@ -634,6 +641,7 @@
           <a:p>
             <a:fld id="{BFDDCAD2-4399-43F6-A6D7-6A349252E3DE}" type="slidenum">
               <a:rPr lang="ko-KR" altLang="en-US" smtClean="0"/>
+              <a:pPr/>
               <a:t>‹#›</a:t>
             </a:fld>
             <a:endParaRPr lang="ko-KR" altLang="en-US"/>
@@ -643,13 +651,440 @@
     </p:spTree>
     <p:extLst>
       <p:ext uri="{BB962C8B-B14F-4D97-AF65-F5344CB8AC3E}">
-        <p14:creationId xmlns:p14="http://schemas.microsoft.com/office/powerpoint/2010/main" val="1086463872"/>
+        <p14:creationId xmlns:p14="http://schemas.microsoft.com/office/powerpoint/2010/main" xmlns="" val="1086463872"/>
       </p:ext>
     </p:extLst>
   </p:cSld>
   <p:clrMapOvr>
     <a:masterClrMapping/>
   </p:clrMapOvr>
+</p:sldLayout>
+</file>
+
+<file path=ppt/slideLayouts/slideLayout12.xml><?xml version="1.0" encoding="utf-8"?>
+<p:sldLayout xmlns:a="http://schemas.openxmlformats.org/drawingml/2006/main" xmlns:r="http://schemas.openxmlformats.org/officeDocument/2006/relationships" xmlns:p="http://schemas.openxmlformats.org/presentationml/2006/main" showMasterSp="0">
+  <p:cSld name="1_Blank">
+    <p:spTree>
+      <p:nvGrpSpPr>
+        <p:cNvPr id="1" name=""/>
+        <p:cNvGrpSpPr/>
+        <p:nvPr/>
+      </p:nvGrpSpPr>
+      <p:grpSpPr>
+        <a:xfrm>
+          <a:off x="0" y="0"/>
+          <a:ext cx="0" cy="0"/>
+          <a:chOff x="0" y="0"/>
+          <a:chExt cx="0" cy="0"/>
+        </a:xfrm>
+      </p:grpSpPr>
+      <p:sp>
+        <p:nvSpPr>
+          <p:cNvPr id="10" name="Text Placeholder 3"/>
+          <p:cNvSpPr>
+            <a:spLocks noGrp="1"/>
+          </p:cNvSpPr>
+          <p:nvPr>
+            <p:ph type="body" sz="half" idx="2"/>
+          </p:nvPr>
+        </p:nvSpPr>
+        <p:spPr>
+          <a:xfrm>
+            <a:off x="143340" y="784521"/>
+            <a:ext cx="11905323" cy="5509402"/>
+          </a:xfrm>
+        </p:spPr>
+        <p:txBody>
+          <a:bodyPr anchor="t">
+            <a:normAutofit/>
+          </a:bodyPr>
+          <a:lstStyle>
+            <a:lvl1pPr marL="0" indent="0">
+              <a:spcBef>
+                <a:spcPts val="0"/>
+              </a:spcBef>
+              <a:spcAft>
+                <a:spcPts val="600"/>
+              </a:spcAft>
+              <a:buClrTx/>
+              <a:buFont typeface="Arial" panose="020B0604020202020204" pitchFamily="34" charset="0"/>
+              <a:buNone/>
+              <a:defRPr sz="1800" baseline="0">
+                <a:solidFill>
+                  <a:schemeClr val="tx1"/>
+                </a:solidFill>
+                <a:latin typeface="Arial Unicode MS" panose="020B0604020202020204" pitchFamily="50" charset="-127"/>
+                <a:ea typeface="맑은 고딕" panose="020B0503020000020004" pitchFamily="50" charset="-127"/>
+              </a:defRPr>
+            </a:lvl1pPr>
+            <a:lvl2pPr marL="457200" indent="0">
+              <a:buNone/>
+              <a:defRPr sz="1200"/>
+            </a:lvl2pPr>
+            <a:lvl3pPr marL="914400" indent="0">
+              <a:buNone/>
+              <a:defRPr sz="1000"/>
+            </a:lvl3pPr>
+            <a:lvl4pPr marL="1371600" indent="0">
+              <a:buNone/>
+              <a:defRPr sz="900"/>
+            </a:lvl4pPr>
+            <a:lvl5pPr marL="1828800" indent="0">
+              <a:buNone/>
+              <a:defRPr sz="900"/>
+            </a:lvl5pPr>
+            <a:lvl6pPr marL="2286000" indent="0">
+              <a:buNone/>
+              <a:defRPr sz="900"/>
+            </a:lvl6pPr>
+            <a:lvl7pPr marL="2743200" indent="0">
+              <a:buNone/>
+              <a:defRPr sz="900"/>
+            </a:lvl7pPr>
+            <a:lvl8pPr marL="3200400" indent="0">
+              <a:buNone/>
+              <a:defRPr sz="900"/>
+            </a:lvl8pPr>
+            <a:lvl9pPr marL="3657600" indent="0">
+              <a:buNone/>
+              <a:defRPr sz="900"/>
+            </a:lvl9pPr>
+          </a:lstStyle>
+          <a:p>
+            <a:pPr lvl="0"/>
+            <a:r>
+              <a:rPr lang="ko-KR" altLang="en-US" smtClean="0"/>
+              <a:t>마스터 텍스트 스타일을 편집합니다</a:t>
+            </a:r>
+          </a:p>
+        </p:txBody>
+      </p:sp>
+      <p:sp>
+        <p:nvSpPr>
+          <p:cNvPr id="21" name="TextBox 20"/>
+          <p:cNvSpPr txBox="1"/>
+          <p:nvPr/>
+        </p:nvSpPr>
+        <p:spPr>
+          <a:xfrm>
+            <a:off x="4595675" y="6520988"/>
+            <a:ext cx="6588892" cy="292388"/>
+          </a:xfrm>
+          <a:prstGeom prst="rect">
+            <a:avLst/>
+          </a:prstGeom>
+          <a:noFill/>
+        </p:spPr>
+        <p:txBody>
+          <a:bodyPr wrap="square" rtlCol="0">
+            <a:spAutoFit/>
+          </a:bodyPr>
+          <a:lstStyle/>
+          <a:p>
+            <a:r>
+              <a:rPr lang="en-US" altLang="ko-KR" sz="1300" b="1" i="1" dirty="0" smtClean="0">
+                <a:solidFill>
+                  <a:schemeClr val="tx1">
+                    <a:lumMod val="75000"/>
+                    <a:lumOff val="25000"/>
+                  </a:schemeClr>
+                </a:solidFill>
+                <a:latin typeface="Candara" panose="020E0502030303020204" pitchFamily="34" charset="0"/>
+              </a:rPr>
+              <a:t>Global Leader of Engineering Simulation &amp; Experiment Technology</a:t>
+            </a:r>
+            <a:endParaRPr lang="ko-KR" altLang="en-US" sz="1300" b="1" i="1" dirty="0">
+              <a:solidFill>
+                <a:schemeClr val="tx1">
+                  <a:lumMod val="75000"/>
+                  <a:lumOff val="25000"/>
+                </a:schemeClr>
+              </a:solidFill>
+              <a:latin typeface="Candara" panose="020E0502030303020204" pitchFamily="34" charset="0"/>
+            </a:endParaRPr>
+          </a:p>
+        </p:txBody>
+      </p:sp>
+      <p:cxnSp>
+        <p:nvCxnSpPr>
+          <p:cNvPr id="22" name="Straight Connector 11"/>
+          <p:cNvCxnSpPr/>
+          <p:nvPr/>
+        </p:nvCxnSpPr>
+        <p:spPr>
+          <a:xfrm>
+            <a:off x="143340" y="6407455"/>
+            <a:ext cx="11905323" cy="0"/>
+          </a:xfrm>
+          <a:prstGeom prst="line">
+            <a:avLst/>
+          </a:prstGeom>
+          <a:ln w="38100">
+            <a:solidFill>
+              <a:schemeClr val="tx1">
+                <a:lumMod val="50000"/>
+                <a:lumOff val="50000"/>
+              </a:schemeClr>
+            </a:solidFill>
+          </a:ln>
+        </p:spPr>
+        <p:style>
+          <a:lnRef idx="1">
+            <a:schemeClr val="accent1"/>
+          </a:lnRef>
+          <a:fillRef idx="0">
+            <a:schemeClr val="accent1"/>
+          </a:fillRef>
+          <a:effectRef idx="0">
+            <a:schemeClr val="accent1"/>
+          </a:effectRef>
+          <a:fontRef idx="minor">
+            <a:schemeClr val="tx1"/>
+          </a:fontRef>
+        </p:style>
+      </p:cxnSp>
+      <p:sp>
+        <p:nvSpPr>
+          <p:cNvPr id="23" name="TextBox 22"/>
+          <p:cNvSpPr txBox="1"/>
+          <p:nvPr/>
+        </p:nvSpPr>
+        <p:spPr>
+          <a:xfrm>
+            <a:off x="143341" y="6597355"/>
+            <a:ext cx="1382289" cy="123111"/>
+          </a:xfrm>
+          <a:prstGeom prst="rect">
+            <a:avLst/>
+          </a:prstGeom>
+          <a:noFill/>
+        </p:spPr>
+        <p:txBody>
+          <a:bodyPr wrap="square" lIns="0" tIns="0" rIns="0" bIns="0" rtlCol="0">
+            <a:spAutoFit/>
+          </a:bodyPr>
+          <a:lstStyle/>
+          <a:p>
+            <a:r>
+              <a:rPr lang="en-US" sz="800" b="0" i="1" baseline="0" dirty="0" smtClean="0">
+                <a:solidFill>
+                  <a:schemeClr val="tx1">
+                    <a:lumMod val="65000"/>
+                    <a:lumOff val="35000"/>
+                  </a:schemeClr>
+                </a:solidFill>
+                <a:latin typeface="Arial Unicode MS" panose="020B0604020202020204" pitchFamily="50" charset="-127"/>
+                <a:ea typeface="맑은 고딕" panose="020B0503020000020004" pitchFamily="50" charset="-127"/>
+                <a:cs typeface="Arial" pitchFamily="34" charset="0"/>
+              </a:rPr>
+              <a:t>© 2015 ENS</a:t>
+            </a:r>
+            <a:endParaRPr lang="en-US" sz="800" b="0" i="1" baseline="0" dirty="0">
+              <a:solidFill>
+                <a:schemeClr val="tx1">
+                  <a:lumMod val="65000"/>
+                  <a:lumOff val="35000"/>
+                </a:schemeClr>
+              </a:solidFill>
+              <a:latin typeface="Arial Unicode MS" panose="020B0604020202020204" pitchFamily="50" charset="-127"/>
+              <a:ea typeface="맑은 고딕" panose="020B0503020000020004" pitchFamily="50" charset="-127"/>
+              <a:cs typeface="Arial" pitchFamily="34" charset="0"/>
+            </a:endParaRPr>
+          </a:p>
+        </p:txBody>
+      </p:sp>
+      <p:pic>
+        <p:nvPicPr>
+          <p:cNvPr id="24" name="그림 23"/>
+          <p:cNvPicPr>
+            <a:picLocks noChangeAspect="1"/>
+          </p:cNvPicPr>
+          <p:nvPr/>
+        </p:nvPicPr>
+        <p:blipFill rotWithShape="1">
+          <a:blip r:embed="rId2" cstate="print">
+            <a:extLst>
+              <a:ext uri="{28A0092B-C50C-407E-A947-70E740481C1C}">
+                <a14:useLocalDpi xmlns="" xmlns:a14="http://schemas.microsoft.com/office/drawing/2010/main" val="0"/>
+              </a:ext>
+            </a:extLst>
+          </a:blip>
+          <a:srcRect l="1575" t="6058" r="48813" b="9136"/>
+          <a:stretch/>
+        </p:blipFill>
+        <p:spPr>
+          <a:xfrm>
+            <a:off x="10854729" y="6450234"/>
+            <a:ext cx="1193935" cy="397978"/>
+          </a:xfrm>
+          <a:prstGeom prst="rect">
+            <a:avLst/>
+          </a:prstGeom>
+        </p:spPr>
+      </p:pic>
+      <p:sp>
+        <p:nvSpPr>
+          <p:cNvPr id="8" name="모서리가 둥근 직사각형 7"/>
+          <p:cNvSpPr/>
+          <p:nvPr/>
+        </p:nvSpPr>
+        <p:spPr>
+          <a:xfrm>
+            <a:off x="143340" y="188640"/>
+            <a:ext cx="11905323" cy="504056"/>
+          </a:xfrm>
+          <a:prstGeom prst="roundRect">
+            <a:avLst/>
+          </a:prstGeom>
+          <a:gradFill>
+            <a:lin ang="10800000" scaled="0"/>
+          </a:gradFill>
+          <a:ln>
+            <a:noFill/>
+          </a:ln>
+          <a:effectLst>
+            <a:softEdge rad="0"/>
+          </a:effectLst>
+        </p:spPr>
+        <p:style>
+          <a:lnRef idx="1">
+            <a:schemeClr val="accent1"/>
+          </a:lnRef>
+          <a:fillRef idx="2">
+            <a:schemeClr val="accent1"/>
+          </a:fillRef>
+          <a:effectRef idx="1">
+            <a:schemeClr val="accent1"/>
+          </a:effectRef>
+          <a:fontRef idx="minor">
+            <a:schemeClr val="dk1"/>
+          </a:fontRef>
+        </p:style>
+        <p:txBody>
+          <a:bodyPr rtlCol="0" anchor="ctr"/>
+          <a:lstStyle/>
+          <a:p>
+            <a:endParaRPr lang="ko-KR" altLang="en-US" sz="2400" b="1" baseline="0" dirty="0">
+              <a:solidFill>
+                <a:schemeClr val="bg1">
+                  <a:lumMod val="95000"/>
+                </a:schemeClr>
+              </a:solidFill>
+              <a:latin typeface="Arial Unicode MS" panose="020B0604020202020204" pitchFamily="50" charset="-127"/>
+              <a:ea typeface="맑은 고딕" panose="020B0503020000020004" pitchFamily="50" charset="-127"/>
+            </a:endParaRPr>
+          </a:p>
+        </p:txBody>
+      </p:sp>
+      <p:sp>
+        <p:nvSpPr>
+          <p:cNvPr id="9" name="Title 21"/>
+          <p:cNvSpPr>
+            <a:spLocks noGrp="1"/>
+          </p:cNvSpPr>
+          <p:nvPr>
+            <p:ph type="title"/>
+          </p:nvPr>
+        </p:nvSpPr>
+        <p:spPr>
+          <a:xfrm>
+            <a:off x="143340" y="188640"/>
+            <a:ext cx="11905323" cy="482348"/>
+          </a:xfrm>
+        </p:spPr>
+        <p:txBody>
+          <a:bodyPr anchor="b">
+            <a:noAutofit/>
+          </a:bodyPr>
+          <a:lstStyle>
+            <a:lvl1pPr algn="l">
+              <a:defRPr sz="2400" b="1">
+                <a:solidFill>
+                  <a:schemeClr val="tx1">
+                    <a:lumMod val="75000"/>
+                    <a:lumOff val="25000"/>
+                  </a:schemeClr>
+                </a:solidFill>
+                <a:latin typeface="맑은 고딕" panose="020B0503020000020004" pitchFamily="50" charset="-127"/>
+                <a:ea typeface="맑은 고딕" panose="020B0503020000020004" pitchFamily="50" charset="-127"/>
+                <a:cs typeface="Arial Unicode MS" pitchFamily="50" charset="-127"/>
+              </a:defRPr>
+            </a:lvl1pPr>
+          </a:lstStyle>
+          <a:p>
+            <a:r>
+              <a:rPr lang="ko-KR" altLang="en-US" smtClean="0"/>
+              <a:t>마스터 제목 스타일 편집</a:t>
+            </a:r>
+            <a:endParaRPr lang="en-US" dirty="0"/>
+          </a:p>
+        </p:txBody>
+      </p:sp>
+      <p:sp>
+        <p:nvSpPr>
+          <p:cNvPr id="12" name="직사각형 11"/>
+          <p:cNvSpPr/>
+          <p:nvPr/>
+        </p:nvSpPr>
+        <p:spPr>
+          <a:xfrm>
+            <a:off x="1210521" y="6510726"/>
+            <a:ext cx="372218" cy="276999"/>
+          </a:xfrm>
+          <a:prstGeom prst="rect">
+            <a:avLst/>
+          </a:prstGeom>
+        </p:spPr>
+        <p:txBody>
+          <a:bodyPr wrap="none">
+            <a:spAutoFit/>
+          </a:bodyPr>
+          <a:lstStyle/>
+          <a:p>
+            <a:fld id="{B84BEDDA-72A8-4C81-B006-2E92B54E7DD3}" type="slidenum">
+              <a:rPr lang="ko-KR" altLang="en-US" sz="1200" b="1" i="1" baseline="0" smtClean="0">
+                <a:solidFill>
+                  <a:schemeClr val="tx1">
+                    <a:lumMod val="65000"/>
+                    <a:lumOff val="35000"/>
+                  </a:schemeClr>
+                </a:solidFill>
+                <a:latin typeface="Arial Unicode MS" panose="020B0604020202020204" pitchFamily="50" charset="-127"/>
+                <a:ea typeface="맑은 고딕" panose="020B0503020000020004" pitchFamily="50" charset="-127"/>
+              </a:rPr>
+              <a:pPr/>
+              <a:t>‹#›</a:t>
+            </a:fld>
+            <a:endParaRPr lang="ko-KR" altLang="en-US" sz="1200" b="1" i="1" baseline="0" dirty="0">
+              <a:solidFill>
+                <a:schemeClr val="tx1">
+                  <a:lumMod val="65000"/>
+                  <a:lumOff val="35000"/>
+                </a:schemeClr>
+              </a:solidFill>
+              <a:latin typeface="Arial Unicode MS" panose="020B0604020202020204" pitchFamily="50" charset="-127"/>
+              <a:ea typeface="맑은 고딕" panose="020B0503020000020004" pitchFamily="50" charset="-127"/>
+            </a:endParaRPr>
+          </a:p>
+        </p:txBody>
+      </p:sp>
+    </p:spTree>
+    <p:extLst>
+      <p:ext uri="{BB962C8B-B14F-4D97-AF65-F5344CB8AC3E}">
+        <p14:creationId xmlns="" xmlns:p14="http://schemas.microsoft.com/office/powerpoint/2010/main" val="1883167788"/>
+      </p:ext>
+    </p:extLst>
+  </p:cSld>
+  <p:clrMapOvr>
+    <a:masterClrMapping/>
+  </p:clrMapOvr>
+  <p:timing>
+    <p:tnLst>
+      <p:par>
+        <p:cTn id="1" dur="indefinite" restart="never" nodeType="tmRoot"/>
+      </p:par>
+    </p:tnLst>
+  </p:timing>
 </p:sldLayout>
 </file>
 
@@ -762,6 +1197,7 @@
           <a:p>
             <a:fld id="{B4FEAEA1-33FC-4DA6-9577-1C5DB471FED0}" type="datetimeFigureOut">
               <a:rPr lang="ko-KR" altLang="en-US" smtClean="0"/>
+              <a:pPr/>
               <a:t>2016-07-19</a:t>
             </a:fld>
             <a:endParaRPr lang="ko-KR" altLang="en-US"/>
@@ -804,6 +1240,7 @@
           <a:p>
             <a:fld id="{BFDDCAD2-4399-43F6-A6D7-6A349252E3DE}" type="slidenum">
               <a:rPr lang="ko-KR" altLang="en-US" smtClean="0"/>
+              <a:pPr/>
               <a:t>‹#›</a:t>
             </a:fld>
             <a:endParaRPr lang="ko-KR" altLang="en-US"/>
@@ -813,7 +1250,7 @@
     </p:spTree>
     <p:extLst>
       <p:ext uri="{BB962C8B-B14F-4D97-AF65-F5344CB8AC3E}">
-        <p14:creationId xmlns:p14="http://schemas.microsoft.com/office/powerpoint/2010/main" val="3745918755"/>
+        <p14:creationId xmlns:p14="http://schemas.microsoft.com/office/powerpoint/2010/main" xmlns="" val="3745918755"/>
       </p:ext>
     </p:extLst>
   </p:cSld>
@@ -1008,6 +1445,7 @@
           <a:p>
             <a:fld id="{B4FEAEA1-33FC-4DA6-9577-1C5DB471FED0}" type="datetimeFigureOut">
               <a:rPr lang="ko-KR" altLang="en-US" smtClean="0"/>
+              <a:pPr/>
               <a:t>2016-07-19</a:t>
             </a:fld>
             <a:endParaRPr lang="ko-KR" altLang="en-US"/>
@@ -1050,6 +1488,7 @@
           <a:p>
             <a:fld id="{BFDDCAD2-4399-43F6-A6D7-6A349252E3DE}" type="slidenum">
               <a:rPr lang="ko-KR" altLang="en-US" smtClean="0"/>
+              <a:pPr/>
               <a:t>‹#›</a:t>
             </a:fld>
             <a:endParaRPr lang="ko-KR" altLang="en-US"/>
@@ -1059,7 +1498,7 @@
     </p:spTree>
     <p:extLst>
       <p:ext uri="{BB962C8B-B14F-4D97-AF65-F5344CB8AC3E}">
-        <p14:creationId xmlns:p14="http://schemas.microsoft.com/office/powerpoint/2010/main" val="1752523856"/>
+        <p14:creationId xmlns:p14="http://schemas.microsoft.com/office/powerpoint/2010/main" xmlns="" val="1752523856"/>
       </p:ext>
     </p:extLst>
   </p:cSld>
@@ -1240,6 +1679,7 @@
           <a:p>
             <a:fld id="{B4FEAEA1-33FC-4DA6-9577-1C5DB471FED0}" type="datetimeFigureOut">
               <a:rPr lang="ko-KR" altLang="en-US" smtClean="0"/>
+              <a:pPr/>
               <a:t>2016-07-19</a:t>
             </a:fld>
             <a:endParaRPr lang="ko-KR" altLang="en-US"/>
@@ -1282,6 +1722,7 @@
           <a:p>
             <a:fld id="{BFDDCAD2-4399-43F6-A6D7-6A349252E3DE}" type="slidenum">
               <a:rPr lang="ko-KR" altLang="en-US" smtClean="0"/>
+              <a:pPr/>
               <a:t>‹#›</a:t>
             </a:fld>
             <a:endParaRPr lang="ko-KR" altLang="en-US"/>
@@ -1291,7 +1732,7 @@
     </p:spTree>
     <p:extLst>
       <p:ext uri="{BB962C8B-B14F-4D97-AF65-F5344CB8AC3E}">
-        <p14:creationId xmlns:p14="http://schemas.microsoft.com/office/powerpoint/2010/main" val="93201787"/>
+        <p14:creationId xmlns:p14="http://schemas.microsoft.com/office/powerpoint/2010/main" xmlns="" val="93201787"/>
       </p:ext>
     </p:extLst>
   </p:cSld>
@@ -1607,6 +2048,7 @@
           <a:p>
             <a:fld id="{B4FEAEA1-33FC-4DA6-9577-1C5DB471FED0}" type="datetimeFigureOut">
               <a:rPr lang="ko-KR" altLang="en-US" smtClean="0"/>
+              <a:pPr/>
               <a:t>2016-07-19</a:t>
             </a:fld>
             <a:endParaRPr lang="ko-KR" altLang="en-US"/>
@@ -1649,6 +2091,7 @@
           <a:p>
             <a:fld id="{BFDDCAD2-4399-43F6-A6D7-6A349252E3DE}" type="slidenum">
               <a:rPr lang="ko-KR" altLang="en-US" smtClean="0"/>
+              <a:pPr/>
               <a:t>‹#›</a:t>
             </a:fld>
             <a:endParaRPr lang="ko-KR" altLang="en-US"/>
@@ -1658,7 +2101,7 @@
     </p:spTree>
     <p:extLst>
       <p:ext uri="{BB962C8B-B14F-4D97-AF65-F5344CB8AC3E}">
-        <p14:creationId xmlns:p14="http://schemas.microsoft.com/office/powerpoint/2010/main" val="2141883813"/>
+        <p14:creationId xmlns:p14="http://schemas.microsoft.com/office/powerpoint/2010/main" xmlns="" val="2141883813"/>
       </p:ext>
     </p:extLst>
   </p:cSld>
@@ -1725,6 +2168,7 @@
           <a:p>
             <a:fld id="{B4FEAEA1-33FC-4DA6-9577-1C5DB471FED0}" type="datetimeFigureOut">
               <a:rPr lang="ko-KR" altLang="en-US" smtClean="0"/>
+              <a:pPr/>
               <a:t>2016-07-19</a:t>
             </a:fld>
             <a:endParaRPr lang="ko-KR" altLang="en-US"/>
@@ -1767,6 +2211,7 @@
           <a:p>
             <a:fld id="{BFDDCAD2-4399-43F6-A6D7-6A349252E3DE}" type="slidenum">
               <a:rPr lang="ko-KR" altLang="en-US" smtClean="0"/>
+              <a:pPr/>
               <a:t>‹#›</a:t>
             </a:fld>
             <a:endParaRPr lang="ko-KR" altLang="en-US"/>
@@ -1776,7 +2221,7 @@
     </p:spTree>
     <p:extLst>
       <p:ext uri="{BB962C8B-B14F-4D97-AF65-F5344CB8AC3E}">
-        <p14:creationId xmlns:p14="http://schemas.microsoft.com/office/powerpoint/2010/main" val="442611959"/>
+        <p14:creationId xmlns:p14="http://schemas.microsoft.com/office/powerpoint/2010/main" xmlns="" val="442611959"/>
       </p:ext>
     </p:extLst>
   </p:cSld>
@@ -1820,6 +2265,7 @@
           <a:p>
             <a:fld id="{B4FEAEA1-33FC-4DA6-9577-1C5DB471FED0}" type="datetimeFigureOut">
               <a:rPr lang="ko-KR" altLang="en-US" smtClean="0"/>
+              <a:pPr/>
               <a:t>2016-07-19</a:t>
             </a:fld>
             <a:endParaRPr lang="ko-KR" altLang="en-US"/>
@@ -1862,6 +2308,7 @@
           <a:p>
             <a:fld id="{BFDDCAD2-4399-43F6-A6D7-6A349252E3DE}" type="slidenum">
               <a:rPr lang="ko-KR" altLang="en-US" smtClean="0"/>
+              <a:pPr/>
               <a:t>‹#›</a:t>
             </a:fld>
             <a:endParaRPr lang="ko-KR" altLang="en-US"/>
@@ -1871,7 +2318,7 @@
     </p:spTree>
     <p:extLst>
       <p:ext uri="{BB962C8B-B14F-4D97-AF65-F5344CB8AC3E}">
-        <p14:creationId xmlns:p14="http://schemas.microsoft.com/office/powerpoint/2010/main" val="3584236170"/>
+        <p14:creationId xmlns:p14="http://schemas.microsoft.com/office/powerpoint/2010/main" xmlns="" val="3584236170"/>
       </p:ext>
     </p:extLst>
   </p:cSld>
@@ -2097,6 +2544,7 @@
           <a:p>
             <a:fld id="{B4FEAEA1-33FC-4DA6-9577-1C5DB471FED0}" type="datetimeFigureOut">
               <a:rPr lang="ko-KR" altLang="en-US" smtClean="0"/>
+              <a:pPr/>
               <a:t>2016-07-19</a:t>
             </a:fld>
             <a:endParaRPr lang="ko-KR" altLang="en-US"/>
@@ -2139,6 +2587,7 @@
           <a:p>
             <a:fld id="{BFDDCAD2-4399-43F6-A6D7-6A349252E3DE}" type="slidenum">
               <a:rPr lang="ko-KR" altLang="en-US" smtClean="0"/>
+              <a:pPr/>
               <a:t>‹#›</a:t>
             </a:fld>
             <a:endParaRPr lang="ko-KR" altLang="en-US"/>
@@ -2148,7 +2597,7 @@
     </p:spTree>
     <p:extLst>
       <p:ext uri="{BB962C8B-B14F-4D97-AF65-F5344CB8AC3E}">
-        <p14:creationId xmlns:p14="http://schemas.microsoft.com/office/powerpoint/2010/main" val="542574562"/>
+        <p14:creationId xmlns:p14="http://schemas.microsoft.com/office/powerpoint/2010/main" xmlns="" val="542574562"/>
       </p:ext>
     </p:extLst>
   </p:cSld>
@@ -2350,6 +2799,7 @@
           <a:p>
             <a:fld id="{B4FEAEA1-33FC-4DA6-9577-1C5DB471FED0}" type="datetimeFigureOut">
               <a:rPr lang="ko-KR" altLang="en-US" smtClean="0"/>
+              <a:pPr/>
               <a:t>2016-07-19</a:t>
             </a:fld>
             <a:endParaRPr lang="ko-KR" altLang="en-US"/>
@@ -2392,6 +2842,7 @@
           <a:p>
             <a:fld id="{BFDDCAD2-4399-43F6-A6D7-6A349252E3DE}" type="slidenum">
               <a:rPr lang="ko-KR" altLang="en-US" smtClean="0"/>
+              <a:pPr/>
               <a:t>‹#›</a:t>
             </a:fld>
             <a:endParaRPr lang="ko-KR" altLang="en-US"/>
@@ -2401,7 +2852,7 @@
     </p:spTree>
     <p:extLst>
       <p:ext uri="{BB962C8B-B14F-4D97-AF65-F5344CB8AC3E}">
-        <p14:creationId xmlns:p14="http://schemas.microsoft.com/office/powerpoint/2010/main" val="320437203"/>
+        <p14:creationId xmlns:p14="http://schemas.microsoft.com/office/powerpoint/2010/main" xmlns="" val="320437203"/>
       </p:ext>
     </p:extLst>
   </p:cSld>
@@ -2563,6 +3014,7 @@
           <a:p>
             <a:fld id="{B4FEAEA1-33FC-4DA6-9577-1C5DB471FED0}" type="datetimeFigureOut">
               <a:rPr lang="ko-KR" altLang="en-US" smtClean="0"/>
+              <a:pPr/>
               <a:t>2016-07-19</a:t>
             </a:fld>
             <a:endParaRPr lang="ko-KR" altLang="en-US"/>
@@ -2641,6 +3093,7 @@
           <a:p>
             <a:fld id="{BFDDCAD2-4399-43F6-A6D7-6A349252E3DE}" type="slidenum">
               <a:rPr lang="ko-KR" altLang="en-US" smtClean="0"/>
+              <a:pPr/>
               <a:t>‹#›</a:t>
             </a:fld>
             <a:endParaRPr lang="ko-KR" altLang="en-US"/>
@@ -2650,7 +3103,7 @@
     </p:spTree>
     <p:extLst>
       <p:ext uri="{BB962C8B-B14F-4D97-AF65-F5344CB8AC3E}">
-        <p14:creationId xmlns:p14="http://schemas.microsoft.com/office/powerpoint/2010/main" val="4235330419"/>
+        <p14:creationId xmlns:p14="http://schemas.microsoft.com/office/powerpoint/2010/main" xmlns="" val="4235330419"/>
       </p:ext>
     </p:extLst>
   </p:cSld>
@@ -2667,6 +3120,7 @@
     <p:sldLayoutId id="2147483657" r:id="rId9"/>
     <p:sldLayoutId id="2147483658" r:id="rId10"/>
     <p:sldLayoutId id="2147483659" r:id="rId11"/>
+    <p:sldLayoutId id="2147483660" r:id="rId12"/>
   </p:sldLayoutIdLst>
   <p:txStyles>
     <p:titleStyle>
@@ -2977,7 +3431,7 @@
           <p:nvPr/>
         </p:nvPicPr>
         <p:blipFill>
-          <a:blip r:embed="rId2"/>
+          <a:blip r:embed="rId2" cstate="print"/>
           <a:stretch>
             <a:fillRect/>
           </a:stretch>
@@ -5686,7 +6140,7 @@
     </p:spTree>
     <p:extLst>
       <p:ext uri="{BB962C8B-B14F-4D97-AF65-F5344CB8AC3E}">
-        <p14:creationId xmlns:p14="http://schemas.microsoft.com/office/powerpoint/2010/main" val="1920083131"/>
+        <p14:creationId xmlns:p14="http://schemas.microsoft.com/office/powerpoint/2010/main" xmlns="" val="1920083131"/>
       </p:ext>
     </p:extLst>
   </p:cSld>
@@ -5697,6 +6151,4466 @@
 </file>
 
 <file path=ppt/slides/slide2.xml><?xml version="1.0" encoding="utf-8"?>
+<p:sld xmlns:a="http://schemas.openxmlformats.org/drawingml/2006/main" xmlns:r="http://schemas.openxmlformats.org/officeDocument/2006/relationships" xmlns:p="http://schemas.openxmlformats.org/presentationml/2006/main">
+  <p:cSld>
+    <p:spTree>
+      <p:nvGrpSpPr>
+        <p:cNvPr id="1" name=""/>
+        <p:cNvGrpSpPr/>
+        <p:nvPr/>
+      </p:nvGrpSpPr>
+      <p:grpSpPr>
+        <a:xfrm>
+          <a:off x="0" y="0"/>
+          <a:ext cx="0" cy="0"/>
+          <a:chOff x="0" y="0"/>
+          <a:chExt cx="0" cy="0"/>
+        </a:xfrm>
+      </p:grpSpPr>
+      <p:sp>
+        <p:nvSpPr>
+          <p:cNvPr id="4" name="제목 3"/>
+          <p:cNvSpPr>
+            <a:spLocks noGrp="1"/>
+          </p:cNvSpPr>
+          <p:nvPr>
+            <p:ph type="title"/>
+          </p:nvPr>
+        </p:nvSpPr>
+        <p:spPr>
+          <a:xfrm>
+            <a:off x="143340" y="162761"/>
+            <a:ext cx="11905323" cy="482348"/>
+          </a:xfrm>
+        </p:spPr>
+        <p:txBody>
+          <a:bodyPr/>
+          <a:lstStyle/>
+          <a:p>
+            <a:r>
+              <a:rPr lang="en-US" altLang="ko-KR" dirty="0" smtClean="0"/>
+              <a:t>1. Hold Down Roll</a:t>
+            </a:r>
+            <a:endParaRPr lang="ko-KR" altLang="en-US" dirty="0"/>
+          </a:p>
+        </p:txBody>
+      </p:sp>
+      <p:pic>
+        <p:nvPicPr>
+          <p:cNvPr id="3" name="그림 2"/>
+          <p:cNvPicPr>
+            <a:picLocks noChangeAspect="1"/>
+          </p:cNvPicPr>
+          <p:nvPr/>
+        </p:nvPicPr>
+        <p:blipFill>
+          <a:blip r:embed="rId2" cstate="print"/>
+          <a:stretch>
+            <a:fillRect/>
+          </a:stretch>
+        </p:blipFill>
+        <p:spPr>
+          <a:xfrm>
+            <a:off x="143339" y="905607"/>
+            <a:ext cx="11532844" cy="5479298"/>
+          </a:xfrm>
+          <a:prstGeom prst="rect">
+            <a:avLst/>
+          </a:prstGeom>
+          <a:ln>
+            <a:solidFill>
+              <a:schemeClr val="bg1"/>
+            </a:solidFill>
+          </a:ln>
+        </p:spPr>
+      </p:pic>
+      <p:sp>
+        <p:nvSpPr>
+          <p:cNvPr id="5" name="직사각형 4"/>
+          <p:cNvSpPr/>
+          <p:nvPr/>
+        </p:nvSpPr>
+        <p:spPr>
+          <a:xfrm>
+            <a:off x="9281107" y="2102473"/>
+            <a:ext cx="7721744" cy="2778370"/>
+          </a:xfrm>
+          <a:prstGeom prst="rect">
+            <a:avLst/>
+          </a:prstGeom>
+          <a:solidFill>
+            <a:schemeClr val="bg1"/>
+          </a:solidFill>
+          <a:ln>
+            <a:solidFill>
+              <a:schemeClr val="tx1">
+                <a:lumMod val="95000"/>
+                <a:lumOff val="5000"/>
+              </a:schemeClr>
+            </a:solidFill>
+          </a:ln>
+        </p:spPr>
+        <p:style>
+          <a:lnRef idx="2">
+            <a:schemeClr val="accent1">
+              <a:shade val="50000"/>
+            </a:schemeClr>
+          </a:lnRef>
+          <a:fillRef idx="1">
+            <a:schemeClr val="accent1"/>
+          </a:fillRef>
+          <a:effectRef idx="0">
+            <a:schemeClr val="accent1"/>
+          </a:effectRef>
+          <a:fontRef idx="minor">
+            <a:schemeClr val="lt1"/>
+          </a:fontRef>
+        </p:style>
+        <p:txBody>
+          <a:bodyPr rtlCol="0" anchor="t"/>
+          <a:lstStyle/>
+          <a:p>
+            <a:pPr algn="ctr"/>
+            <a:r>
+              <a:rPr lang="en-US" altLang="ko-KR" sz="1400" dirty="0" smtClean="0">
+                <a:solidFill>
+                  <a:schemeClr val="tx1"/>
+                </a:solidFill>
+              </a:rPr>
+              <a:t>Hold Down Roll Information</a:t>
+            </a:r>
+            <a:endParaRPr lang="ko-KR" altLang="en-US" sz="1400" dirty="0" smtClean="0">
+              <a:solidFill>
+                <a:schemeClr val="tx1"/>
+              </a:solidFill>
+            </a:endParaRPr>
+          </a:p>
+        </p:txBody>
+      </p:sp>
+      <p:sp>
+        <p:nvSpPr>
+          <p:cNvPr id="15" name="직사각형 14"/>
+          <p:cNvSpPr/>
+          <p:nvPr/>
+        </p:nvSpPr>
+        <p:spPr>
+          <a:xfrm>
+            <a:off x="9680353" y="2471751"/>
+            <a:ext cx="3600000" cy="178238"/>
+          </a:xfrm>
+          <a:prstGeom prst="rect">
+            <a:avLst/>
+          </a:prstGeom>
+          <a:solidFill>
+            <a:schemeClr val="bg1">
+              <a:lumMod val="95000"/>
+            </a:schemeClr>
+          </a:solidFill>
+          <a:ln>
+            <a:solidFill>
+              <a:schemeClr val="tx1">
+                <a:lumMod val="95000"/>
+                <a:lumOff val="5000"/>
+              </a:schemeClr>
+            </a:solidFill>
+          </a:ln>
+        </p:spPr>
+        <p:style>
+          <a:lnRef idx="2">
+            <a:schemeClr val="accent1">
+              <a:shade val="50000"/>
+            </a:schemeClr>
+          </a:lnRef>
+          <a:fillRef idx="1">
+            <a:schemeClr val="accent1"/>
+          </a:fillRef>
+          <a:effectRef idx="0">
+            <a:schemeClr val="accent1"/>
+          </a:effectRef>
+          <a:fontRef idx="minor">
+            <a:schemeClr val="lt1"/>
+          </a:fontRef>
+        </p:style>
+        <p:txBody>
+          <a:bodyPr lIns="0" rIns="0" rtlCol="0" anchor="ctr"/>
+          <a:lstStyle/>
+          <a:p>
+            <a:pPr algn="ctr"/>
+            <a:r>
+              <a:rPr lang="en-US" altLang="ko-KR" sz="1100" dirty="0" smtClean="0">
+                <a:solidFill>
+                  <a:schemeClr val="tx1"/>
+                </a:solidFill>
+              </a:rPr>
+              <a:t>Front Roll </a:t>
+            </a:r>
+            <a:r>
+              <a:rPr lang="ko-KR" altLang="en-US" sz="1100" dirty="0" smtClean="0">
+                <a:solidFill>
+                  <a:schemeClr val="tx1"/>
+                </a:solidFill>
+              </a:rPr>
+              <a:t>배치</a:t>
+            </a:r>
+          </a:p>
+        </p:txBody>
+      </p:sp>
+      <p:sp>
+        <p:nvSpPr>
+          <p:cNvPr id="33" name="직사각형 32"/>
+          <p:cNvSpPr/>
+          <p:nvPr/>
+        </p:nvSpPr>
+        <p:spPr>
+          <a:xfrm>
+            <a:off x="14283103" y="2471751"/>
+            <a:ext cx="1207477" cy="158262"/>
+          </a:xfrm>
+          <a:prstGeom prst="rect">
+            <a:avLst/>
+          </a:prstGeom>
+          <a:noFill/>
+          <a:ln>
+            <a:solidFill>
+              <a:schemeClr val="bg1"/>
+            </a:solidFill>
+          </a:ln>
+        </p:spPr>
+        <p:style>
+          <a:lnRef idx="2">
+            <a:schemeClr val="accent1">
+              <a:shade val="50000"/>
+            </a:schemeClr>
+          </a:lnRef>
+          <a:fillRef idx="1">
+            <a:schemeClr val="accent1"/>
+          </a:fillRef>
+          <a:effectRef idx="0">
+            <a:schemeClr val="accent1"/>
+          </a:effectRef>
+          <a:fontRef idx="minor">
+            <a:schemeClr val="lt1"/>
+          </a:fontRef>
+        </p:style>
+        <p:txBody>
+          <a:bodyPr rtlCol="0" anchor="ctr"/>
+          <a:lstStyle/>
+          <a:p>
+            <a:pPr algn="ctr"/>
+            <a:r>
+              <a:rPr lang="en-US" altLang="ko-KR" sz="1100" dirty="0" smtClean="0">
+                <a:solidFill>
+                  <a:schemeClr val="tx1"/>
+                </a:solidFill>
+              </a:rPr>
+              <a:t>Upper</a:t>
+            </a:r>
+            <a:r>
+              <a:rPr lang="ko-KR" altLang="en-US" sz="1100" dirty="0" smtClean="0">
+                <a:solidFill>
+                  <a:schemeClr val="tx1"/>
+                </a:solidFill>
+              </a:rPr>
+              <a:t> </a:t>
+            </a:r>
+          </a:p>
+        </p:txBody>
+      </p:sp>
+      <p:sp>
+        <p:nvSpPr>
+          <p:cNvPr id="34" name="직사각형 33"/>
+          <p:cNvSpPr/>
+          <p:nvPr/>
+        </p:nvSpPr>
+        <p:spPr>
+          <a:xfrm>
+            <a:off x="15669624" y="2471751"/>
+            <a:ext cx="1207477" cy="158262"/>
+          </a:xfrm>
+          <a:prstGeom prst="rect">
+            <a:avLst/>
+          </a:prstGeom>
+          <a:noFill/>
+          <a:ln>
+            <a:solidFill>
+              <a:schemeClr val="bg1"/>
+            </a:solidFill>
+          </a:ln>
+        </p:spPr>
+        <p:style>
+          <a:lnRef idx="2">
+            <a:schemeClr val="accent1">
+              <a:shade val="50000"/>
+            </a:schemeClr>
+          </a:lnRef>
+          <a:fillRef idx="1">
+            <a:schemeClr val="accent1"/>
+          </a:fillRef>
+          <a:effectRef idx="0">
+            <a:schemeClr val="accent1"/>
+          </a:effectRef>
+          <a:fontRef idx="minor">
+            <a:schemeClr val="lt1"/>
+          </a:fontRef>
+        </p:style>
+        <p:txBody>
+          <a:bodyPr rtlCol="0" anchor="ctr"/>
+          <a:lstStyle/>
+          <a:p>
+            <a:pPr algn="ctr"/>
+            <a:r>
+              <a:rPr lang="en-US" altLang="ko-KR" sz="1100" dirty="0" smtClean="0">
+                <a:solidFill>
+                  <a:schemeClr val="tx1"/>
+                </a:solidFill>
+              </a:rPr>
+              <a:t>Lower</a:t>
+            </a:r>
+            <a:endParaRPr lang="ko-KR" altLang="en-US" sz="1100" dirty="0" smtClean="0">
+              <a:solidFill>
+                <a:schemeClr val="tx1"/>
+              </a:solidFill>
+            </a:endParaRPr>
+          </a:p>
+        </p:txBody>
+      </p:sp>
+      <p:sp>
+        <p:nvSpPr>
+          <p:cNvPr id="17" name="타원 16"/>
+          <p:cNvSpPr/>
+          <p:nvPr/>
+        </p:nvSpPr>
+        <p:spPr>
+          <a:xfrm>
+            <a:off x="14259651" y="2471751"/>
+            <a:ext cx="211016" cy="158262"/>
+          </a:xfrm>
+          <a:prstGeom prst="ellipse">
+            <a:avLst/>
+          </a:prstGeom>
+          <a:solidFill>
+            <a:srgbClr val="FFFF00"/>
+          </a:solidFill>
+          <a:ln>
+            <a:solidFill>
+              <a:schemeClr val="tx1">
+                <a:lumMod val="95000"/>
+                <a:lumOff val="5000"/>
+              </a:schemeClr>
+            </a:solidFill>
+          </a:ln>
+        </p:spPr>
+        <p:style>
+          <a:lnRef idx="2">
+            <a:schemeClr val="accent1">
+              <a:shade val="50000"/>
+            </a:schemeClr>
+          </a:lnRef>
+          <a:fillRef idx="1">
+            <a:schemeClr val="accent1"/>
+          </a:fillRef>
+          <a:effectRef idx="0">
+            <a:schemeClr val="accent1"/>
+          </a:effectRef>
+          <a:fontRef idx="minor">
+            <a:schemeClr val="lt1"/>
+          </a:fontRef>
+        </p:style>
+        <p:txBody>
+          <a:bodyPr rtlCol="0" anchor="ctr"/>
+          <a:lstStyle/>
+          <a:p>
+            <a:pPr algn="ctr"/>
+            <a:endParaRPr lang="ko-KR" altLang="en-US" dirty="0" smtClean="0">
+              <a:solidFill>
+                <a:schemeClr val="tx1"/>
+              </a:solidFill>
+            </a:endParaRPr>
+          </a:p>
+        </p:txBody>
+      </p:sp>
+      <p:sp>
+        <p:nvSpPr>
+          <p:cNvPr id="36" name="타원 35"/>
+          <p:cNvSpPr/>
+          <p:nvPr/>
+        </p:nvSpPr>
+        <p:spPr>
+          <a:xfrm>
+            <a:off x="15631260" y="2471751"/>
+            <a:ext cx="211016" cy="158262"/>
+          </a:xfrm>
+          <a:prstGeom prst="ellipse">
+            <a:avLst/>
+          </a:prstGeom>
+          <a:solidFill>
+            <a:schemeClr val="bg1"/>
+          </a:solidFill>
+          <a:ln>
+            <a:solidFill>
+              <a:schemeClr val="tx1">
+                <a:lumMod val="95000"/>
+                <a:lumOff val="5000"/>
+              </a:schemeClr>
+            </a:solidFill>
+          </a:ln>
+        </p:spPr>
+        <p:style>
+          <a:lnRef idx="2">
+            <a:schemeClr val="accent1">
+              <a:shade val="50000"/>
+            </a:schemeClr>
+          </a:lnRef>
+          <a:fillRef idx="1">
+            <a:schemeClr val="accent1"/>
+          </a:fillRef>
+          <a:effectRef idx="0">
+            <a:schemeClr val="accent1"/>
+          </a:effectRef>
+          <a:fontRef idx="minor">
+            <a:schemeClr val="lt1"/>
+          </a:fontRef>
+        </p:style>
+        <p:txBody>
+          <a:bodyPr rtlCol="0" anchor="ctr"/>
+          <a:lstStyle/>
+          <a:p>
+            <a:pPr algn="ctr"/>
+            <a:endParaRPr lang="ko-KR" altLang="en-US" dirty="0" smtClean="0">
+              <a:solidFill>
+                <a:schemeClr val="tx1"/>
+              </a:solidFill>
+            </a:endParaRPr>
+          </a:p>
+        </p:txBody>
+      </p:sp>
+      <p:sp>
+        <p:nvSpPr>
+          <p:cNvPr id="42" name="직사각형 41"/>
+          <p:cNvSpPr/>
+          <p:nvPr/>
+        </p:nvSpPr>
+        <p:spPr>
+          <a:xfrm>
+            <a:off x="9680353" y="2743546"/>
+            <a:ext cx="3600000" cy="178238"/>
+          </a:xfrm>
+          <a:prstGeom prst="rect">
+            <a:avLst/>
+          </a:prstGeom>
+          <a:solidFill>
+            <a:schemeClr val="bg1">
+              <a:lumMod val="95000"/>
+            </a:schemeClr>
+          </a:solidFill>
+          <a:ln>
+            <a:solidFill>
+              <a:schemeClr val="tx1"/>
+            </a:solidFill>
+          </a:ln>
+        </p:spPr>
+        <p:style>
+          <a:lnRef idx="2">
+            <a:schemeClr val="accent1">
+              <a:shade val="50000"/>
+            </a:schemeClr>
+          </a:lnRef>
+          <a:fillRef idx="1">
+            <a:schemeClr val="accent1"/>
+          </a:fillRef>
+          <a:effectRef idx="0">
+            <a:schemeClr val="accent1"/>
+          </a:effectRef>
+          <a:fontRef idx="minor">
+            <a:schemeClr val="lt1"/>
+          </a:fontRef>
+        </p:style>
+        <p:txBody>
+          <a:bodyPr lIns="0" rIns="0" rtlCol="0" anchor="ctr"/>
+          <a:lstStyle/>
+          <a:p>
+            <a:pPr algn="ctr"/>
+            <a:r>
+              <a:rPr lang="en-US" altLang="ko-KR" sz="1100" dirty="0">
+                <a:solidFill>
+                  <a:schemeClr val="tx1"/>
+                </a:solidFill>
+              </a:rPr>
+              <a:t>Front </a:t>
+            </a:r>
+            <a:r>
+              <a:rPr lang="en-US" altLang="ko-KR" sz="1100" dirty="0" smtClean="0">
+                <a:solidFill>
+                  <a:schemeClr val="tx1"/>
+                </a:solidFill>
+              </a:rPr>
+              <a:t>H/D Roll Dia. (mm) </a:t>
+            </a:r>
+            <a:endParaRPr lang="ko-KR" altLang="en-US" sz="1100" dirty="0" smtClean="0">
+              <a:solidFill>
+                <a:schemeClr val="tx1"/>
+              </a:solidFill>
+            </a:endParaRPr>
+          </a:p>
+        </p:txBody>
+      </p:sp>
+      <p:sp>
+        <p:nvSpPr>
+          <p:cNvPr id="43" name="직사각형 42"/>
+          <p:cNvSpPr/>
+          <p:nvPr/>
+        </p:nvSpPr>
+        <p:spPr>
+          <a:xfrm>
+            <a:off x="14283103" y="2743546"/>
+            <a:ext cx="1207477" cy="158262"/>
+          </a:xfrm>
+          <a:prstGeom prst="rect">
+            <a:avLst/>
+          </a:prstGeom>
+          <a:noFill/>
+          <a:ln>
+            <a:solidFill>
+              <a:schemeClr val="tx1"/>
+            </a:solidFill>
+          </a:ln>
+        </p:spPr>
+        <p:style>
+          <a:lnRef idx="2">
+            <a:schemeClr val="accent1">
+              <a:shade val="50000"/>
+            </a:schemeClr>
+          </a:lnRef>
+          <a:fillRef idx="1">
+            <a:schemeClr val="accent1"/>
+          </a:fillRef>
+          <a:effectRef idx="0">
+            <a:schemeClr val="accent1"/>
+          </a:effectRef>
+          <a:fontRef idx="minor">
+            <a:schemeClr val="lt1"/>
+          </a:fontRef>
+        </p:style>
+        <p:txBody>
+          <a:bodyPr rtlCol="0" anchor="ctr"/>
+          <a:lstStyle/>
+          <a:p>
+            <a:pPr algn="ctr"/>
+            <a:r>
+              <a:rPr lang="en-US" altLang="ko-KR" sz="1100" dirty="0" smtClean="0">
+                <a:solidFill>
+                  <a:schemeClr val="tx1"/>
+                </a:solidFill>
+              </a:rPr>
+              <a:t>100.0</a:t>
+            </a:r>
+            <a:r>
+              <a:rPr lang="ko-KR" altLang="en-US" sz="1100" dirty="0" smtClean="0">
+                <a:solidFill>
+                  <a:schemeClr val="tx1"/>
+                </a:solidFill>
+              </a:rPr>
+              <a:t> </a:t>
+            </a:r>
+          </a:p>
+        </p:txBody>
+      </p:sp>
+      <p:sp>
+        <p:nvSpPr>
+          <p:cNvPr id="44" name="직사각형 43"/>
+          <p:cNvSpPr/>
+          <p:nvPr/>
+        </p:nvSpPr>
+        <p:spPr>
+          <a:xfrm>
+            <a:off x="9684261" y="3001450"/>
+            <a:ext cx="3600000" cy="178238"/>
+          </a:xfrm>
+          <a:prstGeom prst="rect">
+            <a:avLst/>
+          </a:prstGeom>
+          <a:solidFill>
+            <a:schemeClr val="bg1">
+              <a:lumMod val="95000"/>
+            </a:schemeClr>
+          </a:solidFill>
+          <a:ln>
+            <a:solidFill>
+              <a:schemeClr val="tx1"/>
+            </a:solidFill>
+          </a:ln>
+        </p:spPr>
+        <p:style>
+          <a:lnRef idx="2">
+            <a:schemeClr val="accent1">
+              <a:shade val="50000"/>
+            </a:schemeClr>
+          </a:lnRef>
+          <a:fillRef idx="1">
+            <a:schemeClr val="accent1"/>
+          </a:fillRef>
+          <a:effectRef idx="0">
+            <a:schemeClr val="accent1"/>
+          </a:effectRef>
+          <a:fontRef idx="minor">
+            <a:schemeClr val="lt1"/>
+          </a:fontRef>
+        </p:style>
+        <p:txBody>
+          <a:bodyPr lIns="0" rIns="0" rtlCol="0" anchor="ctr"/>
+          <a:lstStyle/>
+          <a:p>
+            <a:pPr algn="ctr"/>
+            <a:r>
+              <a:rPr lang="en-US" altLang="ko-KR" sz="1100" dirty="0">
+                <a:solidFill>
+                  <a:schemeClr val="tx1"/>
+                </a:solidFill>
+              </a:rPr>
+              <a:t>Front </a:t>
+            </a:r>
+            <a:r>
+              <a:rPr lang="en-US" altLang="ko-KR" sz="1100" dirty="0" smtClean="0">
+                <a:solidFill>
+                  <a:schemeClr val="tx1"/>
+                </a:solidFill>
+              </a:rPr>
+              <a:t>H/D Roll Pitch(mm) </a:t>
+            </a:r>
+            <a:endParaRPr lang="ko-KR" altLang="en-US" sz="1100" dirty="0" smtClean="0">
+              <a:solidFill>
+                <a:schemeClr val="tx1"/>
+              </a:solidFill>
+            </a:endParaRPr>
+          </a:p>
+        </p:txBody>
+      </p:sp>
+      <p:sp>
+        <p:nvSpPr>
+          <p:cNvPr id="45" name="직사각형 44"/>
+          <p:cNvSpPr/>
+          <p:nvPr/>
+        </p:nvSpPr>
+        <p:spPr>
+          <a:xfrm>
+            <a:off x="14287011" y="3001450"/>
+            <a:ext cx="1207477" cy="158262"/>
+          </a:xfrm>
+          <a:prstGeom prst="rect">
+            <a:avLst/>
+          </a:prstGeom>
+          <a:noFill/>
+          <a:ln>
+            <a:solidFill>
+              <a:schemeClr val="tx1"/>
+            </a:solidFill>
+          </a:ln>
+        </p:spPr>
+        <p:style>
+          <a:lnRef idx="2">
+            <a:schemeClr val="accent1">
+              <a:shade val="50000"/>
+            </a:schemeClr>
+          </a:lnRef>
+          <a:fillRef idx="1">
+            <a:schemeClr val="accent1"/>
+          </a:fillRef>
+          <a:effectRef idx="0">
+            <a:schemeClr val="accent1"/>
+          </a:effectRef>
+          <a:fontRef idx="minor">
+            <a:schemeClr val="lt1"/>
+          </a:fontRef>
+        </p:style>
+        <p:txBody>
+          <a:bodyPr rtlCol="0" anchor="ctr"/>
+          <a:lstStyle/>
+          <a:p>
+            <a:pPr algn="ctr"/>
+            <a:r>
+              <a:rPr lang="en-US" altLang="ko-KR" sz="1100" dirty="0" smtClean="0">
+                <a:solidFill>
+                  <a:schemeClr val="tx1"/>
+                </a:solidFill>
+              </a:rPr>
+              <a:t>250.0</a:t>
+            </a:r>
+            <a:r>
+              <a:rPr lang="ko-KR" altLang="en-US" sz="1100" dirty="0" smtClean="0">
+                <a:solidFill>
+                  <a:schemeClr val="tx1"/>
+                </a:solidFill>
+              </a:rPr>
+              <a:t> </a:t>
+            </a:r>
+          </a:p>
+        </p:txBody>
+      </p:sp>
+      <p:sp>
+        <p:nvSpPr>
+          <p:cNvPr id="46" name="직사각형 45"/>
+          <p:cNvSpPr/>
+          <p:nvPr/>
+        </p:nvSpPr>
+        <p:spPr>
+          <a:xfrm>
+            <a:off x="9676445" y="3268150"/>
+            <a:ext cx="3600000" cy="178238"/>
+          </a:xfrm>
+          <a:prstGeom prst="rect">
+            <a:avLst/>
+          </a:prstGeom>
+          <a:solidFill>
+            <a:schemeClr val="bg1">
+              <a:lumMod val="95000"/>
+            </a:schemeClr>
+          </a:solidFill>
+          <a:ln>
+            <a:solidFill>
+              <a:schemeClr val="tx1"/>
+            </a:solidFill>
+          </a:ln>
+        </p:spPr>
+        <p:style>
+          <a:lnRef idx="2">
+            <a:schemeClr val="accent1">
+              <a:shade val="50000"/>
+            </a:schemeClr>
+          </a:lnRef>
+          <a:fillRef idx="1">
+            <a:schemeClr val="accent1"/>
+          </a:fillRef>
+          <a:effectRef idx="0">
+            <a:schemeClr val="accent1"/>
+          </a:effectRef>
+          <a:fontRef idx="minor">
+            <a:schemeClr val="lt1"/>
+          </a:fontRef>
+        </p:style>
+        <p:txBody>
+          <a:bodyPr lIns="0" rIns="0" rtlCol="0" anchor="ctr"/>
+          <a:lstStyle/>
+          <a:p>
+            <a:pPr algn="ctr"/>
+            <a:r>
+              <a:rPr lang="en-US" altLang="ko-KR" sz="1100" dirty="0">
+                <a:solidFill>
+                  <a:schemeClr val="tx1"/>
+                </a:solidFill>
+              </a:rPr>
+              <a:t>Front </a:t>
+            </a:r>
+            <a:r>
+              <a:rPr lang="en-US" altLang="ko-KR" sz="1100" dirty="0" smtClean="0">
+                <a:solidFill>
+                  <a:schemeClr val="tx1"/>
+                </a:solidFill>
+              </a:rPr>
+              <a:t>H/D Roll Vertical. Pos. </a:t>
+            </a:r>
+            <a:r>
+              <a:rPr lang="en-US" altLang="ko-KR" sz="1100" dirty="0">
+                <a:solidFill>
+                  <a:schemeClr val="tx1"/>
+                </a:solidFill>
+              </a:rPr>
+              <a:t>(mm)</a:t>
+            </a:r>
+            <a:endParaRPr lang="ko-KR" altLang="en-US" sz="1100" dirty="0" smtClean="0">
+              <a:solidFill>
+                <a:schemeClr val="tx1"/>
+              </a:solidFill>
+            </a:endParaRPr>
+          </a:p>
+        </p:txBody>
+      </p:sp>
+      <p:sp>
+        <p:nvSpPr>
+          <p:cNvPr id="47" name="직사각형 46"/>
+          <p:cNvSpPr/>
+          <p:nvPr/>
+        </p:nvSpPr>
+        <p:spPr>
+          <a:xfrm>
+            <a:off x="14279195" y="3268150"/>
+            <a:ext cx="1207477" cy="158262"/>
+          </a:xfrm>
+          <a:prstGeom prst="rect">
+            <a:avLst/>
+          </a:prstGeom>
+          <a:noFill/>
+          <a:ln>
+            <a:solidFill>
+              <a:schemeClr val="tx1"/>
+            </a:solidFill>
+          </a:ln>
+        </p:spPr>
+        <p:style>
+          <a:lnRef idx="2">
+            <a:schemeClr val="accent1">
+              <a:shade val="50000"/>
+            </a:schemeClr>
+          </a:lnRef>
+          <a:fillRef idx="1">
+            <a:schemeClr val="accent1"/>
+          </a:fillRef>
+          <a:effectRef idx="0">
+            <a:schemeClr val="accent1"/>
+          </a:effectRef>
+          <a:fontRef idx="minor">
+            <a:schemeClr val="lt1"/>
+          </a:fontRef>
+        </p:style>
+        <p:txBody>
+          <a:bodyPr rtlCol="0" anchor="ctr"/>
+          <a:lstStyle/>
+          <a:p>
+            <a:pPr algn="ctr"/>
+            <a:r>
+              <a:rPr lang="en-US" altLang="ko-KR" sz="1100" dirty="0" smtClean="0">
+                <a:solidFill>
+                  <a:schemeClr val="tx1"/>
+                </a:solidFill>
+              </a:rPr>
+              <a:t>300.0</a:t>
+            </a:r>
+            <a:r>
+              <a:rPr lang="ko-KR" altLang="en-US" sz="1100" dirty="0" smtClean="0">
+                <a:solidFill>
+                  <a:schemeClr val="tx1"/>
+                </a:solidFill>
+              </a:rPr>
+              <a:t> </a:t>
+            </a:r>
+          </a:p>
+        </p:txBody>
+      </p:sp>
+      <p:sp>
+        <p:nvSpPr>
+          <p:cNvPr id="48" name="직사각형 47"/>
+          <p:cNvSpPr/>
+          <p:nvPr/>
+        </p:nvSpPr>
+        <p:spPr>
+          <a:xfrm>
+            <a:off x="9688027" y="3685201"/>
+            <a:ext cx="3600000" cy="178238"/>
+          </a:xfrm>
+          <a:prstGeom prst="rect">
+            <a:avLst/>
+          </a:prstGeom>
+          <a:solidFill>
+            <a:schemeClr val="bg1">
+              <a:lumMod val="95000"/>
+            </a:schemeClr>
+          </a:solidFill>
+          <a:ln>
+            <a:solidFill>
+              <a:schemeClr val="tx1">
+                <a:lumMod val="95000"/>
+                <a:lumOff val="5000"/>
+              </a:schemeClr>
+            </a:solidFill>
+          </a:ln>
+        </p:spPr>
+        <p:style>
+          <a:lnRef idx="2">
+            <a:schemeClr val="accent1">
+              <a:shade val="50000"/>
+            </a:schemeClr>
+          </a:lnRef>
+          <a:fillRef idx="1">
+            <a:schemeClr val="accent1"/>
+          </a:fillRef>
+          <a:effectRef idx="0">
+            <a:schemeClr val="accent1"/>
+          </a:effectRef>
+          <a:fontRef idx="minor">
+            <a:schemeClr val="lt1"/>
+          </a:fontRef>
+        </p:style>
+        <p:txBody>
+          <a:bodyPr lIns="0" rIns="0" rtlCol="0" anchor="ctr"/>
+          <a:lstStyle/>
+          <a:p>
+            <a:pPr algn="ctr"/>
+            <a:r>
+              <a:rPr lang="en-US" altLang="ko-KR" sz="1100" dirty="0" smtClean="0">
+                <a:solidFill>
+                  <a:schemeClr val="tx1"/>
+                </a:solidFill>
+              </a:rPr>
+              <a:t>Rear Roll </a:t>
+            </a:r>
+            <a:r>
+              <a:rPr lang="ko-KR" altLang="en-US" sz="1100" dirty="0" smtClean="0">
+                <a:solidFill>
+                  <a:schemeClr val="tx1"/>
+                </a:solidFill>
+              </a:rPr>
+              <a:t>배치</a:t>
+            </a:r>
+          </a:p>
+        </p:txBody>
+      </p:sp>
+      <p:sp>
+        <p:nvSpPr>
+          <p:cNvPr id="49" name="직사각형 48"/>
+          <p:cNvSpPr/>
+          <p:nvPr/>
+        </p:nvSpPr>
+        <p:spPr>
+          <a:xfrm>
+            <a:off x="14290776" y="3685201"/>
+            <a:ext cx="1207477" cy="158262"/>
+          </a:xfrm>
+          <a:prstGeom prst="rect">
+            <a:avLst/>
+          </a:prstGeom>
+          <a:noFill/>
+          <a:ln>
+            <a:solidFill>
+              <a:schemeClr val="bg1"/>
+            </a:solidFill>
+          </a:ln>
+        </p:spPr>
+        <p:style>
+          <a:lnRef idx="2">
+            <a:schemeClr val="accent1">
+              <a:shade val="50000"/>
+            </a:schemeClr>
+          </a:lnRef>
+          <a:fillRef idx="1">
+            <a:schemeClr val="accent1"/>
+          </a:fillRef>
+          <a:effectRef idx="0">
+            <a:schemeClr val="accent1"/>
+          </a:effectRef>
+          <a:fontRef idx="minor">
+            <a:schemeClr val="lt1"/>
+          </a:fontRef>
+        </p:style>
+        <p:txBody>
+          <a:bodyPr rtlCol="0" anchor="ctr"/>
+          <a:lstStyle/>
+          <a:p>
+            <a:pPr algn="ctr"/>
+            <a:r>
+              <a:rPr lang="en-US" altLang="ko-KR" sz="1100" dirty="0" smtClean="0">
+                <a:solidFill>
+                  <a:schemeClr val="tx1"/>
+                </a:solidFill>
+              </a:rPr>
+              <a:t>Upper</a:t>
+            </a:r>
+            <a:r>
+              <a:rPr lang="ko-KR" altLang="en-US" sz="1100" dirty="0" smtClean="0">
+                <a:solidFill>
+                  <a:schemeClr val="tx1"/>
+                </a:solidFill>
+              </a:rPr>
+              <a:t> </a:t>
+            </a:r>
+          </a:p>
+        </p:txBody>
+      </p:sp>
+      <p:sp>
+        <p:nvSpPr>
+          <p:cNvPr id="50" name="직사각형 49"/>
+          <p:cNvSpPr/>
+          <p:nvPr/>
+        </p:nvSpPr>
+        <p:spPr>
+          <a:xfrm>
+            <a:off x="15677298" y="3685201"/>
+            <a:ext cx="1207477" cy="158262"/>
+          </a:xfrm>
+          <a:prstGeom prst="rect">
+            <a:avLst/>
+          </a:prstGeom>
+          <a:noFill/>
+          <a:ln>
+            <a:solidFill>
+              <a:schemeClr val="bg1"/>
+            </a:solidFill>
+          </a:ln>
+        </p:spPr>
+        <p:style>
+          <a:lnRef idx="2">
+            <a:schemeClr val="accent1">
+              <a:shade val="50000"/>
+            </a:schemeClr>
+          </a:lnRef>
+          <a:fillRef idx="1">
+            <a:schemeClr val="accent1"/>
+          </a:fillRef>
+          <a:effectRef idx="0">
+            <a:schemeClr val="accent1"/>
+          </a:effectRef>
+          <a:fontRef idx="minor">
+            <a:schemeClr val="lt1"/>
+          </a:fontRef>
+        </p:style>
+        <p:txBody>
+          <a:bodyPr rtlCol="0" anchor="ctr"/>
+          <a:lstStyle/>
+          <a:p>
+            <a:pPr algn="ctr"/>
+            <a:r>
+              <a:rPr lang="en-US" altLang="ko-KR" sz="1100" dirty="0" smtClean="0">
+                <a:solidFill>
+                  <a:schemeClr val="tx1"/>
+                </a:solidFill>
+              </a:rPr>
+              <a:t>Lower</a:t>
+            </a:r>
+            <a:endParaRPr lang="ko-KR" altLang="en-US" sz="1100" dirty="0" smtClean="0">
+              <a:solidFill>
+                <a:schemeClr val="tx1"/>
+              </a:solidFill>
+            </a:endParaRPr>
+          </a:p>
+        </p:txBody>
+      </p:sp>
+      <p:sp>
+        <p:nvSpPr>
+          <p:cNvPr id="51" name="타원 50"/>
+          <p:cNvSpPr/>
+          <p:nvPr/>
+        </p:nvSpPr>
+        <p:spPr>
+          <a:xfrm>
+            <a:off x="14267324" y="3685201"/>
+            <a:ext cx="211016" cy="158262"/>
+          </a:xfrm>
+          <a:prstGeom prst="ellipse">
+            <a:avLst/>
+          </a:prstGeom>
+          <a:solidFill>
+            <a:srgbClr val="FFFF00"/>
+          </a:solidFill>
+          <a:ln>
+            <a:solidFill>
+              <a:schemeClr val="tx1">
+                <a:lumMod val="95000"/>
+                <a:lumOff val="5000"/>
+              </a:schemeClr>
+            </a:solidFill>
+          </a:ln>
+        </p:spPr>
+        <p:style>
+          <a:lnRef idx="2">
+            <a:schemeClr val="accent1">
+              <a:shade val="50000"/>
+            </a:schemeClr>
+          </a:lnRef>
+          <a:fillRef idx="1">
+            <a:schemeClr val="accent1"/>
+          </a:fillRef>
+          <a:effectRef idx="0">
+            <a:schemeClr val="accent1"/>
+          </a:effectRef>
+          <a:fontRef idx="minor">
+            <a:schemeClr val="lt1"/>
+          </a:fontRef>
+        </p:style>
+        <p:txBody>
+          <a:bodyPr rtlCol="0" anchor="ctr"/>
+          <a:lstStyle/>
+          <a:p>
+            <a:pPr algn="ctr"/>
+            <a:endParaRPr lang="ko-KR" altLang="en-US" dirty="0" smtClean="0">
+              <a:solidFill>
+                <a:schemeClr val="tx1"/>
+              </a:solidFill>
+            </a:endParaRPr>
+          </a:p>
+        </p:txBody>
+      </p:sp>
+      <p:sp>
+        <p:nvSpPr>
+          <p:cNvPr id="52" name="타원 51"/>
+          <p:cNvSpPr/>
+          <p:nvPr/>
+        </p:nvSpPr>
+        <p:spPr>
+          <a:xfrm>
+            <a:off x="15638933" y="3685201"/>
+            <a:ext cx="211016" cy="158262"/>
+          </a:xfrm>
+          <a:prstGeom prst="ellipse">
+            <a:avLst/>
+          </a:prstGeom>
+          <a:solidFill>
+            <a:schemeClr val="bg1"/>
+          </a:solidFill>
+          <a:ln>
+            <a:solidFill>
+              <a:schemeClr val="tx1">
+                <a:lumMod val="95000"/>
+                <a:lumOff val="5000"/>
+              </a:schemeClr>
+            </a:solidFill>
+          </a:ln>
+        </p:spPr>
+        <p:style>
+          <a:lnRef idx="2">
+            <a:schemeClr val="accent1">
+              <a:shade val="50000"/>
+            </a:schemeClr>
+          </a:lnRef>
+          <a:fillRef idx="1">
+            <a:schemeClr val="accent1"/>
+          </a:fillRef>
+          <a:effectRef idx="0">
+            <a:schemeClr val="accent1"/>
+          </a:effectRef>
+          <a:fontRef idx="minor">
+            <a:schemeClr val="lt1"/>
+          </a:fontRef>
+        </p:style>
+        <p:txBody>
+          <a:bodyPr rtlCol="0" anchor="ctr"/>
+          <a:lstStyle/>
+          <a:p>
+            <a:pPr algn="ctr"/>
+            <a:endParaRPr lang="ko-KR" altLang="en-US" dirty="0" smtClean="0">
+              <a:solidFill>
+                <a:schemeClr val="tx1"/>
+              </a:solidFill>
+            </a:endParaRPr>
+          </a:p>
+        </p:txBody>
+      </p:sp>
+      <p:sp>
+        <p:nvSpPr>
+          <p:cNvPr id="53" name="직사각형 52"/>
+          <p:cNvSpPr/>
+          <p:nvPr/>
+        </p:nvSpPr>
+        <p:spPr>
+          <a:xfrm>
+            <a:off x="9688027" y="3956996"/>
+            <a:ext cx="3600000" cy="178238"/>
+          </a:xfrm>
+          <a:prstGeom prst="rect">
+            <a:avLst/>
+          </a:prstGeom>
+          <a:solidFill>
+            <a:schemeClr val="bg1">
+              <a:lumMod val="95000"/>
+            </a:schemeClr>
+          </a:solidFill>
+          <a:ln>
+            <a:solidFill>
+              <a:schemeClr val="tx1"/>
+            </a:solidFill>
+          </a:ln>
+        </p:spPr>
+        <p:style>
+          <a:lnRef idx="2">
+            <a:schemeClr val="accent1">
+              <a:shade val="50000"/>
+            </a:schemeClr>
+          </a:lnRef>
+          <a:fillRef idx="1">
+            <a:schemeClr val="accent1"/>
+          </a:fillRef>
+          <a:effectRef idx="0">
+            <a:schemeClr val="accent1"/>
+          </a:effectRef>
+          <a:fontRef idx="minor">
+            <a:schemeClr val="lt1"/>
+          </a:fontRef>
+        </p:style>
+        <p:txBody>
+          <a:bodyPr lIns="0" rIns="0" rtlCol="0" anchor="ctr"/>
+          <a:lstStyle/>
+          <a:p>
+            <a:pPr algn="ctr"/>
+            <a:r>
+              <a:rPr lang="en-US" altLang="ko-KR" sz="1100" dirty="0" smtClean="0">
+                <a:solidFill>
+                  <a:schemeClr val="tx1"/>
+                </a:solidFill>
+              </a:rPr>
+              <a:t>Rear H/D Roll Dia.</a:t>
+            </a:r>
+            <a:r>
+              <a:rPr lang="en-US" altLang="ko-KR" sz="1100" dirty="0">
+                <a:solidFill>
+                  <a:schemeClr val="tx1"/>
+                </a:solidFill>
+              </a:rPr>
+              <a:t> (mm</a:t>
+            </a:r>
+            <a:r>
+              <a:rPr lang="en-US" altLang="ko-KR" sz="1100" dirty="0" smtClean="0">
+                <a:solidFill>
+                  <a:schemeClr val="tx1"/>
+                </a:solidFill>
+              </a:rPr>
+              <a:t>) </a:t>
+            </a:r>
+            <a:endParaRPr lang="ko-KR" altLang="en-US" sz="1100" dirty="0" smtClean="0">
+              <a:solidFill>
+                <a:schemeClr val="tx1"/>
+              </a:solidFill>
+            </a:endParaRPr>
+          </a:p>
+        </p:txBody>
+      </p:sp>
+      <p:sp>
+        <p:nvSpPr>
+          <p:cNvPr id="54" name="직사각형 53"/>
+          <p:cNvSpPr/>
+          <p:nvPr/>
+        </p:nvSpPr>
+        <p:spPr>
+          <a:xfrm>
+            <a:off x="14290776" y="3956996"/>
+            <a:ext cx="1207477" cy="158262"/>
+          </a:xfrm>
+          <a:prstGeom prst="rect">
+            <a:avLst/>
+          </a:prstGeom>
+          <a:noFill/>
+          <a:ln>
+            <a:solidFill>
+              <a:schemeClr val="tx1"/>
+            </a:solidFill>
+          </a:ln>
+        </p:spPr>
+        <p:style>
+          <a:lnRef idx="2">
+            <a:schemeClr val="accent1">
+              <a:shade val="50000"/>
+            </a:schemeClr>
+          </a:lnRef>
+          <a:fillRef idx="1">
+            <a:schemeClr val="accent1"/>
+          </a:fillRef>
+          <a:effectRef idx="0">
+            <a:schemeClr val="accent1"/>
+          </a:effectRef>
+          <a:fontRef idx="minor">
+            <a:schemeClr val="lt1"/>
+          </a:fontRef>
+        </p:style>
+        <p:txBody>
+          <a:bodyPr rtlCol="0" anchor="ctr"/>
+          <a:lstStyle/>
+          <a:p>
+            <a:pPr algn="ctr"/>
+            <a:r>
+              <a:rPr lang="en-US" altLang="ko-KR" sz="1100" dirty="0" smtClean="0">
+                <a:solidFill>
+                  <a:schemeClr val="tx1"/>
+                </a:solidFill>
+              </a:rPr>
+              <a:t>100.0</a:t>
+            </a:r>
+            <a:r>
+              <a:rPr lang="ko-KR" altLang="en-US" sz="1100" dirty="0" smtClean="0">
+                <a:solidFill>
+                  <a:schemeClr val="tx1"/>
+                </a:solidFill>
+              </a:rPr>
+              <a:t> </a:t>
+            </a:r>
+          </a:p>
+        </p:txBody>
+      </p:sp>
+      <p:sp>
+        <p:nvSpPr>
+          <p:cNvPr id="55" name="직사각형 54"/>
+          <p:cNvSpPr/>
+          <p:nvPr/>
+        </p:nvSpPr>
+        <p:spPr>
+          <a:xfrm>
+            <a:off x="9691935" y="4214900"/>
+            <a:ext cx="3600000" cy="178238"/>
+          </a:xfrm>
+          <a:prstGeom prst="rect">
+            <a:avLst/>
+          </a:prstGeom>
+          <a:solidFill>
+            <a:schemeClr val="bg1">
+              <a:lumMod val="95000"/>
+            </a:schemeClr>
+          </a:solidFill>
+          <a:ln>
+            <a:solidFill>
+              <a:schemeClr val="tx1"/>
+            </a:solidFill>
+          </a:ln>
+        </p:spPr>
+        <p:style>
+          <a:lnRef idx="2">
+            <a:schemeClr val="accent1">
+              <a:shade val="50000"/>
+            </a:schemeClr>
+          </a:lnRef>
+          <a:fillRef idx="1">
+            <a:schemeClr val="accent1"/>
+          </a:fillRef>
+          <a:effectRef idx="0">
+            <a:schemeClr val="accent1"/>
+          </a:effectRef>
+          <a:fontRef idx="minor">
+            <a:schemeClr val="lt1"/>
+          </a:fontRef>
+        </p:style>
+        <p:txBody>
+          <a:bodyPr lIns="0" rIns="0" rtlCol="0" anchor="ctr"/>
+          <a:lstStyle/>
+          <a:p>
+            <a:pPr algn="ctr"/>
+            <a:r>
+              <a:rPr lang="en-US" altLang="ko-KR" sz="1100" dirty="0" smtClean="0">
+                <a:solidFill>
+                  <a:schemeClr val="tx1"/>
+                </a:solidFill>
+              </a:rPr>
+              <a:t>Rear H/D Roll Pitch</a:t>
+            </a:r>
+            <a:r>
+              <a:rPr lang="en-US" altLang="ko-KR" sz="1100" dirty="0">
+                <a:solidFill>
+                  <a:schemeClr val="tx1"/>
+                </a:solidFill>
+              </a:rPr>
+              <a:t>(mm</a:t>
+            </a:r>
+            <a:r>
+              <a:rPr lang="en-US" altLang="ko-KR" sz="1100" dirty="0" smtClean="0">
+                <a:solidFill>
+                  <a:schemeClr val="tx1"/>
+                </a:solidFill>
+              </a:rPr>
+              <a:t>)</a:t>
+            </a:r>
+            <a:endParaRPr lang="ko-KR" altLang="en-US" sz="1100" dirty="0">
+              <a:solidFill>
+                <a:schemeClr val="tx1"/>
+              </a:solidFill>
+            </a:endParaRPr>
+          </a:p>
+        </p:txBody>
+      </p:sp>
+      <p:sp>
+        <p:nvSpPr>
+          <p:cNvPr id="56" name="직사각형 55"/>
+          <p:cNvSpPr/>
+          <p:nvPr/>
+        </p:nvSpPr>
+        <p:spPr>
+          <a:xfrm>
+            <a:off x="14294684" y="4214900"/>
+            <a:ext cx="1207477" cy="158262"/>
+          </a:xfrm>
+          <a:prstGeom prst="rect">
+            <a:avLst/>
+          </a:prstGeom>
+          <a:noFill/>
+          <a:ln>
+            <a:solidFill>
+              <a:schemeClr val="tx1"/>
+            </a:solidFill>
+          </a:ln>
+        </p:spPr>
+        <p:style>
+          <a:lnRef idx="2">
+            <a:schemeClr val="accent1">
+              <a:shade val="50000"/>
+            </a:schemeClr>
+          </a:lnRef>
+          <a:fillRef idx="1">
+            <a:schemeClr val="accent1"/>
+          </a:fillRef>
+          <a:effectRef idx="0">
+            <a:schemeClr val="accent1"/>
+          </a:effectRef>
+          <a:fontRef idx="minor">
+            <a:schemeClr val="lt1"/>
+          </a:fontRef>
+        </p:style>
+        <p:txBody>
+          <a:bodyPr rtlCol="0" anchor="ctr"/>
+          <a:lstStyle/>
+          <a:p>
+            <a:pPr algn="ctr"/>
+            <a:r>
+              <a:rPr lang="en-US" altLang="ko-KR" sz="1100" dirty="0" smtClean="0">
+                <a:solidFill>
+                  <a:schemeClr val="tx1"/>
+                </a:solidFill>
+              </a:rPr>
+              <a:t>250.0</a:t>
+            </a:r>
+            <a:r>
+              <a:rPr lang="ko-KR" altLang="en-US" sz="1100" dirty="0" smtClean="0">
+                <a:solidFill>
+                  <a:schemeClr val="tx1"/>
+                </a:solidFill>
+              </a:rPr>
+              <a:t> </a:t>
+            </a:r>
+          </a:p>
+        </p:txBody>
+      </p:sp>
+      <p:sp>
+        <p:nvSpPr>
+          <p:cNvPr id="57" name="직사각형 56"/>
+          <p:cNvSpPr/>
+          <p:nvPr/>
+        </p:nvSpPr>
+        <p:spPr>
+          <a:xfrm>
+            <a:off x="9684119" y="4481600"/>
+            <a:ext cx="3600000" cy="178238"/>
+          </a:xfrm>
+          <a:prstGeom prst="rect">
+            <a:avLst/>
+          </a:prstGeom>
+          <a:solidFill>
+            <a:schemeClr val="bg1">
+              <a:lumMod val="95000"/>
+            </a:schemeClr>
+          </a:solidFill>
+          <a:ln>
+            <a:solidFill>
+              <a:schemeClr val="tx1"/>
+            </a:solidFill>
+          </a:ln>
+        </p:spPr>
+        <p:style>
+          <a:lnRef idx="2">
+            <a:schemeClr val="accent1">
+              <a:shade val="50000"/>
+            </a:schemeClr>
+          </a:lnRef>
+          <a:fillRef idx="1">
+            <a:schemeClr val="accent1"/>
+          </a:fillRef>
+          <a:effectRef idx="0">
+            <a:schemeClr val="accent1"/>
+          </a:effectRef>
+          <a:fontRef idx="minor">
+            <a:schemeClr val="lt1"/>
+          </a:fontRef>
+        </p:style>
+        <p:txBody>
+          <a:bodyPr lIns="0" rIns="0" rtlCol="0" anchor="ctr"/>
+          <a:lstStyle/>
+          <a:p>
+            <a:pPr algn="ctr"/>
+            <a:r>
+              <a:rPr lang="en-US" altLang="ko-KR" sz="1100" dirty="0" smtClean="0">
+                <a:solidFill>
+                  <a:schemeClr val="tx1"/>
+                </a:solidFill>
+              </a:rPr>
+              <a:t>Rear H/D Roll Ver. Pos.</a:t>
+            </a:r>
+            <a:r>
+              <a:rPr lang="en-US" altLang="ko-KR" sz="1100" dirty="0">
+                <a:solidFill>
+                  <a:schemeClr val="tx1"/>
+                </a:solidFill>
+              </a:rPr>
+              <a:t> (mm</a:t>
+            </a:r>
+            <a:r>
+              <a:rPr lang="en-US" altLang="ko-KR" sz="1100" dirty="0" smtClean="0">
+                <a:solidFill>
+                  <a:schemeClr val="tx1"/>
+                </a:solidFill>
+              </a:rPr>
+              <a:t>) </a:t>
+            </a:r>
+            <a:endParaRPr lang="ko-KR" altLang="en-US" sz="1100" dirty="0" smtClean="0">
+              <a:solidFill>
+                <a:schemeClr val="tx1"/>
+              </a:solidFill>
+            </a:endParaRPr>
+          </a:p>
+        </p:txBody>
+      </p:sp>
+      <p:sp>
+        <p:nvSpPr>
+          <p:cNvPr id="58" name="직사각형 57"/>
+          <p:cNvSpPr/>
+          <p:nvPr/>
+        </p:nvSpPr>
+        <p:spPr>
+          <a:xfrm>
+            <a:off x="14286868" y="4481600"/>
+            <a:ext cx="1207477" cy="158262"/>
+          </a:xfrm>
+          <a:prstGeom prst="rect">
+            <a:avLst/>
+          </a:prstGeom>
+          <a:noFill/>
+          <a:ln>
+            <a:solidFill>
+              <a:schemeClr val="tx1"/>
+            </a:solidFill>
+          </a:ln>
+        </p:spPr>
+        <p:style>
+          <a:lnRef idx="2">
+            <a:schemeClr val="accent1">
+              <a:shade val="50000"/>
+            </a:schemeClr>
+          </a:lnRef>
+          <a:fillRef idx="1">
+            <a:schemeClr val="accent1"/>
+          </a:fillRef>
+          <a:effectRef idx="0">
+            <a:schemeClr val="accent1"/>
+          </a:effectRef>
+          <a:fontRef idx="minor">
+            <a:schemeClr val="lt1"/>
+          </a:fontRef>
+        </p:style>
+        <p:txBody>
+          <a:bodyPr rtlCol="0" anchor="ctr"/>
+          <a:lstStyle/>
+          <a:p>
+            <a:pPr algn="ctr"/>
+            <a:r>
+              <a:rPr lang="en-US" altLang="ko-KR" sz="1100" dirty="0" smtClean="0">
+                <a:solidFill>
+                  <a:schemeClr val="tx1"/>
+                </a:solidFill>
+              </a:rPr>
+              <a:t>300.0</a:t>
+            </a:r>
+            <a:r>
+              <a:rPr lang="ko-KR" altLang="en-US" sz="1100" dirty="0" smtClean="0">
+                <a:solidFill>
+                  <a:schemeClr val="tx1"/>
+                </a:solidFill>
+              </a:rPr>
+              <a:t> </a:t>
+            </a:r>
+          </a:p>
+        </p:txBody>
+      </p:sp>
+      <p:sp>
+        <p:nvSpPr>
+          <p:cNvPr id="27" name="직사각형 26"/>
+          <p:cNvSpPr/>
+          <p:nvPr/>
+        </p:nvSpPr>
+        <p:spPr>
+          <a:xfrm>
+            <a:off x="6242755" y="2048933"/>
+            <a:ext cx="1591735" cy="245534"/>
+          </a:xfrm>
+          <a:prstGeom prst="rect">
+            <a:avLst/>
+          </a:prstGeom>
+          <a:noFill/>
+          <a:ln>
+            <a:solidFill>
+              <a:schemeClr val="tx1">
+                <a:lumMod val="95000"/>
+                <a:lumOff val="5000"/>
+              </a:schemeClr>
+            </a:solidFill>
+          </a:ln>
+        </p:spPr>
+        <p:style>
+          <a:lnRef idx="2">
+            <a:schemeClr val="accent1">
+              <a:shade val="50000"/>
+            </a:schemeClr>
+          </a:lnRef>
+          <a:fillRef idx="1">
+            <a:schemeClr val="accent1"/>
+          </a:fillRef>
+          <a:effectRef idx="0">
+            <a:schemeClr val="accent1"/>
+          </a:effectRef>
+          <a:fontRef idx="minor">
+            <a:schemeClr val="lt1"/>
+          </a:fontRef>
+        </p:style>
+        <p:txBody>
+          <a:bodyPr rtlCol="0" anchor="ctr"/>
+          <a:lstStyle/>
+          <a:p>
+            <a:pPr algn="ctr"/>
+            <a:endParaRPr lang="ko-KR" altLang="en-US" dirty="0" smtClean="0">
+              <a:solidFill>
+                <a:schemeClr val="tx1"/>
+              </a:solidFill>
+            </a:endParaRPr>
+          </a:p>
+        </p:txBody>
+      </p:sp>
+      <p:sp>
+        <p:nvSpPr>
+          <p:cNvPr id="28" name="TextBox 27"/>
+          <p:cNvSpPr txBox="1"/>
+          <p:nvPr/>
+        </p:nvSpPr>
+        <p:spPr>
+          <a:xfrm>
+            <a:off x="6660445" y="1972742"/>
+            <a:ext cx="1633781" cy="369332"/>
+          </a:xfrm>
+          <a:prstGeom prst="rect">
+            <a:avLst/>
+          </a:prstGeom>
+          <a:noFill/>
+        </p:spPr>
+        <p:txBody>
+          <a:bodyPr wrap="none" rtlCol="0">
+            <a:spAutoFit/>
+          </a:bodyPr>
+          <a:lstStyle/>
+          <a:p>
+            <a:r>
+              <a:rPr lang="ko-KR" altLang="en-US" smtClean="0">
+                <a:latin typeface="Arial Unicode MS" panose="020B0604020202020204" pitchFamily="50" charset="-127"/>
+                <a:ea typeface="맑은 고딕" panose="020B0503020000020004" pitchFamily="50" charset="-127"/>
+              </a:rPr>
+              <a:t>활성화 </a:t>
+            </a:r>
+            <a:r>
+              <a:rPr lang="ko-KR" altLang="en-US" dirty="0" err="1" smtClean="0">
+                <a:latin typeface="Arial Unicode MS" panose="020B0604020202020204" pitchFamily="50" charset="-127"/>
+                <a:ea typeface="맑은 고딕" panose="020B0503020000020004" pitchFamily="50" charset="-127"/>
+              </a:rPr>
+              <a:t>시킬것</a:t>
+            </a:r>
+            <a:endParaRPr lang="ko-KR" altLang="en-US" dirty="0" smtClean="0">
+              <a:latin typeface="Arial Unicode MS" panose="020B0604020202020204" pitchFamily="50" charset="-127"/>
+              <a:ea typeface="맑은 고딕" panose="020B0503020000020004" pitchFamily="50" charset="-127"/>
+            </a:endParaRPr>
+          </a:p>
+        </p:txBody>
+      </p:sp>
+    </p:spTree>
+    <p:extLst>
+      <p:ext uri="{BB962C8B-B14F-4D97-AF65-F5344CB8AC3E}">
+        <p14:creationId xmlns="" xmlns:p14="http://schemas.microsoft.com/office/powerpoint/2010/main" val="2453992389"/>
+      </p:ext>
+    </p:extLst>
+  </p:cSld>
+  <p:clrMapOvr>
+    <a:masterClrMapping/>
+  </p:clrMapOvr>
+</p:sld>
+</file>
+
+<file path=ppt/slides/slide3.xml><?xml version="1.0" encoding="utf-8"?>
+<p:sld xmlns:a="http://schemas.openxmlformats.org/drawingml/2006/main" xmlns:r="http://schemas.openxmlformats.org/officeDocument/2006/relationships" xmlns:p="http://schemas.openxmlformats.org/presentationml/2006/main">
+  <p:cSld>
+    <p:spTree>
+      <p:nvGrpSpPr>
+        <p:cNvPr id="1" name=""/>
+        <p:cNvGrpSpPr/>
+        <p:nvPr/>
+      </p:nvGrpSpPr>
+      <p:grpSpPr>
+        <a:xfrm>
+          <a:off x="0" y="0"/>
+          <a:ext cx="0" cy="0"/>
+          <a:chOff x="0" y="0"/>
+          <a:chExt cx="0" cy="0"/>
+        </a:xfrm>
+      </p:grpSpPr>
+      <p:sp>
+        <p:nvSpPr>
+          <p:cNvPr id="4" name="제목 3"/>
+          <p:cNvSpPr>
+            <a:spLocks noGrp="1"/>
+          </p:cNvSpPr>
+          <p:nvPr>
+            <p:ph type="title"/>
+          </p:nvPr>
+        </p:nvSpPr>
+        <p:spPr/>
+        <p:txBody>
+          <a:bodyPr/>
+          <a:lstStyle/>
+          <a:p>
+            <a:r>
+              <a:rPr lang="en-US" altLang="ko-KR" dirty="0"/>
+              <a:t>2. </a:t>
+            </a:r>
+            <a:r>
+              <a:rPr lang="en-US" altLang="ko-KR" dirty="0" err="1"/>
+              <a:t>Changable</a:t>
+            </a:r>
+            <a:r>
+              <a:rPr lang="en-US" altLang="ko-KR" dirty="0"/>
+              <a:t> Roll Gap</a:t>
+            </a:r>
+            <a:endParaRPr lang="ko-KR" altLang="en-US" dirty="0"/>
+          </a:p>
+        </p:txBody>
+      </p:sp>
+      <p:sp>
+        <p:nvSpPr>
+          <p:cNvPr id="5" name="직사각형 4"/>
+          <p:cNvSpPr/>
+          <p:nvPr/>
+        </p:nvSpPr>
+        <p:spPr>
+          <a:xfrm>
+            <a:off x="5681933" y="2311063"/>
+            <a:ext cx="6063988" cy="3149458"/>
+          </a:xfrm>
+          <a:prstGeom prst="rect">
+            <a:avLst/>
+          </a:prstGeom>
+          <a:solidFill>
+            <a:schemeClr val="bg1"/>
+          </a:solidFill>
+          <a:ln>
+            <a:solidFill>
+              <a:schemeClr val="tx1">
+                <a:lumMod val="95000"/>
+                <a:lumOff val="5000"/>
+              </a:schemeClr>
+            </a:solidFill>
+          </a:ln>
+        </p:spPr>
+        <p:style>
+          <a:lnRef idx="2">
+            <a:schemeClr val="accent1">
+              <a:shade val="50000"/>
+            </a:schemeClr>
+          </a:lnRef>
+          <a:fillRef idx="1">
+            <a:schemeClr val="accent1"/>
+          </a:fillRef>
+          <a:effectRef idx="0">
+            <a:schemeClr val="accent1"/>
+          </a:effectRef>
+          <a:fontRef idx="minor">
+            <a:schemeClr val="lt1"/>
+          </a:fontRef>
+        </p:style>
+        <p:txBody>
+          <a:bodyPr rtlCol="0" anchor="t"/>
+          <a:lstStyle/>
+          <a:p>
+            <a:pPr algn="ctr"/>
+            <a:r>
+              <a:rPr lang="en-US" altLang="ko-KR" sz="1400" dirty="0" smtClean="0">
+                <a:solidFill>
+                  <a:schemeClr val="tx1"/>
+                </a:solidFill>
+              </a:rPr>
+              <a:t>Roll Movement Information</a:t>
+            </a:r>
+            <a:endParaRPr lang="ko-KR" altLang="en-US" sz="1400" dirty="0" smtClean="0">
+              <a:solidFill>
+                <a:schemeClr val="tx1"/>
+              </a:solidFill>
+            </a:endParaRPr>
+          </a:p>
+        </p:txBody>
+      </p:sp>
+      <p:sp>
+        <p:nvSpPr>
+          <p:cNvPr id="42" name="직사각형 41"/>
+          <p:cNvSpPr/>
+          <p:nvPr/>
+        </p:nvSpPr>
+        <p:spPr>
+          <a:xfrm>
+            <a:off x="6252219" y="2693343"/>
+            <a:ext cx="3600000" cy="178238"/>
+          </a:xfrm>
+          <a:prstGeom prst="rect">
+            <a:avLst/>
+          </a:prstGeom>
+          <a:solidFill>
+            <a:schemeClr val="bg1">
+              <a:lumMod val="95000"/>
+            </a:schemeClr>
+          </a:solidFill>
+          <a:ln>
+            <a:solidFill>
+              <a:schemeClr val="tx1"/>
+            </a:solidFill>
+          </a:ln>
+        </p:spPr>
+        <p:style>
+          <a:lnRef idx="2">
+            <a:schemeClr val="accent1">
+              <a:shade val="50000"/>
+            </a:schemeClr>
+          </a:lnRef>
+          <a:fillRef idx="1">
+            <a:schemeClr val="accent1"/>
+          </a:fillRef>
+          <a:effectRef idx="0">
+            <a:schemeClr val="accent1"/>
+          </a:effectRef>
+          <a:fontRef idx="minor">
+            <a:schemeClr val="lt1"/>
+          </a:fontRef>
+        </p:style>
+        <p:txBody>
+          <a:bodyPr lIns="0" rIns="0" rtlCol="0" anchor="ctr"/>
+          <a:lstStyle/>
+          <a:p>
+            <a:pPr algn="ctr"/>
+            <a:r>
+              <a:rPr lang="en-US" altLang="ko-KR" sz="1100" dirty="0" smtClean="0">
+                <a:solidFill>
+                  <a:schemeClr val="tx1"/>
+                </a:solidFill>
+              </a:rPr>
+              <a:t>Entry Upper Roll Gap-Start (mm)</a:t>
+            </a:r>
+            <a:endParaRPr lang="ko-KR" altLang="en-US" sz="1100" dirty="0" smtClean="0">
+              <a:solidFill>
+                <a:schemeClr val="tx1"/>
+              </a:solidFill>
+            </a:endParaRPr>
+          </a:p>
+        </p:txBody>
+      </p:sp>
+      <p:sp>
+        <p:nvSpPr>
+          <p:cNvPr id="43" name="직사각형 42"/>
+          <p:cNvSpPr/>
+          <p:nvPr/>
+        </p:nvSpPr>
+        <p:spPr>
+          <a:xfrm>
+            <a:off x="10042943" y="2693343"/>
+            <a:ext cx="1207477" cy="158262"/>
+          </a:xfrm>
+          <a:prstGeom prst="rect">
+            <a:avLst/>
+          </a:prstGeom>
+          <a:noFill/>
+          <a:ln>
+            <a:solidFill>
+              <a:schemeClr val="tx1"/>
+            </a:solidFill>
+          </a:ln>
+        </p:spPr>
+        <p:style>
+          <a:lnRef idx="2">
+            <a:schemeClr val="accent1">
+              <a:shade val="50000"/>
+            </a:schemeClr>
+          </a:lnRef>
+          <a:fillRef idx="1">
+            <a:schemeClr val="accent1"/>
+          </a:fillRef>
+          <a:effectRef idx="0">
+            <a:schemeClr val="accent1"/>
+          </a:effectRef>
+          <a:fontRef idx="minor">
+            <a:schemeClr val="lt1"/>
+          </a:fontRef>
+        </p:style>
+        <p:txBody>
+          <a:bodyPr rtlCol="0" anchor="ctr"/>
+          <a:lstStyle/>
+          <a:p>
+            <a:pPr algn="ctr"/>
+            <a:r>
+              <a:rPr lang="en-US" altLang="ko-KR" sz="1100" dirty="0" smtClean="0">
+                <a:solidFill>
+                  <a:schemeClr val="tx1"/>
+                </a:solidFill>
+              </a:rPr>
+              <a:t>20.0</a:t>
+            </a:r>
+            <a:endParaRPr lang="ko-KR" altLang="en-US" sz="1100" dirty="0" smtClean="0">
+              <a:solidFill>
+                <a:schemeClr val="tx1"/>
+              </a:solidFill>
+            </a:endParaRPr>
+          </a:p>
+        </p:txBody>
+      </p:sp>
+      <p:sp>
+        <p:nvSpPr>
+          <p:cNvPr id="44" name="직사각형 43"/>
+          <p:cNvSpPr/>
+          <p:nvPr/>
+        </p:nvSpPr>
+        <p:spPr>
+          <a:xfrm>
+            <a:off x="6256127" y="2951247"/>
+            <a:ext cx="3600000" cy="178238"/>
+          </a:xfrm>
+          <a:prstGeom prst="rect">
+            <a:avLst/>
+          </a:prstGeom>
+          <a:solidFill>
+            <a:schemeClr val="bg1">
+              <a:lumMod val="95000"/>
+            </a:schemeClr>
+          </a:solidFill>
+          <a:ln>
+            <a:solidFill>
+              <a:schemeClr val="tx1"/>
+            </a:solidFill>
+          </a:ln>
+        </p:spPr>
+        <p:style>
+          <a:lnRef idx="2">
+            <a:schemeClr val="accent1">
+              <a:shade val="50000"/>
+            </a:schemeClr>
+          </a:lnRef>
+          <a:fillRef idx="1">
+            <a:schemeClr val="accent1"/>
+          </a:fillRef>
+          <a:effectRef idx="0">
+            <a:schemeClr val="accent1"/>
+          </a:effectRef>
+          <a:fontRef idx="minor">
+            <a:schemeClr val="lt1"/>
+          </a:fontRef>
+        </p:style>
+        <p:txBody>
+          <a:bodyPr lIns="0" rIns="0" rtlCol="0" anchor="ctr"/>
+          <a:lstStyle/>
+          <a:p>
+            <a:pPr algn="ctr"/>
+            <a:r>
+              <a:rPr lang="en-US" altLang="ko-KR" sz="1100" dirty="0">
+                <a:solidFill>
+                  <a:schemeClr val="tx1"/>
+                </a:solidFill>
+              </a:rPr>
+              <a:t>Entry Upper Roll </a:t>
+            </a:r>
+            <a:r>
+              <a:rPr lang="en-US" altLang="ko-KR" sz="1100" dirty="0" smtClean="0">
+                <a:solidFill>
+                  <a:schemeClr val="tx1"/>
+                </a:solidFill>
+              </a:rPr>
+              <a:t>Gap-End </a:t>
+            </a:r>
+            <a:r>
+              <a:rPr lang="en-US" altLang="ko-KR" sz="1100" dirty="0">
+                <a:solidFill>
+                  <a:schemeClr val="tx1"/>
+                </a:solidFill>
+              </a:rPr>
+              <a:t>(</a:t>
+            </a:r>
+            <a:r>
+              <a:rPr lang="en-US" altLang="ko-KR" sz="1100" dirty="0" smtClean="0">
+                <a:solidFill>
+                  <a:schemeClr val="tx1"/>
+                </a:solidFill>
+              </a:rPr>
+              <a:t>mm)</a:t>
+            </a:r>
+            <a:endParaRPr lang="ko-KR" altLang="en-US" sz="1100" dirty="0" smtClean="0">
+              <a:solidFill>
+                <a:schemeClr val="tx1"/>
+              </a:solidFill>
+            </a:endParaRPr>
+          </a:p>
+        </p:txBody>
+      </p:sp>
+      <p:sp>
+        <p:nvSpPr>
+          <p:cNvPr id="45" name="직사각형 44"/>
+          <p:cNvSpPr/>
+          <p:nvPr/>
+        </p:nvSpPr>
+        <p:spPr>
+          <a:xfrm>
+            <a:off x="10046851" y="2951247"/>
+            <a:ext cx="1207477" cy="158262"/>
+          </a:xfrm>
+          <a:prstGeom prst="rect">
+            <a:avLst/>
+          </a:prstGeom>
+          <a:noFill/>
+          <a:ln>
+            <a:solidFill>
+              <a:schemeClr val="tx1"/>
+            </a:solidFill>
+          </a:ln>
+        </p:spPr>
+        <p:style>
+          <a:lnRef idx="2">
+            <a:schemeClr val="accent1">
+              <a:shade val="50000"/>
+            </a:schemeClr>
+          </a:lnRef>
+          <a:fillRef idx="1">
+            <a:schemeClr val="accent1"/>
+          </a:fillRef>
+          <a:effectRef idx="0">
+            <a:schemeClr val="accent1"/>
+          </a:effectRef>
+          <a:fontRef idx="minor">
+            <a:schemeClr val="lt1"/>
+          </a:fontRef>
+        </p:style>
+        <p:txBody>
+          <a:bodyPr rtlCol="0" anchor="ctr"/>
+          <a:lstStyle/>
+          <a:p>
+            <a:pPr algn="ctr"/>
+            <a:r>
+              <a:rPr lang="en-US" altLang="ko-KR" sz="1100" dirty="0" smtClean="0">
+                <a:solidFill>
+                  <a:schemeClr val="tx1"/>
+                </a:solidFill>
+              </a:rPr>
+              <a:t>15.0</a:t>
+            </a:r>
+            <a:endParaRPr lang="ko-KR" altLang="en-US" sz="1100" dirty="0" smtClean="0">
+              <a:solidFill>
+                <a:schemeClr val="tx1"/>
+              </a:solidFill>
+            </a:endParaRPr>
+          </a:p>
+        </p:txBody>
+      </p:sp>
+      <p:pic>
+        <p:nvPicPr>
+          <p:cNvPr id="7" name="그림 6"/>
+          <p:cNvPicPr>
+            <a:picLocks noChangeAspect="1"/>
+          </p:cNvPicPr>
+          <p:nvPr/>
+        </p:nvPicPr>
+        <p:blipFill>
+          <a:blip r:embed="rId2" cstate="print"/>
+          <a:stretch>
+            <a:fillRect/>
+          </a:stretch>
+        </p:blipFill>
+        <p:spPr>
+          <a:xfrm>
+            <a:off x="857834" y="1299350"/>
+            <a:ext cx="4405223" cy="889128"/>
+          </a:xfrm>
+          <a:prstGeom prst="rect">
+            <a:avLst/>
+          </a:prstGeom>
+          <a:ln w="38100">
+            <a:solidFill>
+              <a:srgbClr val="FF0000"/>
+            </a:solidFill>
+          </a:ln>
+        </p:spPr>
+      </p:pic>
+      <p:sp>
+        <p:nvSpPr>
+          <p:cNvPr id="32" name="직사각형 31"/>
+          <p:cNvSpPr/>
+          <p:nvPr/>
+        </p:nvSpPr>
+        <p:spPr>
+          <a:xfrm>
+            <a:off x="6259889" y="3242557"/>
+            <a:ext cx="3600000" cy="178238"/>
+          </a:xfrm>
+          <a:prstGeom prst="rect">
+            <a:avLst/>
+          </a:prstGeom>
+          <a:solidFill>
+            <a:schemeClr val="bg1">
+              <a:lumMod val="95000"/>
+            </a:schemeClr>
+          </a:solidFill>
+          <a:ln>
+            <a:solidFill>
+              <a:schemeClr val="tx1"/>
+            </a:solidFill>
+          </a:ln>
+        </p:spPr>
+        <p:style>
+          <a:lnRef idx="2">
+            <a:schemeClr val="accent1">
+              <a:shade val="50000"/>
+            </a:schemeClr>
+          </a:lnRef>
+          <a:fillRef idx="1">
+            <a:schemeClr val="accent1"/>
+          </a:fillRef>
+          <a:effectRef idx="0">
+            <a:schemeClr val="accent1"/>
+          </a:effectRef>
+          <a:fontRef idx="minor">
+            <a:schemeClr val="lt1"/>
+          </a:fontRef>
+        </p:style>
+        <p:txBody>
+          <a:bodyPr lIns="0" rIns="0" rtlCol="0" anchor="ctr"/>
+          <a:lstStyle/>
+          <a:p>
+            <a:pPr algn="ctr"/>
+            <a:r>
+              <a:rPr lang="en-US" altLang="ko-KR" sz="1100" dirty="0" smtClean="0">
+                <a:solidFill>
+                  <a:schemeClr val="tx1"/>
+                </a:solidFill>
+              </a:rPr>
+              <a:t>Entry Upper Roll Staying Time (sec.)</a:t>
+            </a:r>
+            <a:endParaRPr lang="ko-KR" altLang="en-US" sz="1100" dirty="0" smtClean="0">
+              <a:solidFill>
+                <a:schemeClr val="tx1"/>
+              </a:solidFill>
+            </a:endParaRPr>
+          </a:p>
+        </p:txBody>
+      </p:sp>
+      <p:sp>
+        <p:nvSpPr>
+          <p:cNvPr id="35" name="직사각형 34"/>
+          <p:cNvSpPr/>
+          <p:nvPr/>
+        </p:nvSpPr>
+        <p:spPr>
+          <a:xfrm>
+            <a:off x="10050614" y="3242557"/>
+            <a:ext cx="1207477" cy="158262"/>
+          </a:xfrm>
+          <a:prstGeom prst="rect">
+            <a:avLst/>
+          </a:prstGeom>
+          <a:noFill/>
+          <a:ln>
+            <a:solidFill>
+              <a:schemeClr val="tx1"/>
+            </a:solidFill>
+          </a:ln>
+        </p:spPr>
+        <p:style>
+          <a:lnRef idx="2">
+            <a:schemeClr val="accent1">
+              <a:shade val="50000"/>
+            </a:schemeClr>
+          </a:lnRef>
+          <a:fillRef idx="1">
+            <a:schemeClr val="accent1"/>
+          </a:fillRef>
+          <a:effectRef idx="0">
+            <a:schemeClr val="accent1"/>
+          </a:effectRef>
+          <a:fontRef idx="minor">
+            <a:schemeClr val="lt1"/>
+          </a:fontRef>
+        </p:style>
+        <p:txBody>
+          <a:bodyPr rtlCol="0" anchor="ctr"/>
+          <a:lstStyle/>
+          <a:p>
+            <a:pPr algn="ctr"/>
+            <a:r>
+              <a:rPr lang="en-US" altLang="ko-KR" sz="1100" dirty="0" smtClean="0">
+                <a:solidFill>
+                  <a:schemeClr val="tx1"/>
+                </a:solidFill>
+              </a:rPr>
+              <a:t>1.0</a:t>
+            </a:r>
+            <a:r>
+              <a:rPr lang="ko-KR" altLang="en-US" sz="1100" dirty="0" smtClean="0">
+                <a:solidFill>
+                  <a:schemeClr val="tx1"/>
+                </a:solidFill>
+              </a:rPr>
+              <a:t> </a:t>
+            </a:r>
+          </a:p>
+        </p:txBody>
+      </p:sp>
+      <p:sp>
+        <p:nvSpPr>
+          <p:cNvPr id="37" name="직사각형 36"/>
+          <p:cNvSpPr/>
+          <p:nvPr/>
+        </p:nvSpPr>
+        <p:spPr>
+          <a:xfrm>
+            <a:off x="6263797" y="3500461"/>
+            <a:ext cx="3600000" cy="178238"/>
+          </a:xfrm>
+          <a:prstGeom prst="rect">
+            <a:avLst/>
+          </a:prstGeom>
+          <a:solidFill>
+            <a:schemeClr val="bg1">
+              <a:lumMod val="95000"/>
+            </a:schemeClr>
+          </a:solidFill>
+          <a:ln>
+            <a:solidFill>
+              <a:schemeClr val="tx1"/>
+            </a:solidFill>
+          </a:ln>
+        </p:spPr>
+        <p:style>
+          <a:lnRef idx="2">
+            <a:schemeClr val="accent1">
+              <a:shade val="50000"/>
+            </a:schemeClr>
+          </a:lnRef>
+          <a:fillRef idx="1">
+            <a:schemeClr val="accent1"/>
+          </a:fillRef>
+          <a:effectRef idx="0">
+            <a:schemeClr val="accent1"/>
+          </a:effectRef>
+          <a:fontRef idx="minor">
+            <a:schemeClr val="lt1"/>
+          </a:fontRef>
+        </p:style>
+        <p:txBody>
+          <a:bodyPr lIns="0" rIns="0" rtlCol="0" anchor="ctr"/>
+          <a:lstStyle/>
+          <a:p>
+            <a:pPr algn="ctr"/>
+            <a:r>
+              <a:rPr lang="en-US" altLang="ko-KR" sz="1100" dirty="0">
+                <a:solidFill>
+                  <a:schemeClr val="tx1"/>
+                </a:solidFill>
+              </a:rPr>
+              <a:t>Entry Upper Roll </a:t>
+            </a:r>
+            <a:r>
+              <a:rPr lang="en-US" altLang="ko-KR" sz="1100" dirty="0" smtClean="0">
+                <a:solidFill>
+                  <a:schemeClr val="tx1"/>
+                </a:solidFill>
+              </a:rPr>
+              <a:t>Moving </a:t>
+            </a:r>
+            <a:r>
+              <a:rPr lang="en-US" altLang="ko-KR" sz="1100" dirty="0">
+                <a:solidFill>
+                  <a:schemeClr val="tx1"/>
+                </a:solidFill>
+              </a:rPr>
+              <a:t>Time (sec</a:t>
+            </a:r>
+            <a:r>
+              <a:rPr lang="en-US" altLang="ko-KR" sz="1100" dirty="0" smtClean="0">
+                <a:solidFill>
+                  <a:schemeClr val="tx1"/>
+                </a:solidFill>
+              </a:rPr>
+              <a:t>.)</a:t>
+            </a:r>
+            <a:endParaRPr lang="ko-KR" altLang="en-US" sz="1100" dirty="0" smtClean="0">
+              <a:solidFill>
+                <a:schemeClr val="tx1"/>
+              </a:solidFill>
+            </a:endParaRPr>
+          </a:p>
+        </p:txBody>
+      </p:sp>
+      <p:sp>
+        <p:nvSpPr>
+          <p:cNvPr id="38" name="직사각형 37"/>
+          <p:cNvSpPr/>
+          <p:nvPr/>
+        </p:nvSpPr>
+        <p:spPr>
+          <a:xfrm>
+            <a:off x="10054522" y="3500461"/>
+            <a:ext cx="1207477" cy="158262"/>
+          </a:xfrm>
+          <a:prstGeom prst="rect">
+            <a:avLst/>
+          </a:prstGeom>
+          <a:noFill/>
+          <a:ln>
+            <a:solidFill>
+              <a:schemeClr val="tx1"/>
+            </a:solidFill>
+          </a:ln>
+        </p:spPr>
+        <p:style>
+          <a:lnRef idx="2">
+            <a:schemeClr val="accent1">
+              <a:shade val="50000"/>
+            </a:schemeClr>
+          </a:lnRef>
+          <a:fillRef idx="1">
+            <a:schemeClr val="accent1"/>
+          </a:fillRef>
+          <a:effectRef idx="0">
+            <a:schemeClr val="accent1"/>
+          </a:effectRef>
+          <a:fontRef idx="minor">
+            <a:schemeClr val="lt1"/>
+          </a:fontRef>
+        </p:style>
+        <p:txBody>
+          <a:bodyPr rtlCol="0" anchor="ctr"/>
+          <a:lstStyle/>
+          <a:p>
+            <a:pPr algn="ctr"/>
+            <a:r>
+              <a:rPr lang="en-US" altLang="ko-KR" sz="1100" dirty="0" smtClean="0">
+                <a:solidFill>
+                  <a:schemeClr val="tx1"/>
+                </a:solidFill>
+              </a:rPr>
+              <a:t>2.5</a:t>
+            </a:r>
+            <a:endParaRPr lang="ko-KR" altLang="en-US" sz="1100" dirty="0" smtClean="0">
+              <a:solidFill>
+                <a:schemeClr val="tx1"/>
+              </a:solidFill>
+            </a:endParaRPr>
+          </a:p>
+        </p:txBody>
+      </p:sp>
+      <p:sp>
+        <p:nvSpPr>
+          <p:cNvPr id="39" name="직사각형 38"/>
+          <p:cNvSpPr/>
+          <p:nvPr/>
+        </p:nvSpPr>
+        <p:spPr>
+          <a:xfrm>
+            <a:off x="6263797" y="3743837"/>
+            <a:ext cx="3600000" cy="178238"/>
+          </a:xfrm>
+          <a:prstGeom prst="rect">
+            <a:avLst/>
+          </a:prstGeom>
+          <a:solidFill>
+            <a:schemeClr val="bg1">
+              <a:lumMod val="95000"/>
+            </a:schemeClr>
+          </a:solidFill>
+          <a:ln>
+            <a:solidFill>
+              <a:schemeClr val="tx1"/>
+            </a:solidFill>
+          </a:ln>
+        </p:spPr>
+        <p:style>
+          <a:lnRef idx="2">
+            <a:schemeClr val="accent1">
+              <a:shade val="50000"/>
+            </a:schemeClr>
+          </a:lnRef>
+          <a:fillRef idx="1">
+            <a:schemeClr val="accent1"/>
+          </a:fillRef>
+          <a:effectRef idx="0">
+            <a:schemeClr val="accent1"/>
+          </a:effectRef>
+          <a:fontRef idx="minor">
+            <a:schemeClr val="lt1"/>
+          </a:fontRef>
+        </p:style>
+        <p:txBody>
+          <a:bodyPr lIns="0" rIns="0" rtlCol="0" anchor="ctr"/>
+          <a:lstStyle/>
+          <a:p>
+            <a:pPr algn="ctr"/>
+            <a:r>
+              <a:rPr lang="en-US" altLang="ko-KR" sz="1100" dirty="0" smtClean="0">
+                <a:solidFill>
+                  <a:schemeClr val="tx1"/>
+                </a:solidFill>
+              </a:rPr>
+              <a:t>Exit Upper Roll Gap (mm)</a:t>
+            </a:r>
+            <a:endParaRPr lang="ko-KR" altLang="en-US" sz="1100" dirty="0" smtClean="0">
+              <a:solidFill>
+                <a:schemeClr val="tx1"/>
+              </a:solidFill>
+            </a:endParaRPr>
+          </a:p>
+        </p:txBody>
+      </p:sp>
+      <p:sp>
+        <p:nvSpPr>
+          <p:cNvPr id="40" name="직사각형 39"/>
+          <p:cNvSpPr/>
+          <p:nvPr/>
+        </p:nvSpPr>
+        <p:spPr>
+          <a:xfrm>
+            <a:off x="10054522" y="3743837"/>
+            <a:ext cx="1207477" cy="158262"/>
+          </a:xfrm>
+          <a:prstGeom prst="rect">
+            <a:avLst/>
+          </a:prstGeom>
+          <a:noFill/>
+          <a:ln>
+            <a:solidFill>
+              <a:schemeClr val="tx1"/>
+            </a:solidFill>
+          </a:ln>
+        </p:spPr>
+        <p:style>
+          <a:lnRef idx="2">
+            <a:schemeClr val="accent1">
+              <a:shade val="50000"/>
+            </a:schemeClr>
+          </a:lnRef>
+          <a:fillRef idx="1">
+            <a:schemeClr val="accent1"/>
+          </a:fillRef>
+          <a:effectRef idx="0">
+            <a:schemeClr val="accent1"/>
+          </a:effectRef>
+          <a:fontRef idx="minor">
+            <a:schemeClr val="lt1"/>
+          </a:fontRef>
+        </p:style>
+        <p:txBody>
+          <a:bodyPr rtlCol="0" anchor="ctr"/>
+          <a:lstStyle/>
+          <a:p>
+            <a:pPr algn="ctr"/>
+            <a:r>
+              <a:rPr lang="en-US" altLang="ko-KR" sz="1100" dirty="0" smtClean="0">
+                <a:solidFill>
+                  <a:schemeClr val="tx1"/>
+                </a:solidFill>
+              </a:rPr>
+              <a:t>25.0</a:t>
+            </a:r>
+            <a:endParaRPr lang="ko-KR" altLang="en-US" sz="1100" dirty="0" smtClean="0">
+              <a:solidFill>
+                <a:schemeClr val="tx1"/>
+              </a:solidFill>
+            </a:endParaRPr>
+          </a:p>
+        </p:txBody>
+      </p:sp>
+      <p:sp>
+        <p:nvSpPr>
+          <p:cNvPr id="41" name="직사각형 40"/>
+          <p:cNvSpPr/>
+          <p:nvPr/>
+        </p:nvSpPr>
+        <p:spPr>
+          <a:xfrm>
+            <a:off x="6263797" y="4088671"/>
+            <a:ext cx="3600000" cy="178238"/>
+          </a:xfrm>
+          <a:prstGeom prst="rect">
+            <a:avLst/>
+          </a:prstGeom>
+          <a:solidFill>
+            <a:schemeClr val="bg1">
+              <a:lumMod val="95000"/>
+            </a:schemeClr>
+          </a:solidFill>
+          <a:ln>
+            <a:solidFill>
+              <a:schemeClr val="tx1"/>
+            </a:solidFill>
+          </a:ln>
+        </p:spPr>
+        <p:style>
+          <a:lnRef idx="2">
+            <a:schemeClr val="accent1">
+              <a:shade val="50000"/>
+            </a:schemeClr>
+          </a:lnRef>
+          <a:fillRef idx="1">
+            <a:schemeClr val="accent1"/>
+          </a:fillRef>
+          <a:effectRef idx="0">
+            <a:schemeClr val="accent1"/>
+          </a:effectRef>
+          <a:fontRef idx="minor">
+            <a:schemeClr val="lt1"/>
+          </a:fontRef>
+        </p:style>
+        <p:txBody>
+          <a:bodyPr lIns="0" rIns="0" rtlCol="0" anchor="ctr"/>
+          <a:lstStyle/>
+          <a:p>
+            <a:pPr algn="ctr"/>
+            <a:r>
+              <a:rPr lang="en-US" altLang="ko-KR" sz="1100" dirty="0" smtClean="0">
+                <a:solidFill>
+                  <a:schemeClr val="tx1"/>
+                </a:solidFill>
+              </a:rPr>
+              <a:t>Entry Lower Roll Gap-Start (mm)</a:t>
+            </a:r>
+            <a:endParaRPr lang="ko-KR" altLang="en-US" sz="1100" dirty="0" smtClean="0">
+              <a:solidFill>
+                <a:schemeClr val="tx1"/>
+              </a:solidFill>
+            </a:endParaRPr>
+          </a:p>
+        </p:txBody>
+      </p:sp>
+      <p:sp>
+        <p:nvSpPr>
+          <p:cNvPr id="59" name="직사각형 58"/>
+          <p:cNvSpPr/>
+          <p:nvPr/>
+        </p:nvSpPr>
+        <p:spPr>
+          <a:xfrm>
+            <a:off x="10054522" y="4088671"/>
+            <a:ext cx="1207477" cy="158262"/>
+          </a:xfrm>
+          <a:prstGeom prst="rect">
+            <a:avLst/>
+          </a:prstGeom>
+          <a:noFill/>
+          <a:ln>
+            <a:solidFill>
+              <a:schemeClr val="tx1"/>
+            </a:solidFill>
+          </a:ln>
+        </p:spPr>
+        <p:style>
+          <a:lnRef idx="2">
+            <a:schemeClr val="accent1">
+              <a:shade val="50000"/>
+            </a:schemeClr>
+          </a:lnRef>
+          <a:fillRef idx="1">
+            <a:schemeClr val="accent1"/>
+          </a:fillRef>
+          <a:effectRef idx="0">
+            <a:schemeClr val="accent1"/>
+          </a:effectRef>
+          <a:fontRef idx="minor">
+            <a:schemeClr val="lt1"/>
+          </a:fontRef>
+        </p:style>
+        <p:txBody>
+          <a:bodyPr rtlCol="0" anchor="ctr"/>
+          <a:lstStyle/>
+          <a:p>
+            <a:pPr algn="ctr"/>
+            <a:r>
+              <a:rPr lang="en-US" altLang="ko-KR" sz="1100" dirty="0" smtClean="0">
+                <a:solidFill>
+                  <a:schemeClr val="tx1"/>
+                </a:solidFill>
+              </a:rPr>
+              <a:t>20.0</a:t>
+            </a:r>
+            <a:endParaRPr lang="ko-KR" altLang="en-US" sz="1100" dirty="0" smtClean="0">
+              <a:solidFill>
+                <a:schemeClr val="tx1"/>
+              </a:solidFill>
+            </a:endParaRPr>
+          </a:p>
+        </p:txBody>
+      </p:sp>
+      <p:sp>
+        <p:nvSpPr>
+          <p:cNvPr id="60" name="직사각형 59"/>
+          <p:cNvSpPr/>
+          <p:nvPr/>
+        </p:nvSpPr>
+        <p:spPr>
+          <a:xfrm>
+            <a:off x="6267705" y="4346575"/>
+            <a:ext cx="3600000" cy="178238"/>
+          </a:xfrm>
+          <a:prstGeom prst="rect">
+            <a:avLst/>
+          </a:prstGeom>
+          <a:solidFill>
+            <a:schemeClr val="bg1">
+              <a:lumMod val="95000"/>
+            </a:schemeClr>
+          </a:solidFill>
+          <a:ln>
+            <a:solidFill>
+              <a:schemeClr val="tx1"/>
+            </a:solidFill>
+          </a:ln>
+        </p:spPr>
+        <p:style>
+          <a:lnRef idx="2">
+            <a:schemeClr val="accent1">
+              <a:shade val="50000"/>
+            </a:schemeClr>
+          </a:lnRef>
+          <a:fillRef idx="1">
+            <a:schemeClr val="accent1"/>
+          </a:fillRef>
+          <a:effectRef idx="0">
+            <a:schemeClr val="accent1"/>
+          </a:effectRef>
+          <a:fontRef idx="minor">
+            <a:schemeClr val="lt1"/>
+          </a:fontRef>
+        </p:style>
+        <p:txBody>
+          <a:bodyPr lIns="0" rIns="0" rtlCol="0" anchor="ctr"/>
+          <a:lstStyle/>
+          <a:p>
+            <a:pPr algn="ctr"/>
+            <a:r>
+              <a:rPr lang="en-US" altLang="ko-KR" sz="1100" dirty="0">
+                <a:solidFill>
+                  <a:schemeClr val="tx1"/>
+                </a:solidFill>
+              </a:rPr>
+              <a:t>Entry Lower</a:t>
+            </a:r>
+            <a:r>
+              <a:rPr lang="en-US" altLang="ko-KR" sz="1100" dirty="0" smtClean="0">
+                <a:solidFill>
+                  <a:schemeClr val="tx1"/>
+                </a:solidFill>
+              </a:rPr>
+              <a:t> </a:t>
+            </a:r>
+            <a:r>
+              <a:rPr lang="en-US" altLang="ko-KR" sz="1100" dirty="0">
+                <a:solidFill>
+                  <a:schemeClr val="tx1"/>
+                </a:solidFill>
+              </a:rPr>
+              <a:t>Roll </a:t>
+            </a:r>
+            <a:r>
+              <a:rPr lang="en-US" altLang="ko-KR" sz="1100" dirty="0" smtClean="0">
+                <a:solidFill>
+                  <a:schemeClr val="tx1"/>
+                </a:solidFill>
+              </a:rPr>
+              <a:t>Gap-End </a:t>
+            </a:r>
+            <a:r>
+              <a:rPr lang="en-US" altLang="ko-KR" sz="1100" dirty="0">
+                <a:solidFill>
+                  <a:schemeClr val="tx1"/>
+                </a:solidFill>
+              </a:rPr>
+              <a:t>(</a:t>
+            </a:r>
+            <a:r>
+              <a:rPr lang="en-US" altLang="ko-KR" sz="1100" dirty="0" smtClean="0">
+                <a:solidFill>
+                  <a:schemeClr val="tx1"/>
+                </a:solidFill>
+              </a:rPr>
+              <a:t>mm)</a:t>
+            </a:r>
+            <a:endParaRPr lang="ko-KR" altLang="en-US" sz="1100" dirty="0" smtClean="0">
+              <a:solidFill>
+                <a:schemeClr val="tx1"/>
+              </a:solidFill>
+            </a:endParaRPr>
+          </a:p>
+        </p:txBody>
+      </p:sp>
+      <p:sp>
+        <p:nvSpPr>
+          <p:cNvPr id="61" name="직사각형 60"/>
+          <p:cNvSpPr/>
+          <p:nvPr/>
+        </p:nvSpPr>
+        <p:spPr>
+          <a:xfrm>
+            <a:off x="10058430" y="4346575"/>
+            <a:ext cx="1207477" cy="158262"/>
+          </a:xfrm>
+          <a:prstGeom prst="rect">
+            <a:avLst/>
+          </a:prstGeom>
+          <a:noFill/>
+          <a:ln>
+            <a:solidFill>
+              <a:schemeClr val="tx1"/>
+            </a:solidFill>
+          </a:ln>
+        </p:spPr>
+        <p:style>
+          <a:lnRef idx="2">
+            <a:schemeClr val="accent1">
+              <a:shade val="50000"/>
+            </a:schemeClr>
+          </a:lnRef>
+          <a:fillRef idx="1">
+            <a:schemeClr val="accent1"/>
+          </a:fillRef>
+          <a:effectRef idx="0">
+            <a:schemeClr val="accent1"/>
+          </a:effectRef>
+          <a:fontRef idx="minor">
+            <a:schemeClr val="lt1"/>
+          </a:fontRef>
+        </p:style>
+        <p:txBody>
+          <a:bodyPr rtlCol="0" anchor="ctr"/>
+          <a:lstStyle/>
+          <a:p>
+            <a:pPr algn="ctr"/>
+            <a:r>
+              <a:rPr lang="en-US" altLang="ko-KR" sz="1100" dirty="0" smtClean="0">
+                <a:solidFill>
+                  <a:schemeClr val="tx1"/>
+                </a:solidFill>
+              </a:rPr>
+              <a:t>15.0</a:t>
+            </a:r>
+            <a:endParaRPr lang="ko-KR" altLang="en-US" sz="1100" dirty="0" smtClean="0">
+              <a:solidFill>
+                <a:schemeClr val="tx1"/>
+              </a:solidFill>
+            </a:endParaRPr>
+          </a:p>
+        </p:txBody>
+      </p:sp>
+      <p:sp>
+        <p:nvSpPr>
+          <p:cNvPr id="62" name="직사각형 61"/>
+          <p:cNvSpPr/>
+          <p:nvPr/>
+        </p:nvSpPr>
+        <p:spPr>
+          <a:xfrm>
+            <a:off x="6271468" y="4637885"/>
+            <a:ext cx="3600000" cy="178238"/>
+          </a:xfrm>
+          <a:prstGeom prst="rect">
+            <a:avLst/>
+          </a:prstGeom>
+          <a:solidFill>
+            <a:schemeClr val="bg1">
+              <a:lumMod val="95000"/>
+            </a:schemeClr>
+          </a:solidFill>
+          <a:ln>
+            <a:solidFill>
+              <a:schemeClr val="tx1"/>
+            </a:solidFill>
+          </a:ln>
+        </p:spPr>
+        <p:style>
+          <a:lnRef idx="2">
+            <a:schemeClr val="accent1">
+              <a:shade val="50000"/>
+            </a:schemeClr>
+          </a:lnRef>
+          <a:fillRef idx="1">
+            <a:schemeClr val="accent1"/>
+          </a:fillRef>
+          <a:effectRef idx="0">
+            <a:schemeClr val="accent1"/>
+          </a:effectRef>
+          <a:fontRef idx="minor">
+            <a:schemeClr val="lt1"/>
+          </a:fontRef>
+        </p:style>
+        <p:txBody>
+          <a:bodyPr lIns="0" rIns="0" rtlCol="0" anchor="ctr"/>
+          <a:lstStyle/>
+          <a:p>
+            <a:pPr algn="ctr"/>
+            <a:r>
+              <a:rPr lang="en-US" altLang="ko-KR" sz="1100" dirty="0" smtClean="0">
+                <a:solidFill>
+                  <a:schemeClr val="tx1"/>
+                </a:solidFill>
+              </a:rPr>
+              <a:t>Entry </a:t>
+            </a:r>
+            <a:r>
+              <a:rPr lang="en-US" altLang="ko-KR" sz="1100" dirty="0">
+                <a:solidFill>
+                  <a:schemeClr val="tx1"/>
+                </a:solidFill>
+              </a:rPr>
+              <a:t>Lower</a:t>
+            </a:r>
+            <a:r>
+              <a:rPr lang="en-US" altLang="ko-KR" sz="1100" dirty="0" smtClean="0">
+                <a:solidFill>
+                  <a:schemeClr val="tx1"/>
+                </a:solidFill>
+              </a:rPr>
+              <a:t> Roll Staying Time (sec.)</a:t>
+            </a:r>
+            <a:endParaRPr lang="ko-KR" altLang="en-US" sz="1100" dirty="0" smtClean="0">
+              <a:solidFill>
+                <a:schemeClr val="tx1"/>
+              </a:solidFill>
+            </a:endParaRPr>
+          </a:p>
+        </p:txBody>
+      </p:sp>
+      <p:sp>
+        <p:nvSpPr>
+          <p:cNvPr id="63" name="직사각형 62"/>
+          <p:cNvSpPr/>
+          <p:nvPr/>
+        </p:nvSpPr>
+        <p:spPr>
+          <a:xfrm>
+            <a:off x="10062192" y="4637885"/>
+            <a:ext cx="1207477" cy="158262"/>
+          </a:xfrm>
+          <a:prstGeom prst="rect">
+            <a:avLst/>
+          </a:prstGeom>
+          <a:noFill/>
+          <a:ln>
+            <a:solidFill>
+              <a:schemeClr val="tx1"/>
+            </a:solidFill>
+          </a:ln>
+        </p:spPr>
+        <p:style>
+          <a:lnRef idx="2">
+            <a:schemeClr val="accent1">
+              <a:shade val="50000"/>
+            </a:schemeClr>
+          </a:lnRef>
+          <a:fillRef idx="1">
+            <a:schemeClr val="accent1"/>
+          </a:fillRef>
+          <a:effectRef idx="0">
+            <a:schemeClr val="accent1"/>
+          </a:effectRef>
+          <a:fontRef idx="minor">
+            <a:schemeClr val="lt1"/>
+          </a:fontRef>
+        </p:style>
+        <p:txBody>
+          <a:bodyPr rtlCol="0" anchor="ctr"/>
+          <a:lstStyle/>
+          <a:p>
+            <a:pPr algn="ctr"/>
+            <a:r>
+              <a:rPr lang="en-US" altLang="ko-KR" sz="1100" dirty="0" smtClean="0">
+                <a:solidFill>
+                  <a:schemeClr val="tx1"/>
+                </a:solidFill>
+              </a:rPr>
+              <a:t>1.0</a:t>
+            </a:r>
+            <a:r>
+              <a:rPr lang="ko-KR" altLang="en-US" sz="1100" dirty="0" smtClean="0">
+                <a:solidFill>
+                  <a:schemeClr val="tx1"/>
+                </a:solidFill>
+              </a:rPr>
+              <a:t> </a:t>
+            </a:r>
+          </a:p>
+        </p:txBody>
+      </p:sp>
+      <p:sp>
+        <p:nvSpPr>
+          <p:cNvPr id="64" name="직사각형 63"/>
+          <p:cNvSpPr/>
+          <p:nvPr/>
+        </p:nvSpPr>
+        <p:spPr>
+          <a:xfrm>
+            <a:off x="6275376" y="4895789"/>
+            <a:ext cx="3600000" cy="178238"/>
+          </a:xfrm>
+          <a:prstGeom prst="rect">
+            <a:avLst/>
+          </a:prstGeom>
+          <a:solidFill>
+            <a:schemeClr val="bg1">
+              <a:lumMod val="95000"/>
+            </a:schemeClr>
+          </a:solidFill>
+          <a:ln>
+            <a:solidFill>
+              <a:schemeClr val="tx1"/>
+            </a:solidFill>
+          </a:ln>
+        </p:spPr>
+        <p:style>
+          <a:lnRef idx="2">
+            <a:schemeClr val="accent1">
+              <a:shade val="50000"/>
+            </a:schemeClr>
+          </a:lnRef>
+          <a:fillRef idx="1">
+            <a:schemeClr val="accent1"/>
+          </a:fillRef>
+          <a:effectRef idx="0">
+            <a:schemeClr val="accent1"/>
+          </a:effectRef>
+          <a:fontRef idx="minor">
+            <a:schemeClr val="lt1"/>
+          </a:fontRef>
+        </p:style>
+        <p:txBody>
+          <a:bodyPr lIns="0" rIns="0" rtlCol="0" anchor="ctr"/>
+          <a:lstStyle/>
+          <a:p>
+            <a:pPr algn="ctr"/>
+            <a:r>
+              <a:rPr lang="en-US" altLang="ko-KR" sz="1100" dirty="0">
+                <a:solidFill>
+                  <a:schemeClr val="tx1"/>
+                </a:solidFill>
+              </a:rPr>
+              <a:t>Entry Lower</a:t>
+            </a:r>
+            <a:r>
+              <a:rPr lang="en-US" altLang="ko-KR" sz="1100" dirty="0" smtClean="0">
+                <a:solidFill>
+                  <a:schemeClr val="tx1"/>
+                </a:solidFill>
+              </a:rPr>
+              <a:t> </a:t>
+            </a:r>
+            <a:r>
+              <a:rPr lang="en-US" altLang="ko-KR" sz="1100" dirty="0">
+                <a:solidFill>
+                  <a:schemeClr val="tx1"/>
+                </a:solidFill>
+              </a:rPr>
+              <a:t>Roll </a:t>
+            </a:r>
+            <a:r>
+              <a:rPr lang="en-US" altLang="ko-KR" sz="1100" dirty="0" smtClean="0">
+                <a:solidFill>
+                  <a:schemeClr val="tx1"/>
+                </a:solidFill>
+              </a:rPr>
+              <a:t>Moving </a:t>
+            </a:r>
+            <a:r>
+              <a:rPr lang="en-US" altLang="ko-KR" sz="1100" dirty="0">
+                <a:solidFill>
+                  <a:schemeClr val="tx1"/>
+                </a:solidFill>
+              </a:rPr>
+              <a:t>Time (sec</a:t>
+            </a:r>
+            <a:r>
+              <a:rPr lang="en-US" altLang="ko-KR" sz="1100" dirty="0" smtClean="0">
+                <a:solidFill>
+                  <a:schemeClr val="tx1"/>
+                </a:solidFill>
+              </a:rPr>
+              <a:t>.)</a:t>
+            </a:r>
+            <a:endParaRPr lang="ko-KR" altLang="en-US" sz="1100" dirty="0" smtClean="0">
+              <a:solidFill>
+                <a:schemeClr val="tx1"/>
+              </a:solidFill>
+            </a:endParaRPr>
+          </a:p>
+        </p:txBody>
+      </p:sp>
+      <p:sp>
+        <p:nvSpPr>
+          <p:cNvPr id="65" name="직사각형 64"/>
+          <p:cNvSpPr/>
+          <p:nvPr/>
+        </p:nvSpPr>
+        <p:spPr>
+          <a:xfrm>
+            <a:off x="10066100" y="4895789"/>
+            <a:ext cx="1207477" cy="158262"/>
+          </a:xfrm>
+          <a:prstGeom prst="rect">
+            <a:avLst/>
+          </a:prstGeom>
+          <a:noFill/>
+          <a:ln>
+            <a:solidFill>
+              <a:schemeClr val="tx1"/>
+            </a:solidFill>
+          </a:ln>
+        </p:spPr>
+        <p:style>
+          <a:lnRef idx="2">
+            <a:schemeClr val="accent1">
+              <a:shade val="50000"/>
+            </a:schemeClr>
+          </a:lnRef>
+          <a:fillRef idx="1">
+            <a:schemeClr val="accent1"/>
+          </a:fillRef>
+          <a:effectRef idx="0">
+            <a:schemeClr val="accent1"/>
+          </a:effectRef>
+          <a:fontRef idx="minor">
+            <a:schemeClr val="lt1"/>
+          </a:fontRef>
+        </p:style>
+        <p:txBody>
+          <a:bodyPr rtlCol="0" anchor="ctr"/>
+          <a:lstStyle/>
+          <a:p>
+            <a:pPr algn="ctr"/>
+            <a:r>
+              <a:rPr lang="en-US" altLang="ko-KR" sz="1100" dirty="0" smtClean="0">
+                <a:solidFill>
+                  <a:schemeClr val="tx1"/>
+                </a:solidFill>
+              </a:rPr>
+              <a:t>2.5</a:t>
+            </a:r>
+            <a:endParaRPr lang="ko-KR" altLang="en-US" sz="1100" dirty="0" smtClean="0">
+              <a:solidFill>
+                <a:schemeClr val="tx1"/>
+              </a:solidFill>
+            </a:endParaRPr>
+          </a:p>
+        </p:txBody>
+      </p:sp>
+      <p:sp>
+        <p:nvSpPr>
+          <p:cNvPr id="66" name="직사각형 65"/>
+          <p:cNvSpPr/>
+          <p:nvPr/>
+        </p:nvSpPr>
+        <p:spPr>
+          <a:xfrm>
+            <a:off x="6275376" y="5139165"/>
+            <a:ext cx="3600000" cy="178238"/>
+          </a:xfrm>
+          <a:prstGeom prst="rect">
+            <a:avLst/>
+          </a:prstGeom>
+          <a:solidFill>
+            <a:schemeClr val="bg1">
+              <a:lumMod val="95000"/>
+            </a:schemeClr>
+          </a:solidFill>
+          <a:ln>
+            <a:solidFill>
+              <a:schemeClr val="tx1"/>
+            </a:solidFill>
+          </a:ln>
+        </p:spPr>
+        <p:style>
+          <a:lnRef idx="2">
+            <a:schemeClr val="accent1">
+              <a:shade val="50000"/>
+            </a:schemeClr>
+          </a:lnRef>
+          <a:fillRef idx="1">
+            <a:schemeClr val="accent1"/>
+          </a:fillRef>
+          <a:effectRef idx="0">
+            <a:schemeClr val="accent1"/>
+          </a:effectRef>
+          <a:fontRef idx="minor">
+            <a:schemeClr val="lt1"/>
+          </a:fontRef>
+        </p:style>
+        <p:txBody>
+          <a:bodyPr lIns="0" rIns="0" rtlCol="0" anchor="ctr"/>
+          <a:lstStyle/>
+          <a:p>
+            <a:pPr algn="ctr"/>
+            <a:r>
+              <a:rPr lang="en-US" altLang="ko-KR" sz="1100" dirty="0" smtClean="0">
+                <a:solidFill>
+                  <a:schemeClr val="tx1"/>
+                </a:solidFill>
+              </a:rPr>
+              <a:t>Exit </a:t>
+            </a:r>
+            <a:r>
+              <a:rPr lang="en-US" altLang="ko-KR" sz="1100" dirty="0">
+                <a:solidFill>
+                  <a:schemeClr val="tx1"/>
+                </a:solidFill>
+              </a:rPr>
+              <a:t>Lower</a:t>
+            </a:r>
+            <a:r>
+              <a:rPr lang="en-US" altLang="ko-KR" sz="1100" dirty="0" smtClean="0">
+                <a:solidFill>
+                  <a:schemeClr val="tx1"/>
+                </a:solidFill>
+              </a:rPr>
+              <a:t> Roll Gap (mm)</a:t>
+            </a:r>
+            <a:endParaRPr lang="ko-KR" altLang="en-US" sz="1100" dirty="0" smtClean="0">
+              <a:solidFill>
+                <a:schemeClr val="tx1"/>
+              </a:solidFill>
+            </a:endParaRPr>
+          </a:p>
+        </p:txBody>
+      </p:sp>
+      <p:sp>
+        <p:nvSpPr>
+          <p:cNvPr id="67" name="직사각형 66"/>
+          <p:cNvSpPr/>
+          <p:nvPr/>
+        </p:nvSpPr>
+        <p:spPr>
+          <a:xfrm>
+            <a:off x="10066100" y="5139165"/>
+            <a:ext cx="1207477" cy="158262"/>
+          </a:xfrm>
+          <a:prstGeom prst="rect">
+            <a:avLst/>
+          </a:prstGeom>
+          <a:noFill/>
+          <a:ln>
+            <a:solidFill>
+              <a:schemeClr val="tx1"/>
+            </a:solidFill>
+          </a:ln>
+        </p:spPr>
+        <p:style>
+          <a:lnRef idx="2">
+            <a:schemeClr val="accent1">
+              <a:shade val="50000"/>
+            </a:schemeClr>
+          </a:lnRef>
+          <a:fillRef idx="1">
+            <a:schemeClr val="accent1"/>
+          </a:fillRef>
+          <a:effectRef idx="0">
+            <a:schemeClr val="accent1"/>
+          </a:effectRef>
+          <a:fontRef idx="minor">
+            <a:schemeClr val="lt1"/>
+          </a:fontRef>
+        </p:style>
+        <p:txBody>
+          <a:bodyPr rtlCol="0" anchor="ctr"/>
+          <a:lstStyle/>
+          <a:p>
+            <a:pPr algn="ctr"/>
+            <a:r>
+              <a:rPr lang="en-US" altLang="ko-KR" sz="1100" dirty="0" smtClean="0">
+                <a:solidFill>
+                  <a:schemeClr val="tx1"/>
+                </a:solidFill>
+              </a:rPr>
+              <a:t>25.0</a:t>
+            </a:r>
+            <a:endParaRPr lang="ko-KR" altLang="en-US" sz="1100" dirty="0" smtClean="0">
+              <a:solidFill>
+                <a:schemeClr val="tx1"/>
+              </a:solidFill>
+            </a:endParaRPr>
+          </a:p>
+        </p:txBody>
+      </p:sp>
+      <p:cxnSp>
+        <p:nvCxnSpPr>
+          <p:cNvPr id="11" name="꺾인 연결선 10"/>
+          <p:cNvCxnSpPr>
+            <a:stCxn id="7" idx="2"/>
+            <a:endCxn id="5" idx="1"/>
+          </p:cNvCxnSpPr>
+          <p:nvPr/>
+        </p:nvCxnSpPr>
+        <p:spPr>
+          <a:xfrm rot="16200000" flipH="1">
+            <a:off x="3522531" y="1726392"/>
+            <a:ext cx="1697314" cy="2621487"/>
+          </a:xfrm>
+          <a:prstGeom prst="bentConnector2">
+            <a:avLst/>
+          </a:prstGeom>
+          <a:ln w="38100">
+            <a:solidFill>
+              <a:schemeClr val="tx1"/>
+            </a:solidFill>
+            <a:tailEnd type="triangle"/>
+          </a:ln>
+        </p:spPr>
+        <p:style>
+          <a:lnRef idx="1">
+            <a:schemeClr val="accent1"/>
+          </a:lnRef>
+          <a:fillRef idx="0">
+            <a:schemeClr val="accent1"/>
+          </a:fillRef>
+          <a:effectRef idx="0">
+            <a:schemeClr val="accent1"/>
+          </a:effectRef>
+          <a:fontRef idx="minor">
+            <a:schemeClr val="tx1"/>
+          </a:fontRef>
+        </p:style>
+      </p:cxnSp>
+      <p:grpSp>
+        <p:nvGrpSpPr>
+          <p:cNvPr id="26" name="그룹 25"/>
+          <p:cNvGrpSpPr/>
+          <p:nvPr/>
+        </p:nvGrpSpPr>
+        <p:grpSpPr>
+          <a:xfrm>
+            <a:off x="846174" y="3034718"/>
+            <a:ext cx="4547991" cy="3149458"/>
+            <a:chOff x="2850249" y="2665141"/>
+            <a:chExt cx="4547991" cy="3149458"/>
+          </a:xfrm>
+        </p:grpSpPr>
+        <p:sp>
+          <p:nvSpPr>
+            <p:cNvPr id="27" name="직사각형 26"/>
+            <p:cNvSpPr/>
+            <p:nvPr/>
+          </p:nvSpPr>
+          <p:spPr>
+            <a:xfrm>
+              <a:off x="2850249" y="2665141"/>
+              <a:ext cx="4547991" cy="3149458"/>
+            </a:xfrm>
+            <a:prstGeom prst="rect">
+              <a:avLst/>
+            </a:prstGeom>
+            <a:solidFill>
+              <a:schemeClr val="bg1"/>
+            </a:solidFill>
+            <a:ln>
+              <a:solidFill>
+                <a:schemeClr val="tx1">
+                  <a:lumMod val="95000"/>
+                  <a:lumOff val="5000"/>
+                </a:schemeClr>
+              </a:solidFill>
+            </a:ln>
+          </p:spPr>
+          <p:style>
+            <a:lnRef idx="2">
+              <a:schemeClr val="accent1">
+                <a:shade val="50000"/>
+              </a:schemeClr>
+            </a:lnRef>
+            <a:fillRef idx="1">
+              <a:schemeClr val="accent1"/>
+            </a:fillRef>
+            <a:effectRef idx="0">
+              <a:schemeClr val="accent1"/>
+            </a:effectRef>
+            <a:fontRef idx="minor">
+              <a:schemeClr val="lt1"/>
+            </a:fontRef>
+          </p:style>
+          <p:txBody>
+            <a:bodyPr rtlCol="0" anchor="t"/>
+            <a:lstStyle/>
+            <a:p>
+              <a:pPr algn="ctr"/>
+              <a:r>
+                <a:rPr lang="en-US" altLang="ko-KR" dirty="0" smtClean="0">
+                  <a:solidFill>
+                    <a:schemeClr val="tx1"/>
+                  </a:solidFill>
+                </a:rPr>
+                <a:t>Roll Gap Movement Information</a:t>
+              </a:r>
+              <a:endParaRPr lang="ko-KR" altLang="en-US" dirty="0" smtClean="0">
+                <a:solidFill>
+                  <a:schemeClr val="tx1"/>
+                </a:solidFill>
+              </a:endParaRPr>
+            </a:p>
+          </p:txBody>
+        </p:sp>
+        <p:sp>
+          <p:nvSpPr>
+            <p:cNvPr id="28" name="직사각형 27"/>
+            <p:cNvSpPr/>
+            <p:nvPr/>
+          </p:nvSpPr>
+          <p:spPr>
+            <a:xfrm>
+              <a:off x="3169964" y="3351675"/>
+              <a:ext cx="2880000" cy="178238"/>
+            </a:xfrm>
+            <a:prstGeom prst="rect">
+              <a:avLst/>
+            </a:prstGeom>
+            <a:solidFill>
+              <a:schemeClr val="bg1">
+                <a:lumMod val="95000"/>
+              </a:schemeClr>
+            </a:solidFill>
+            <a:ln>
+              <a:solidFill>
+                <a:schemeClr val="tx1"/>
+              </a:solidFill>
+            </a:ln>
+          </p:spPr>
+          <p:style>
+            <a:lnRef idx="2">
+              <a:schemeClr val="accent1">
+                <a:shade val="50000"/>
+              </a:schemeClr>
+            </a:lnRef>
+            <a:fillRef idx="1">
+              <a:schemeClr val="accent1"/>
+            </a:fillRef>
+            <a:effectRef idx="0">
+              <a:schemeClr val="accent1"/>
+            </a:effectRef>
+            <a:fontRef idx="minor">
+              <a:schemeClr val="lt1"/>
+            </a:fontRef>
+          </p:style>
+          <p:txBody>
+            <a:bodyPr lIns="0" rIns="0" rtlCol="0" anchor="ctr"/>
+            <a:lstStyle/>
+            <a:p>
+              <a:pPr algn="ctr"/>
+              <a:r>
+                <a:rPr lang="en-US" altLang="ko-KR" sz="1100" dirty="0" smtClean="0">
+                  <a:solidFill>
+                    <a:schemeClr val="tx1"/>
+                  </a:solidFill>
+                </a:rPr>
+                <a:t>Upper Entry Roll Gap Movement (mm)</a:t>
+              </a:r>
+              <a:endParaRPr lang="ko-KR" altLang="en-US" sz="1100" dirty="0" smtClean="0">
+                <a:solidFill>
+                  <a:schemeClr val="tx1"/>
+                </a:solidFill>
+              </a:endParaRPr>
+            </a:p>
+          </p:txBody>
+        </p:sp>
+        <p:sp>
+          <p:nvSpPr>
+            <p:cNvPr id="29" name="직사각형 28"/>
+            <p:cNvSpPr/>
+            <p:nvPr/>
+          </p:nvSpPr>
+          <p:spPr>
+            <a:xfrm>
+              <a:off x="6121007" y="3351675"/>
+              <a:ext cx="905608" cy="158262"/>
+            </a:xfrm>
+            <a:prstGeom prst="rect">
+              <a:avLst/>
+            </a:prstGeom>
+            <a:noFill/>
+            <a:ln>
+              <a:solidFill>
+                <a:schemeClr val="tx1"/>
+              </a:solidFill>
+            </a:ln>
+          </p:spPr>
+          <p:style>
+            <a:lnRef idx="2">
+              <a:schemeClr val="accent1">
+                <a:shade val="50000"/>
+              </a:schemeClr>
+            </a:lnRef>
+            <a:fillRef idx="1">
+              <a:schemeClr val="accent1"/>
+            </a:fillRef>
+            <a:effectRef idx="0">
+              <a:schemeClr val="accent1"/>
+            </a:effectRef>
+            <a:fontRef idx="minor">
+              <a:schemeClr val="lt1"/>
+            </a:fontRef>
+          </p:style>
+          <p:txBody>
+            <a:bodyPr rtlCol="0" anchor="ctr"/>
+            <a:lstStyle/>
+            <a:p>
+              <a:pPr algn="ctr"/>
+              <a:r>
+                <a:rPr lang="en-US" altLang="ko-KR" sz="1100" dirty="0" smtClean="0">
+                  <a:solidFill>
+                    <a:schemeClr val="tx1"/>
+                  </a:solidFill>
+                </a:rPr>
+                <a:t>20.0</a:t>
+              </a:r>
+              <a:endParaRPr lang="ko-KR" altLang="en-US" sz="1100" dirty="0" smtClean="0">
+                <a:solidFill>
+                  <a:schemeClr val="tx1"/>
+                </a:solidFill>
+              </a:endParaRPr>
+            </a:p>
+          </p:txBody>
+        </p:sp>
+        <p:sp>
+          <p:nvSpPr>
+            <p:cNvPr id="30" name="직사각형 29"/>
+            <p:cNvSpPr/>
+            <p:nvPr/>
+          </p:nvSpPr>
+          <p:spPr>
+            <a:xfrm>
+              <a:off x="3172895" y="3609579"/>
+              <a:ext cx="2880000" cy="178238"/>
+            </a:xfrm>
+            <a:prstGeom prst="rect">
+              <a:avLst/>
+            </a:prstGeom>
+            <a:solidFill>
+              <a:schemeClr val="bg1">
+                <a:lumMod val="95000"/>
+              </a:schemeClr>
+            </a:solidFill>
+            <a:ln>
+              <a:solidFill>
+                <a:schemeClr val="tx1"/>
+              </a:solidFill>
+            </a:ln>
+          </p:spPr>
+          <p:style>
+            <a:lnRef idx="2">
+              <a:schemeClr val="accent1">
+                <a:shade val="50000"/>
+              </a:schemeClr>
+            </a:lnRef>
+            <a:fillRef idx="1">
+              <a:schemeClr val="accent1"/>
+            </a:fillRef>
+            <a:effectRef idx="0">
+              <a:schemeClr val="accent1"/>
+            </a:effectRef>
+            <a:fontRef idx="minor">
+              <a:schemeClr val="lt1"/>
+            </a:fontRef>
+          </p:style>
+          <p:txBody>
+            <a:bodyPr lIns="0" rIns="0" rtlCol="0" anchor="ctr"/>
+            <a:lstStyle/>
+            <a:p>
+              <a:pPr algn="ctr"/>
+              <a:r>
+                <a:rPr lang="en-US" altLang="ko-KR" sz="1100" dirty="0">
+                  <a:solidFill>
+                    <a:schemeClr val="tx1"/>
+                  </a:solidFill>
+                </a:rPr>
+                <a:t>Upper </a:t>
+              </a:r>
+              <a:r>
+                <a:rPr lang="en-US" altLang="ko-KR" sz="1100" dirty="0" smtClean="0">
+                  <a:solidFill>
+                    <a:schemeClr val="tx1"/>
+                  </a:solidFill>
+                </a:rPr>
+                <a:t>Exit </a:t>
+              </a:r>
+              <a:r>
+                <a:rPr lang="en-US" altLang="ko-KR" sz="1100" dirty="0">
+                  <a:solidFill>
+                    <a:schemeClr val="tx1"/>
+                  </a:solidFill>
+                </a:rPr>
+                <a:t>Roll Gap </a:t>
+              </a:r>
+              <a:r>
+                <a:rPr lang="en-US" altLang="ko-KR" sz="1100" dirty="0" smtClean="0">
+                  <a:solidFill>
+                    <a:schemeClr val="tx1"/>
+                  </a:solidFill>
+                </a:rPr>
+                <a:t>Movement (mm)</a:t>
+              </a:r>
+              <a:endParaRPr lang="ko-KR" altLang="en-US" sz="1100" dirty="0" smtClean="0">
+                <a:solidFill>
+                  <a:schemeClr val="tx1"/>
+                </a:solidFill>
+              </a:endParaRPr>
+            </a:p>
+          </p:txBody>
+        </p:sp>
+        <p:sp>
+          <p:nvSpPr>
+            <p:cNvPr id="31" name="직사각형 30"/>
+            <p:cNvSpPr/>
+            <p:nvPr/>
+          </p:nvSpPr>
+          <p:spPr>
+            <a:xfrm>
+              <a:off x="6123938" y="3609579"/>
+              <a:ext cx="905608" cy="158262"/>
+            </a:xfrm>
+            <a:prstGeom prst="rect">
+              <a:avLst/>
+            </a:prstGeom>
+            <a:noFill/>
+            <a:ln>
+              <a:solidFill>
+                <a:schemeClr val="tx1"/>
+              </a:solidFill>
+            </a:ln>
+          </p:spPr>
+          <p:style>
+            <a:lnRef idx="2">
+              <a:schemeClr val="accent1">
+                <a:shade val="50000"/>
+              </a:schemeClr>
+            </a:lnRef>
+            <a:fillRef idx="1">
+              <a:schemeClr val="accent1"/>
+            </a:fillRef>
+            <a:effectRef idx="0">
+              <a:schemeClr val="accent1"/>
+            </a:effectRef>
+            <a:fontRef idx="minor">
+              <a:schemeClr val="lt1"/>
+            </a:fontRef>
+          </p:style>
+          <p:txBody>
+            <a:bodyPr rtlCol="0" anchor="ctr"/>
+            <a:lstStyle/>
+            <a:p>
+              <a:pPr algn="ctr"/>
+              <a:r>
+                <a:rPr lang="en-US" altLang="ko-KR" sz="1100" dirty="0" smtClean="0">
+                  <a:solidFill>
+                    <a:schemeClr val="tx1"/>
+                  </a:solidFill>
+                </a:rPr>
+                <a:t>15.0</a:t>
+              </a:r>
+              <a:endParaRPr lang="ko-KR" altLang="en-US" sz="1100" dirty="0" smtClean="0">
+                <a:solidFill>
+                  <a:schemeClr val="tx1"/>
+                </a:solidFill>
+              </a:endParaRPr>
+            </a:p>
+          </p:txBody>
+        </p:sp>
+        <p:sp>
+          <p:nvSpPr>
+            <p:cNvPr id="33" name="직사각형 32"/>
+            <p:cNvSpPr/>
+            <p:nvPr/>
+          </p:nvSpPr>
+          <p:spPr>
+            <a:xfrm>
+              <a:off x="3175717" y="3900889"/>
+              <a:ext cx="2880000" cy="178238"/>
+            </a:xfrm>
+            <a:prstGeom prst="rect">
+              <a:avLst/>
+            </a:prstGeom>
+            <a:solidFill>
+              <a:schemeClr val="bg1">
+                <a:lumMod val="95000"/>
+              </a:schemeClr>
+            </a:solidFill>
+            <a:ln>
+              <a:solidFill>
+                <a:schemeClr val="tx1"/>
+              </a:solidFill>
+            </a:ln>
+          </p:spPr>
+          <p:style>
+            <a:lnRef idx="2">
+              <a:schemeClr val="accent1">
+                <a:shade val="50000"/>
+              </a:schemeClr>
+            </a:lnRef>
+            <a:fillRef idx="1">
+              <a:schemeClr val="accent1"/>
+            </a:fillRef>
+            <a:effectRef idx="0">
+              <a:schemeClr val="accent1"/>
+            </a:effectRef>
+            <a:fontRef idx="minor">
+              <a:schemeClr val="lt1"/>
+            </a:fontRef>
+          </p:style>
+          <p:txBody>
+            <a:bodyPr lIns="0" rIns="0" rtlCol="0" anchor="ctr"/>
+            <a:lstStyle/>
+            <a:p>
+              <a:pPr algn="ctr"/>
+              <a:r>
+                <a:rPr lang="en-US" altLang="ko-KR" sz="1100" dirty="0" smtClean="0">
+                  <a:solidFill>
+                    <a:schemeClr val="tx1"/>
+                  </a:solidFill>
+                </a:rPr>
+                <a:t>Upper Roll Gap Staying Time (sec.)</a:t>
+              </a:r>
+              <a:endParaRPr lang="ko-KR" altLang="en-US" sz="1100" dirty="0" smtClean="0">
+                <a:solidFill>
+                  <a:schemeClr val="tx1"/>
+                </a:solidFill>
+              </a:endParaRPr>
+            </a:p>
+          </p:txBody>
+        </p:sp>
+        <p:sp>
+          <p:nvSpPr>
+            <p:cNvPr id="34" name="직사각형 33"/>
+            <p:cNvSpPr/>
+            <p:nvPr/>
+          </p:nvSpPr>
+          <p:spPr>
+            <a:xfrm>
+              <a:off x="6126760" y="3900889"/>
+              <a:ext cx="905608" cy="158262"/>
+            </a:xfrm>
+            <a:prstGeom prst="rect">
+              <a:avLst/>
+            </a:prstGeom>
+            <a:noFill/>
+            <a:ln>
+              <a:solidFill>
+                <a:schemeClr val="tx1"/>
+              </a:solidFill>
+            </a:ln>
+          </p:spPr>
+          <p:style>
+            <a:lnRef idx="2">
+              <a:schemeClr val="accent1">
+                <a:shade val="50000"/>
+              </a:schemeClr>
+            </a:lnRef>
+            <a:fillRef idx="1">
+              <a:schemeClr val="accent1"/>
+            </a:fillRef>
+            <a:effectRef idx="0">
+              <a:schemeClr val="accent1"/>
+            </a:effectRef>
+            <a:fontRef idx="minor">
+              <a:schemeClr val="lt1"/>
+            </a:fontRef>
+          </p:style>
+          <p:txBody>
+            <a:bodyPr rtlCol="0" anchor="ctr"/>
+            <a:lstStyle/>
+            <a:p>
+              <a:pPr algn="ctr"/>
+              <a:r>
+                <a:rPr lang="en-US" altLang="ko-KR" sz="1100" dirty="0" smtClean="0">
+                  <a:solidFill>
+                    <a:schemeClr val="tx1"/>
+                  </a:solidFill>
+                </a:rPr>
+                <a:t>1.0</a:t>
+              </a:r>
+              <a:r>
+                <a:rPr lang="ko-KR" altLang="en-US" sz="1100" dirty="0" smtClean="0">
+                  <a:solidFill>
+                    <a:schemeClr val="tx1"/>
+                  </a:solidFill>
+                </a:rPr>
+                <a:t> </a:t>
+              </a:r>
+            </a:p>
+          </p:txBody>
+        </p:sp>
+        <p:sp>
+          <p:nvSpPr>
+            <p:cNvPr id="36" name="직사각형 35"/>
+            <p:cNvSpPr/>
+            <p:nvPr/>
+          </p:nvSpPr>
+          <p:spPr>
+            <a:xfrm>
+              <a:off x="3178648" y="4158793"/>
+              <a:ext cx="2880000" cy="178238"/>
+            </a:xfrm>
+            <a:prstGeom prst="rect">
+              <a:avLst/>
+            </a:prstGeom>
+            <a:solidFill>
+              <a:schemeClr val="bg1">
+                <a:lumMod val="95000"/>
+              </a:schemeClr>
+            </a:solidFill>
+            <a:ln>
+              <a:solidFill>
+                <a:schemeClr val="tx1"/>
+              </a:solidFill>
+            </a:ln>
+          </p:spPr>
+          <p:style>
+            <a:lnRef idx="2">
+              <a:schemeClr val="accent1">
+                <a:shade val="50000"/>
+              </a:schemeClr>
+            </a:lnRef>
+            <a:fillRef idx="1">
+              <a:schemeClr val="accent1"/>
+            </a:fillRef>
+            <a:effectRef idx="0">
+              <a:schemeClr val="accent1"/>
+            </a:effectRef>
+            <a:fontRef idx="minor">
+              <a:schemeClr val="lt1"/>
+            </a:fontRef>
+          </p:style>
+          <p:txBody>
+            <a:bodyPr lIns="0" rIns="0" rtlCol="0" anchor="ctr"/>
+            <a:lstStyle/>
+            <a:p>
+              <a:pPr algn="ctr"/>
+              <a:r>
+                <a:rPr lang="en-US" altLang="ko-KR" sz="1100" dirty="0" smtClean="0">
+                  <a:solidFill>
+                    <a:schemeClr val="tx1"/>
+                  </a:solidFill>
+                </a:rPr>
+                <a:t>Upper </a:t>
+              </a:r>
+              <a:r>
+                <a:rPr lang="en-US" altLang="ko-KR" sz="1100" dirty="0">
+                  <a:solidFill>
+                    <a:schemeClr val="tx1"/>
+                  </a:solidFill>
+                </a:rPr>
+                <a:t>Roll </a:t>
+              </a:r>
+              <a:r>
+                <a:rPr lang="en-US" altLang="ko-KR" sz="1100" dirty="0" smtClean="0">
+                  <a:solidFill>
+                    <a:schemeClr val="tx1"/>
+                  </a:solidFill>
+                </a:rPr>
+                <a:t>Moving </a:t>
+              </a:r>
+              <a:r>
+                <a:rPr lang="en-US" altLang="ko-KR" sz="1100" dirty="0">
+                  <a:solidFill>
+                    <a:schemeClr val="tx1"/>
+                  </a:solidFill>
+                </a:rPr>
+                <a:t>Time (sec</a:t>
+              </a:r>
+              <a:r>
+                <a:rPr lang="en-US" altLang="ko-KR" sz="1100" dirty="0" smtClean="0">
+                  <a:solidFill>
+                    <a:schemeClr val="tx1"/>
+                  </a:solidFill>
+                </a:rPr>
+                <a:t>.)</a:t>
+              </a:r>
+              <a:endParaRPr lang="ko-KR" altLang="en-US" sz="1100" dirty="0" smtClean="0">
+                <a:solidFill>
+                  <a:schemeClr val="tx1"/>
+                </a:solidFill>
+              </a:endParaRPr>
+            </a:p>
+          </p:txBody>
+        </p:sp>
+        <p:sp>
+          <p:nvSpPr>
+            <p:cNvPr id="46" name="직사각형 45"/>
+            <p:cNvSpPr/>
+            <p:nvPr/>
+          </p:nvSpPr>
+          <p:spPr>
+            <a:xfrm>
+              <a:off x="6129691" y="4158793"/>
+              <a:ext cx="905608" cy="158262"/>
+            </a:xfrm>
+            <a:prstGeom prst="rect">
+              <a:avLst/>
+            </a:prstGeom>
+            <a:noFill/>
+            <a:ln>
+              <a:solidFill>
+                <a:schemeClr val="tx1"/>
+              </a:solidFill>
+            </a:ln>
+          </p:spPr>
+          <p:style>
+            <a:lnRef idx="2">
+              <a:schemeClr val="accent1">
+                <a:shade val="50000"/>
+              </a:schemeClr>
+            </a:lnRef>
+            <a:fillRef idx="1">
+              <a:schemeClr val="accent1"/>
+            </a:fillRef>
+            <a:effectRef idx="0">
+              <a:schemeClr val="accent1"/>
+            </a:effectRef>
+            <a:fontRef idx="minor">
+              <a:schemeClr val="lt1"/>
+            </a:fontRef>
+          </p:style>
+          <p:txBody>
+            <a:bodyPr rtlCol="0" anchor="ctr"/>
+            <a:lstStyle/>
+            <a:p>
+              <a:pPr algn="ctr"/>
+              <a:r>
+                <a:rPr lang="en-US" altLang="ko-KR" sz="1100" dirty="0" smtClean="0">
+                  <a:solidFill>
+                    <a:schemeClr val="tx1"/>
+                  </a:solidFill>
+                </a:rPr>
+                <a:t>2.0</a:t>
+              </a:r>
+              <a:endParaRPr lang="ko-KR" altLang="en-US" sz="1100" dirty="0" smtClean="0">
+                <a:solidFill>
+                  <a:schemeClr val="tx1"/>
+                </a:solidFill>
+              </a:endParaRPr>
+            </a:p>
+          </p:txBody>
+        </p:sp>
+        <p:sp>
+          <p:nvSpPr>
+            <p:cNvPr id="47" name="직사각형 46"/>
+            <p:cNvSpPr/>
+            <p:nvPr/>
+          </p:nvSpPr>
+          <p:spPr>
+            <a:xfrm>
+              <a:off x="3178648" y="4730749"/>
+              <a:ext cx="2880000" cy="178238"/>
+            </a:xfrm>
+            <a:prstGeom prst="rect">
+              <a:avLst/>
+            </a:prstGeom>
+            <a:solidFill>
+              <a:schemeClr val="bg1">
+                <a:lumMod val="95000"/>
+              </a:schemeClr>
+            </a:solidFill>
+            <a:ln>
+              <a:solidFill>
+                <a:schemeClr val="tx1"/>
+              </a:solidFill>
+            </a:ln>
+          </p:spPr>
+          <p:style>
+            <a:lnRef idx="2">
+              <a:schemeClr val="accent1">
+                <a:shade val="50000"/>
+              </a:schemeClr>
+            </a:lnRef>
+            <a:fillRef idx="1">
+              <a:schemeClr val="accent1"/>
+            </a:fillRef>
+            <a:effectRef idx="0">
+              <a:schemeClr val="accent1"/>
+            </a:effectRef>
+            <a:fontRef idx="minor">
+              <a:schemeClr val="lt1"/>
+            </a:fontRef>
+          </p:style>
+          <p:txBody>
+            <a:bodyPr lIns="0" rIns="0" rtlCol="0" anchor="ctr"/>
+            <a:lstStyle/>
+            <a:p>
+              <a:pPr algn="ctr"/>
+              <a:r>
+                <a:rPr lang="en-US" altLang="ko-KR" sz="1100" dirty="0" smtClean="0">
+                  <a:solidFill>
+                    <a:schemeClr val="tx1"/>
+                  </a:solidFill>
+                </a:rPr>
+                <a:t>Entry Lower Roll Gap Movement (mm)</a:t>
+              </a:r>
+              <a:endParaRPr lang="ko-KR" altLang="en-US" sz="1100" dirty="0" smtClean="0">
+                <a:solidFill>
+                  <a:schemeClr val="tx1"/>
+                </a:solidFill>
+              </a:endParaRPr>
+            </a:p>
+          </p:txBody>
+        </p:sp>
+        <p:sp>
+          <p:nvSpPr>
+            <p:cNvPr id="48" name="직사각형 47"/>
+            <p:cNvSpPr/>
+            <p:nvPr/>
+          </p:nvSpPr>
+          <p:spPr>
+            <a:xfrm>
+              <a:off x="6129691" y="4730749"/>
+              <a:ext cx="905608" cy="158262"/>
+            </a:xfrm>
+            <a:prstGeom prst="rect">
+              <a:avLst/>
+            </a:prstGeom>
+            <a:noFill/>
+            <a:ln>
+              <a:solidFill>
+                <a:schemeClr val="tx1"/>
+              </a:solidFill>
+            </a:ln>
+          </p:spPr>
+          <p:style>
+            <a:lnRef idx="2">
+              <a:schemeClr val="accent1">
+                <a:shade val="50000"/>
+              </a:schemeClr>
+            </a:lnRef>
+            <a:fillRef idx="1">
+              <a:schemeClr val="accent1"/>
+            </a:fillRef>
+            <a:effectRef idx="0">
+              <a:schemeClr val="accent1"/>
+            </a:effectRef>
+            <a:fontRef idx="minor">
+              <a:schemeClr val="lt1"/>
+            </a:fontRef>
+          </p:style>
+          <p:txBody>
+            <a:bodyPr rtlCol="0" anchor="ctr"/>
+            <a:lstStyle/>
+            <a:p>
+              <a:pPr algn="ctr"/>
+              <a:r>
+                <a:rPr lang="en-US" altLang="ko-KR" sz="1100" dirty="0" smtClean="0">
+                  <a:solidFill>
+                    <a:schemeClr val="tx1"/>
+                  </a:solidFill>
+                </a:rPr>
+                <a:t>20.0</a:t>
+              </a:r>
+              <a:endParaRPr lang="ko-KR" altLang="en-US" sz="1100" dirty="0" smtClean="0">
+                <a:solidFill>
+                  <a:schemeClr val="tx1"/>
+                </a:solidFill>
+              </a:endParaRPr>
+            </a:p>
+          </p:txBody>
+        </p:sp>
+        <p:sp>
+          <p:nvSpPr>
+            <p:cNvPr id="49" name="직사각형 48"/>
+            <p:cNvSpPr/>
+            <p:nvPr/>
+          </p:nvSpPr>
+          <p:spPr>
+            <a:xfrm>
+              <a:off x="3181579" y="4988653"/>
+              <a:ext cx="2880000" cy="178238"/>
+            </a:xfrm>
+            <a:prstGeom prst="rect">
+              <a:avLst/>
+            </a:prstGeom>
+            <a:solidFill>
+              <a:schemeClr val="bg1">
+                <a:lumMod val="95000"/>
+              </a:schemeClr>
+            </a:solidFill>
+            <a:ln>
+              <a:solidFill>
+                <a:schemeClr val="tx1"/>
+              </a:solidFill>
+            </a:ln>
+          </p:spPr>
+          <p:style>
+            <a:lnRef idx="2">
+              <a:schemeClr val="accent1">
+                <a:shade val="50000"/>
+              </a:schemeClr>
+            </a:lnRef>
+            <a:fillRef idx="1">
+              <a:schemeClr val="accent1"/>
+            </a:fillRef>
+            <a:effectRef idx="0">
+              <a:schemeClr val="accent1"/>
+            </a:effectRef>
+            <a:fontRef idx="minor">
+              <a:schemeClr val="lt1"/>
+            </a:fontRef>
+          </p:style>
+          <p:txBody>
+            <a:bodyPr lIns="0" rIns="0" rtlCol="0" anchor="ctr"/>
+            <a:lstStyle/>
+            <a:p>
+              <a:pPr algn="ctr"/>
+              <a:r>
+                <a:rPr lang="en-US" altLang="ko-KR" sz="1100" dirty="0">
+                  <a:solidFill>
+                    <a:schemeClr val="tx1"/>
+                  </a:solidFill>
+                </a:rPr>
+                <a:t>Entry Lower</a:t>
+              </a:r>
+              <a:r>
+                <a:rPr lang="en-US" altLang="ko-KR" sz="1100" dirty="0" smtClean="0">
+                  <a:solidFill>
+                    <a:schemeClr val="tx1"/>
+                  </a:solidFill>
+                </a:rPr>
+                <a:t> </a:t>
+              </a:r>
+              <a:r>
+                <a:rPr lang="en-US" altLang="ko-KR" sz="1100" dirty="0">
+                  <a:solidFill>
+                    <a:schemeClr val="tx1"/>
+                  </a:solidFill>
+                </a:rPr>
+                <a:t>Roll </a:t>
+              </a:r>
+              <a:r>
+                <a:rPr lang="en-US" altLang="ko-KR" sz="1100" dirty="0" smtClean="0">
+                  <a:solidFill>
+                    <a:schemeClr val="tx1"/>
+                  </a:solidFill>
+                </a:rPr>
+                <a:t>Gap Movement </a:t>
+              </a:r>
+              <a:r>
+                <a:rPr lang="en-US" altLang="ko-KR" sz="1100" dirty="0">
+                  <a:solidFill>
+                    <a:schemeClr val="tx1"/>
+                  </a:solidFill>
+                </a:rPr>
+                <a:t>(</a:t>
+              </a:r>
+              <a:r>
+                <a:rPr lang="en-US" altLang="ko-KR" sz="1100" dirty="0" smtClean="0">
+                  <a:solidFill>
+                    <a:schemeClr val="tx1"/>
+                  </a:solidFill>
+                </a:rPr>
+                <a:t>mm)</a:t>
+              </a:r>
+              <a:endParaRPr lang="ko-KR" altLang="en-US" sz="1100" dirty="0" smtClean="0">
+                <a:solidFill>
+                  <a:schemeClr val="tx1"/>
+                </a:solidFill>
+              </a:endParaRPr>
+            </a:p>
+          </p:txBody>
+        </p:sp>
+        <p:sp>
+          <p:nvSpPr>
+            <p:cNvPr id="50" name="직사각형 49"/>
+            <p:cNvSpPr/>
+            <p:nvPr/>
+          </p:nvSpPr>
+          <p:spPr>
+            <a:xfrm>
+              <a:off x="6132622" y="4988653"/>
+              <a:ext cx="905608" cy="158262"/>
+            </a:xfrm>
+            <a:prstGeom prst="rect">
+              <a:avLst/>
+            </a:prstGeom>
+            <a:noFill/>
+            <a:ln>
+              <a:solidFill>
+                <a:schemeClr val="tx1"/>
+              </a:solidFill>
+            </a:ln>
+          </p:spPr>
+          <p:style>
+            <a:lnRef idx="2">
+              <a:schemeClr val="accent1">
+                <a:shade val="50000"/>
+              </a:schemeClr>
+            </a:lnRef>
+            <a:fillRef idx="1">
+              <a:schemeClr val="accent1"/>
+            </a:fillRef>
+            <a:effectRef idx="0">
+              <a:schemeClr val="accent1"/>
+            </a:effectRef>
+            <a:fontRef idx="minor">
+              <a:schemeClr val="lt1"/>
+            </a:fontRef>
+          </p:style>
+          <p:txBody>
+            <a:bodyPr rtlCol="0" anchor="ctr"/>
+            <a:lstStyle/>
+            <a:p>
+              <a:pPr algn="ctr"/>
+              <a:r>
+                <a:rPr lang="en-US" altLang="ko-KR" sz="1100" dirty="0" smtClean="0">
+                  <a:solidFill>
+                    <a:schemeClr val="tx1"/>
+                  </a:solidFill>
+                </a:rPr>
+                <a:t>15.0</a:t>
+              </a:r>
+              <a:endParaRPr lang="ko-KR" altLang="en-US" sz="1100" dirty="0" smtClean="0">
+                <a:solidFill>
+                  <a:schemeClr val="tx1"/>
+                </a:solidFill>
+              </a:endParaRPr>
+            </a:p>
+          </p:txBody>
+        </p:sp>
+        <p:sp>
+          <p:nvSpPr>
+            <p:cNvPr id="51" name="직사각형 50"/>
+            <p:cNvSpPr/>
+            <p:nvPr/>
+          </p:nvSpPr>
+          <p:spPr>
+            <a:xfrm>
+              <a:off x="3184401" y="5279963"/>
+              <a:ext cx="2880000" cy="178238"/>
+            </a:xfrm>
+            <a:prstGeom prst="rect">
+              <a:avLst/>
+            </a:prstGeom>
+            <a:solidFill>
+              <a:schemeClr val="bg1">
+                <a:lumMod val="95000"/>
+              </a:schemeClr>
+            </a:solidFill>
+            <a:ln>
+              <a:solidFill>
+                <a:schemeClr val="tx1"/>
+              </a:solidFill>
+            </a:ln>
+          </p:spPr>
+          <p:style>
+            <a:lnRef idx="2">
+              <a:schemeClr val="accent1">
+                <a:shade val="50000"/>
+              </a:schemeClr>
+            </a:lnRef>
+            <a:fillRef idx="1">
+              <a:schemeClr val="accent1"/>
+            </a:fillRef>
+            <a:effectRef idx="0">
+              <a:schemeClr val="accent1"/>
+            </a:effectRef>
+            <a:fontRef idx="minor">
+              <a:schemeClr val="lt1"/>
+            </a:fontRef>
+          </p:style>
+          <p:txBody>
+            <a:bodyPr lIns="0" rIns="0" rtlCol="0" anchor="ctr"/>
+            <a:lstStyle/>
+            <a:p>
+              <a:pPr algn="ctr"/>
+              <a:r>
+                <a:rPr lang="en-US" altLang="ko-KR" sz="1100" dirty="0" smtClean="0">
+                  <a:solidFill>
+                    <a:schemeClr val="tx1"/>
+                  </a:solidFill>
+                </a:rPr>
+                <a:t>Lower Roll Gap Staying Time (sec.)</a:t>
+              </a:r>
+              <a:endParaRPr lang="ko-KR" altLang="en-US" sz="1100" dirty="0" smtClean="0">
+                <a:solidFill>
+                  <a:schemeClr val="tx1"/>
+                </a:solidFill>
+              </a:endParaRPr>
+            </a:p>
+          </p:txBody>
+        </p:sp>
+        <p:sp>
+          <p:nvSpPr>
+            <p:cNvPr id="52" name="직사각형 51"/>
+            <p:cNvSpPr/>
+            <p:nvPr/>
+          </p:nvSpPr>
+          <p:spPr>
+            <a:xfrm>
+              <a:off x="6135444" y="5279963"/>
+              <a:ext cx="905608" cy="158262"/>
+            </a:xfrm>
+            <a:prstGeom prst="rect">
+              <a:avLst/>
+            </a:prstGeom>
+            <a:noFill/>
+            <a:ln>
+              <a:solidFill>
+                <a:schemeClr val="tx1"/>
+              </a:solidFill>
+            </a:ln>
+          </p:spPr>
+          <p:style>
+            <a:lnRef idx="2">
+              <a:schemeClr val="accent1">
+                <a:shade val="50000"/>
+              </a:schemeClr>
+            </a:lnRef>
+            <a:fillRef idx="1">
+              <a:schemeClr val="accent1"/>
+            </a:fillRef>
+            <a:effectRef idx="0">
+              <a:schemeClr val="accent1"/>
+            </a:effectRef>
+            <a:fontRef idx="minor">
+              <a:schemeClr val="lt1"/>
+            </a:fontRef>
+          </p:style>
+          <p:txBody>
+            <a:bodyPr rtlCol="0" anchor="ctr"/>
+            <a:lstStyle/>
+            <a:p>
+              <a:pPr algn="ctr"/>
+              <a:r>
+                <a:rPr lang="en-US" altLang="ko-KR" sz="1100" dirty="0" smtClean="0">
+                  <a:solidFill>
+                    <a:schemeClr val="tx1"/>
+                  </a:solidFill>
+                </a:rPr>
+                <a:t>1.0</a:t>
+              </a:r>
+              <a:r>
+                <a:rPr lang="ko-KR" altLang="en-US" sz="1100" dirty="0" smtClean="0">
+                  <a:solidFill>
+                    <a:schemeClr val="tx1"/>
+                  </a:solidFill>
+                </a:rPr>
+                <a:t> </a:t>
+              </a:r>
+            </a:p>
+          </p:txBody>
+        </p:sp>
+        <p:sp>
+          <p:nvSpPr>
+            <p:cNvPr id="53" name="직사각형 52"/>
+            <p:cNvSpPr/>
+            <p:nvPr/>
+          </p:nvSpPr>
+          <p:spPr>
+            <a:xfrm>
+              <a:off x="3187332" y="5537867"/>
+              <a:ext cx="2880000" cy="178238"/>
+            </a:xfrm>
+            <a:prstGeom prst="rect">
+              <a:avLst/>
+            </a:prstGeom>
+            <a:solidFill>
+              <a:schemeClr val="bg1">
+                <a:lumMod val="95000"/>
+              </a:schemeClr>
+            </a:solidFill>
+            <a:ln>
+              <a:solidFill>
+                <a:schemeClr val="tx1"/>
+              </a:solidFill>
+            </a:ln>
+          </p:spPr>
+          <p:style>
+            <a:lnRef idx="2">
+              <a:schemeClr val="accent1">
+                <a:shade val="50000"/>
+              </a:schemeClr>
+            </a:lnRef>
+            <a:fillRef idx="1">
+              <a:schemeClr val="accent1"/>
+            </a:fillRef>
+            <a:effectRef idx="0">
+              <a:schemeClr val="accent1"/>
+            </a:effectRef>
+            <a:fontRef idx="minor">
+              <a:schemeClr val="lt1"/>
+            </a:fontRef>
+          </p:style>
+          <p:txBody>
+            <a:bodyPr lIns="0" rIns="0" rtlCol="0" anchor="ctr"/>
+            <a:lstStyle/>
+            <a:p>
+              <a:pPr algn="ctr"/>
+              <a:r>
+                <a:rPr lang="en-US" altLang="ko-KR" sz="1100" dirty="0" smtClean="0">
+                  <a:solidFill>
+                    <a:schemeClr val="tx1"/>
+                  </a:solidFill>
+                </a:rPr>
+                <a:t>Lower </a:t>
+              </a:r>
+              <a:r>
+                <a:rPr lang="en-US" altLang="ko-KR" sz="1100" dirty="0">
+                  <a:solidFill>
+                    <a:schemeClr val="tx1"/>
+                  </a:solidFill>
+                </a:rPr>
+                <a:t>Roll </a:t>
+              </a:r>
+              <a:r>
+                <a:rPr lang="en-US" altLang="ko-KR" sz="1100" dirty="0" smtClean="0">
+                  <a:solidFill>
+                    <a:schemeClr val="tx1"/>
+                  </a:solidFill>
+                </a:rPr>
+                <a:t>Gap Moving </a:t>
+              </a:r>
+              <a:r>
+                <a:rPr lang="en-US" altLang="ko-KR" sz="1100" dirty="0">
+                  <a:solidFill>
+                    <a:schemeClr val="tx1"/>
+                  </a:solidFill>
+                </a:rPr>
+                <a:t>Time (sec</a:t>
+              </a:r>
+              <a:r>
+                <a:rPr lang="en-US" altLang="ko-KR" sz="1100" dirty="0" smtClean="0">
+                  <a:solidFill>
+                    <a:schemeClr val="tx1"/>
+                  </a:solidFill>
+                </a:rPr>
+                <a:t>.)</a:t>
+              </a:r>
+              <a:endParaRPr lang="ko-KR" altLang="en-US" sz="1100" dirty="0" smtClean="0">
+                <a:solidFill>
+                  <a:schemeClr val="tx1"/>
+                </a:solidFill>
+              </a:endParaRPr>
+            </a:p>
+          </p:txBody>
+        </p:sp>
+        <p:sp>
+          <p:nvSpPr>
+            <p:cNvPr id="54" name="직사각형 53"/>
+            <p:cNvSpPr/>
+            <p:nvPr/>
+          </p:nvSpPr>
+          <p:spPr>
+            <a:xfrm>
+              <a:off x="6138375" y="5537867"/>
+              <a:ext cx="905608" cy="158262"/>
+            </a:xfrm>
+            <a:prstGeom prst="rect">
+              <a:avLst/>
+            </a:prstGeom>
+            <a:noFill/>
+            <a:ln>
+              <a:solidFill>
+                <a:schemeClr val="tx1"/>
+              </a:solidFill>
+            </a:ln>
+          </p:spPr>
+          <p:style>
+            <a:lnRef idx="2">
+              <a:schemeClr val="accent1">
+                <a:shade val="50000"/>
+              </a:schemeClr>
+            </a:lnRef>
+            <a:fillRef idx="1">
+              <a:schemeClr val="accent1"/>
+            </a:fillRef>
+            <a:effectRef idx="0">
+              <a:schemeClr val="accent1"/>
+            </a:effectRef>
+            <a:fontRef idx="minor">
+              <a:schemeClr val="lt1"/>
+            </a:fontRef>
+          </p:style>
+          <p:txBody>
+            <a:bodyPr rtlCol="0" anchor="ctr"/>
+            <a:lstStyle/>
+            <a:p>
+              <a:pPr algn="ctr"/>
+              <a:r>
+                <a:rPr lang="en-US" altLang="ko-KR" sz="1100" dirty="0" smtClean="0">
+                  <a:solidFill>
+                    <a:schemeClr val="tx1"/>
+                  </a:solidFill>
+                </a:rPr>
+                <a:t>2.5</a:t>
+              </a:r>
+              <a:endParaRPr lang="ko-KR" altLang="en-US" sz="1100" dirty="0" smtClean="0">
+                <a:solidFill>
+                  <a:schemeClr val="tx1"/>
+                </a:solidFill>
+              </a:endParaRPr>
+            </a:p>
+          </p:txBody>
+        </p:sp>
+        <p:sp>
+          <p:nvSpPr>
+            <p:cNvPr id="55" name="TextBox 54"/>
+            <p:cNvSpPr txBox="1"/>
+            <p:nvPr/>
+          </p:nvSpPr>
+          <p:spPr>
+            <a:xfrm>
+              <a:off x="2928630" y="3004038"/>
+              <a:ext cx="3397404" cy="307777"/>
+            </a:xfrm>
+            <a:prstGeom prst="rect">
+              <a:avLst/>
+            </a:prstGeom>
+            <a:noFill/>
+          </p:spPr>
+          <p:txBody>
+            <a:bodyPr wrap="square" rtlCol="0">
+              <a:spAutoFit/>
+            </a:bodyPr>
+            <a:lstStyle/>
+            <a:p>
+              <a:r>
+                <a:rPr lang="en-US" altLang="ko-KR" sz="1400" dirty="0" smtClean="0">
+                  <a:latin typeface="Arial Unicode MS" panose="020B0604020202020204" pitchFamily="50" charset="-127"/>
+                  <a:ea typeface="맑은 고딕" panose="020B0503020000020004" pitchFamily="50" charset="-127"/>
+                </a:rPr>
+                <a:t>Upper Roll Gap Movement</a:t>
+              </a:r>
+              <a:endParaRPr lang="ko-KR" altLang="en-US" sz="1400" dirty="0" smtClean="0">
+                <a:latin typeface="Arial Unicode MS" panose="020B0604020202020204" pitchFamily="50" charset="-127"/>
+                <a:ea typeface="맑은 고딕" panose="020B0503020000020004" pitchFamily="50" charset="-127"/>
+              </a:endParaRPr>
+            </a:p>
+          </p:txBody>
+        </p:sp>
+        <p:sp>
+          <p:nvSpPr>
+            <p:cNvPr id="56" name="TextBox 55"/>
+            <p:cNvSpPr txBox="1"/>
+            <p:nvPr/>
+          </p:nvSpPr>
+          <p:spPr>
+            <a:xfrm>
+              <a:off x="2928630" y="4406336"/>
+              <a:ext cx="3397404" cy="307777"/>
+            </a:xfrm>
+            <a:prstGeom prst="rect">
+              <a:avLst/>
+            </a:prstGeom>
+            <a:noFill/>
+          </p:spPr>
+          <p:txBody>
+            <a:bodyPr wrap="square" rtlCol="0">
+              <a:spAutoFit/>
+            </a:bodyPr>
+            <a:lstStyle/>
+            <a:p>
+              <a:r>
+                <a:rPr lang="en-US" altLang="ko-KR" sz="1400" dirty="0" smtClean="0">
+                  <a:latin typeface="Arial Unicode MS" panose="020B0604020202020204" pitchFamily="50" charset="-127"/>
+                  <a:ea typeface="맑은 고딕" panose="020B0503020000020004" pitchFamily="50" charset="-127"/>
+                </a:rPr>
+                <a:t>Lower Roll Gap Movement</a:t>
+              </a:r>
+              <a:endParaRPr lang="ko-KR" altLang="en-US" sz="1400" dirty="0" smtClean="0">
+                <a:latin typeface="Arial Unicode MS" panose="020B0604020202020204" pitchFamily="50" charset="-127"/>
+                <a:ea typeface="맑은 고딕" panose="020B0503020000020004" pitchFamily="50" charset="-127"/>
+              </a:endParaRPr>
+            </a:p>
+          </p:txBody>
+        </p:sp>
+      </p:grpSp>
+    </p:spTree>
+    <p:extLst>
+      <p:ext uri="{BB962C8B-B14F-4D97-AF65-F5344CB8AC3E}">
+        <p14:creationId xmlns="" xmlns:p14="http://schemas.microsoft.com/office/powerpoint/2010/main" val="1405159564"/>
+      </p:ext>
+    </p:extLst>
+  </p:cSld>
+  <p:clrMapOvr>
+    <a:masterClrMapping/>
+  </p:clrMapOvr>
+</p:sld>
+</file>
+
+<file path=ppt/slides/slide4.xml><?xml version="1.0" encoding="utf-8"?>
 <p:sld xmlns:a="http://schemas.openxmlformats.org/drawingml/2006/main" xmlns:r="http://schemas.openxmlformats.org/officeDocument/2006/relationships" xmlns:p="http://schemas.openxmlformats.org/presentationml/2006/main">
   <p:cSld>
     <p:spTree>
@@ -7163,7 +12077,7 @@
     </p:spTree>
     <p:extLst>
       <p:ext uri="{BB962C8B-B14F-4D97-AF65-F5344CB8AC3E}">
-        <p14:creationId xmlns:p14="http://schemas.microsoft.com/office/powerpoint/2010/main" val="3175687517"/>
+        <p14:creationId xmlns:p14="http://schemas.microsoft.com/office/powerpoint/2010/main" xmlns="" val="3175687517"/>
       </p:ext>
     </p:extLst>
   </p:cSld>
@@ -7173,7 +12087,7 @@
 </p:sld>
 </file>
 
-<file path=ppt/slides/slide3.xml><?xml version="1.0" encoding="utf-8"?>
+<file path=ppt/slides/slide5.xml><?xml version="1.0" encoding="utf-8"?>
 <p:sld xmlns:a="http://schemas.openxmlformats.org/drawingml/2006/main" xmlns:r="http://schemas.openxmlformats.org/officeDocument/2006/relationships" xmlns:p="http://schemas.openxmlformats.org/presentationml/2006/main">
   <p:cSld>
     <p:spTree>
@@ -8437,7 +13351,7 @@
     </p:spTree>
     <p:extLst>
       <p:ext uri="{BB962C8B-B14F-4D97-AF65-F5344CB8AC3E}">
-        <p14:creationId xmlns:p14="http://schemas.microsoft.com/office/powerpoint/2010/main" val="3072828870"/>
+        <p14:creationId xmlns:p14="http://schemas.microsoft.com/office/powerpoint/2010/main" xmlns="" val="3072828870"/>
       </p:ext>
     </p:extLst>
   </p:cSld>
@@ -8447,7 +13361,7 @@
 </p:sld>
 </file>
 
-<file path=ppt/slides/slide4.xml><?xml version="1.0" encoding="utf-8"?>
+<file path=ppt/slides/slide6.xml><?xml version="1.0" encoding="utf-8"?>
 <p:sld xmlns:a="http://schemas.openxmlformats.org/drawingml/2006/main" xmlns:r="http://schemas.openxmlformats.org/officeDocument/2006/relationships" xmlns:p="http://schemas.openxmlformats.org/presentationml/2006/main">
   <p:cSld>
     <p:spTree>
@@ -8467,7 +13381,7 @@
     </p:spTree>
     <p:extLst>
       <p:ext uri="{BB962C8B-B14F-4D97-AF65-F5344CB8AC3E}">
-        <p14:creationId xmlns:p14="http://schemas.microsoft.com/office/powerpoint/2010/main" val="2031462865"/>
+        <p14:creationId xmlns:p14="http://schemas.microsoft.com/office/powerpoint/2010/main" xmlns="" val="2031462865"/>
       </p:ext>
     </p:extLst>
   </p:cSld>
@@ -8477,7 +13391,7 @@
 </p:sld>
 </file>
 
-<file path=ppt/slides/slide5.xml><?xml version="1.0" encoding="utf-8"?>
+<file path=ppt/slides/slide7.xml><?xml version="1.0" encoding="utf-8"?>
 <p:sld xmlns:a="http://schemas.openxmlformats.org/drawingml/2006/main" xmlns:r="http://schemas.openxmlformats.org/officeDocument/2006/relationships" xmlns:p="http://schemas.openxmlformats.org/presentationml/2006/main">
   <p:cSld>
     <p:spTree>
@@ -8497,7 +13411,7 @@
     </p:spTree>
     <p:extLst>
       <p:ext uri="{BB962C8B-B14F-4D97-AF65-F5344CB8AC3E}">
-        <p14:creationId xmlns:p14="http://schemas.microsoft.com/office/powerpoint/2010/main" val="2070625452"/>
+        <p14:creationId xmlns:p14="http://schemas.microsoft.com/office/powerpoint/2010/main" xmlns="" val="2070625452"/>
       </p:ext>
     </p:extLst>
   </p:cSld>
@@ -8550,7 +13464,7 @@
     </a:clrScheme>
     <a:fontScheme name="Office">
       <a:majorFont>
-        <a:latin typeface="맑은 고딕" panose="020F0302020204030204"/>
+        <a:latin typeface="맑은 고딕"/>
         <a:ea typeface=""/>
         <a:cs typeface=""/>
         <a:font script="Jpan" typeface="ＭＳ Ｐゴシック"/>
@@ -8585,7 +13499,7 @@
         <a:font script="Geor" typeface="Sylfaen"/>
       </a:majorFont>
       <a:minorFont>
-        <a:latin typeface="맑은 고딕" panose="020F0502020204030204"/>
+        <a:latin typeface="맑은 고딕"/>
         <a:ea typeface=""/>
         <a:cs typeface=""/>
         <a:font script="Jpan" typeface="ＭＳ Ｐゴシック"/>
@@ -8762,7 +13676,7 @@
   <a:extraClrSchemeLst/>
   <a:extLst>
     <a:ext uri="{05A4C25C-085E-4340-85A3-A5531E510DB2}">
-      <thm15:themeFamily xmlns:thm15="http://schemas.microsoft.com/office/thememl/2012/main" name="Office Theme" id="{62F939B6-93AF-4DB8-9C6B-D6C7DFDC589F}" vid="{4A3C46E8-61CC-4603-A589-7422A47A8E4A}"/>
+      <thm15:themeFamily xmlns:thm15="http://schemas.microsoft.com/office/thememl/2012/main" xmlns="" name="Office Theme" id="{62F939B6-93AF-4DB8-9C6B-D6C7DFDC589F}" vid="{4A3C46E8-61CC-4603-A589-7422A47A8E4A}"/>
     </a:ext>
   </a:extLst>
 </a:theme>

--- a/com.js.ens.leveller/ver3UI업데이트.pptx
+++ b/com.js.ens.leveller/ver3UI업데이트.pptx
@@ -110,6 +110,22 @@
       </a:defRPr>
     </a:lvl9pPr>
   </p:defaultTextStyle>
+  <p:extLst>
+    <p:ext uri="{EFAFB233-063F-42B5-8137-9DF3F51BA10A}">
+      <p15:sldGuideLst xmlns:p15="http://schemas.microsoft.com/office/powerpoint/2012/main">
+        <p15:guide id="1" orient="horz" pos="2160">
+          <p15:clr>
+            <a:srgbClr val="A4A3A4"/>
+          </p15:clr>
+        </p15:guide>
+        <p15:guide id="2" pos="3840">
+          <p15:clr>
+            <a:srgbClr val="A4A3A4"/>
+          </p15:clr>
+        </p15:guide>
+      </p15:sldGuideLst>
+    </p:ext>
+  </p:extLst>
 </p:presentation>
 </file>
 
@@ -245,7 +261,7 @@
             <a:fld id="{B4FEAEA1-33FC-4DA6-9577-1C5DB471FED0}" type="datetimeFigureOut">
               <a:rPr lang="ko-KR" altLang="en-US" smtClean="0"/>
               <a:pPr/>
-              <a:t>2016-07-19</a:t>
+              <a:t>2016-07-20</a:t>
             </a:fld>
             <a:endParaRPr lang="ko-KR" altLang="en-US"/>
           </a:p>
@@ -297,7 +313,7 @@
     </p:spTree>
     <p:extLst>
       <p:ext uri="{BB962C8B-B14F-4D97-AF65-F5344CB8AC3E}">
-        <p14:creationId xmlns:p14="http://schemas.microsoft.com/office/powerpoint/2010/main" xmlns="" val="650990095"/>
+        <p14:creationId xmlns:p14="http://schemas.microsoft.com/office/powerpoint/2010/main" val="650990095"/>
       </p:ext>
     </p:extLst>
   </p:cSld>
@@ -417,7 +433,7 @@
             <a:fld id="{B4FEAEA1-33FC-4DA6-9577-1C5DB471FED0}" type="datetimeFigureOut">
               <a:rPr lang="ko-KR" altLang="en-US" smtClean="0"/>
               <a:pPr/>
-              <a:t>2016-07-19</a:t>
+              <a:t>2016-07-20</a:t>
             </a:fld>
             <a:endParaRPr lang="ko-KR" altLang="en-US"/>
           </a:p>
@@ -469,7 +485,7 @@
     </p:spTree>
     <p:extLst>
       <p:ext uri="{BB962C8B-B14F-4D97-AF65-F5344CB8AC3E}">
-        <p14:creationId xmlns:p14="http://schemas.microsoft.com/office/powerpoint/2010/main" xmlns="" val="3201969876"/>
+        <p14:creationId xmlns:p14="http://schemas.microsoft.com/office/powerpoint/2010/main" val="3201969876"/>
       </p:ext>
     </p:extLst>
   </p:cSld>
@@ -599,7 +615,7 @@
             <a:fld id="{B4FEAEA1-33FC-4DA6-9577-1C5DB471FED0}" type="datetimeFigureOut">
               <a:rPr lang="ko-KR" altLang="en-US" smtClean="0"/>
               <a:pPr/>
-              <a:t>2016-07-19</a:t>
+              <a:t>2016-07-20</a:t>
             </a:fld>
             <a:endParaRPr lang="ko-KR" altLang="en-US"/>
           </a:p>
@@ -651,7 +667,7 @@
     </p:spTree>
     <p:extLst>
       <p:ext uri="{BB962C8B-B14F-4D97-AF65-F5344CB8AC3E}">
-        <p14:creationId xmlns:p14="http://schemas.microsoft.com/office/powerpoint/2010/main" xmlns="" val="1086463872"/>
+        <p14:creationId xmlns:p14="http://schemas.microsoft.com/office/powerpoint/2010/main" val="1086463872"/>
       </p:ext>
     </p:extLst>
   </p:cSld>
@@ -905,7 +921,7 @@
           <a:blip r:embed="rId2" cstate="print">
             <a:extLst>
               <a:ext uri="{28A0092B-C50C-407E-A947-70E740481C1C}">
-                <a14:useLocalDpi xmlns="" xmlns:a14="http://schemas.microsoft.com/office/drawing/2010/main" val="0"/>
+                <a14:useLocalDpi xmlns:a14="http://schemas.microsoft.com/office/drawing/2010/main" val="0"/>
               </a:ext>
             </a:extLst>
           </a:blip>
@@ -1071,7 +1087,7 @@
     </p:spTree>
     <p:extLst>
       <p:ext uri="{BB962C8B-B14F-4D97-AF65-F5344CB8AC3E}">
-        <p14:creationId xmlns="" xmlns:p14="http://schemas.microsoft.com/office/powerpoint/2010/main" val="1883167788"/>
+        <p14:creationId xmlns:p14="http://schemas.microsoft.com/office/powerpoint/2010/main" val="1883167788"/>
       </p:ext>
     </p:extLst>
   </p:cSld>
@@ -1198,7 +1214,7 @@
             <a:fld id="{B4FEAEA1-33FC-4DA6-9577-1C5DB471FED0}" type="datetimeFigureOut">
               <a:rPr lang="ko-KR" altLang="en-US" smtClean="0"/>
               <a:pPr/>
-              <a:t>2016-07-19</a:t>
+              <a:t>2016-07-20</a:t>
             </a:fld>
             <a:endParaRPr lang="ko-KR" altLang="en-US"/>
           </a:p>
@@ -1250,7 +1266,7 @@
     </p:spTree>
     <p:extLst>
       <p:ext uri="{BB962C8B-B14F-4D97-AF65-F5344CB8AC3E}">
-        <p14:creationId xmlns:p14="http://schemas.microsoft.com/office/powerpoint/2010/main" xmlns="" val="3745918755"/>
+        <p14:creationId xmlns:p14="http://schemas.microsoft.com/office/powerpoint/2010/main" val="3745918755"/>
       </p:ext>
     </p:extLst>
   </p:cSld>
@@ -1446,7 +1462,7 @@
             <a:fld id="{B4FEAEA1-33FC-4DA6-9577-1C5DB471FED0}" type="datetimeFigureOut">
               <a:rPr lang="ko-KR" altLang="en-US" smtClean="0"/>
               <a:pPr/>
-              <a:t>2016-07-19</a:t>
+              <a:t>2016-07-20</a:t>
             </a:fld>
             <a:endParaRPr lang="ko-KR" altLang="en-US"/>
           </a:p>
@@ -1498,7 +1514,7 @@
     </p:spTree>
     <p:extLst>
       <p:ext uri="{BB962C8B-B14F-4D97-AF65-F5344CB8AC3E}">
-        <p14:creationId xmlns:p14="http://schemas.microsoft.com/office/powerpoint/2010/main" xmlns="" val="1752523856"/>
+        <p14:creationId xmlns:p14="http://schemas.microsoft.com/office/powerpoint/2010/main" val="1752523856"/>
       </p:ext>
     </p:extLst>
   </p:cSld>
@@ -1680,7 +1696,7 @@
             <a:fld id="{B4FEAEA1-33FC-4DA6-9577-1C5DB471FED0}" type="datetimeFigureOut">
               <a:rPr lang="ko-KR" altLang="en-US" smtClean="0"/>
               <a:pPr/>
-              <a:t>2016-07-19</a:t>
+              <a:t>2016-07-20</a:t>
             </a:fld>
             <a:endParaRPr lang="ko-KR" altLang="en-US"/>
           </a:p>
@@ -1732,7 +1748,7 @@
     </p:spTree>
     <p:extLst>
       <p:ext uri="{BB962C8B-B14F-4D97-AF65-F5344CB8AC3E}">
-        <p14:creationId xmlns:p14="http://schemas.microsoft.com/office/powerpoint/2010/main" xmlns="" val="93201787"/>
+        <p14:creationId xmlns:p14="http://schemas.microsoft.com/office/powerpoint/2010/main" val="93201787"/>
       </p:ext>
     </p:extLst>
   </p:cSld>
@@ -2049,7 +2065,7 @@
             <a:fld id="{B4FEAEA1-33FC-4DA6-9577-1C5DB471FED0}" type="datetimeFigureOut">
               <a:rPr lang="ko-KR" altLang="en-US" smtClean="0"/>
               <a:pPr/>
-              <a:t>2016-07-19</a:t>
+              <a:t>2016-07-20</a:t>
             </a:fld>
             <a:endParaRPr lang="ko-KR" altLang="en-US"/>
           </a:p>
@@ -2101,7 +2117,7 @@
     </p:spTree>
     <p:extLst>
       <p:ext uri="{BB962C8B-B14F-4D97-AF65-F5344CB8AC3E}">
-        <p14:creationId xmlns:p14="http://schemas.microsoft.com/office/powerpoint/2010/main" xmlns="" val="2141883813"/>
+        <p14:creationId xmlns:p14="http://schemas.microsoft.com/office/powerpoint/2010/main" val="2141883813"/>
       </p:ext>
     </p:extLst>
   </p:cSld>
@@ -2169,7 +2185,7 @@
             <a:fld id="{B4FEAEA1-33FC-4DA6-9577-1C5DB471FED0}" type="datetimeFigureOut">
               <a:rPr lang="ko-KR" altLang="en-US" smtClean="0"/>
               <a:pPr/>
-              <a:t>2016-07-19</a:t>
+              <a:t>2016-07-20</a:t>
             </a:fld>
             <a:endParaRPr lang="ko-KR" altLang="en-US"/>
           </a:p>
@@ -2221,7 +2237,7 @@
     </p:spTree>
     <p:extLst>
       <p:ext uri="{BB962C8B-B14F-4D97-AF65-F5344CB8AC3E}">
-        <p14:creationId xmlns:p14="http://schemas.microsoft.com/office/powerpoint/2010/main" xmlns="" val="442611959"/>
+        <p14:creationId xmlns:p14="http://schemas.microsoft.com/office/powerpoint/2010/main" val="442611959"/>
       </p:ext>
     </p:extLst>
   </p:cSld>
@@ -2266,7 +2282,7 @@
             <a:fld id="{B4FEAEA1-33FC-4DA6-9577-1C5DB471FED0}" type="datetimeFigureOut">
               <a:rPr lang="ko-KR" altLang="en-US" smtClean="0"/>
               <a:pPr/>
-              <a:t>2016-07-19</a:t>
+              <a:t>2016-07-20</a:t>
             </a:fld>
             <a:endParaRPr lang="ko-KR" altLang="en-US"/>
           </a:p>
@@ -2318,7 +2334,7 @@
     </p:spTree>
     <p:extLst>
       <p:ext uri="{BB962C8B-B14F-4D97-AF65-F5344CB8AC3E}">
-        <p14:creationId xmlns:p14="http://schemas.microsoft.com/office/powerpoint/2010/main" xmlns="" val="3584236170"/>
+        <p14:creationId xmlns:p14="http://schemas.microsoft.com/office/powerpoint/2010/main" val="3584236170"/>
       </p:ext>
     </p:extLst>
   </p:cSld>
@@ -2545,7 +2561,7 @@
             <a:fld id="{B4FEAEA1-33FC-4DA6-9577-1C5DB471FED0}" type="datetimeFigureOut">
               <a:rPr lang="ko-KR" altLang="en-US" smtClean="0"/>
               <a:pPr/>
-              <a:t>2016-07-19</a:t>
+              <a:t>2016-07-20</a:t>
             </a:fld>
             <a:endParaRPr lang="ko-KR" altLang="en-US"/>
           </a:p>
@@ -2597,7 +2613,7 @@
     </p:spTree>
     <p:extLst>
       <p:ext uri="{BB962C8B-B14F-4D97-AF65-F5344CB8AC3E}">
-        <p14:creationId xmlns:p14="http://schemas.microsoft.com/office/powerpoint/2010/main" xmlns="" val="542574562"/>
+        <p14:creationId xmlns:p14="http://schemas.microsoft.com/office/powerpoint/2010/main" val="542574562"/>
       </p:ext>
     </p:extLst>
   </p:cSld>
@@ -2800,7 +2816,7 @@
             <a:fld id="{B4FEAEA1-33FC-4DA6-9577-1C5DB471FED0}" type="datetimeFigureOut">
               <a:rPr lang="ko-KR" altLang="en-US" smtClean="0"/>
               <a:pPr/>
-              <a:t>2016-07-19</a:t>
+              <a:t>2016-07-20</a:t>
             </a:fld>
             <a:endParaRPr lang="ko-KR" altLang="en-US"/>
           </a:p>
@@ -2852,7 +2868,7 @@
     </p:spTree>
     <p:extLst>
       <p:ext uri="{BB962C8B-B14F-4D97-AF65-F5344CB8AC3E}">
-        <p14:creationId xmlns:p14="http://schemas.microsoft.com/office/powerpoint/2010/main" xmlns="" val="320437203"/>
+        <p14:creationId xmlns:p14="http://schemas.microsoft.com/office/powerpoint/2010/main" val="320437203"/>
       </p:ext>
     </p:extLst>
   </p:cSld>
@@ -3015,7 +3031,7 @@
             <a:fld id="{B4FEAEA1-33FC-4DA6-9577-1C5DB471FED0}" type="datetimeFigureOut">
               <a:rPr lang="ko-KR" altLang="en-US" smtClean="0"/>
               <a:pPr/>
-              <a:t>2016-07-19</a:t>
+              <a:t>2016-07-20</a:t>
             </a:fld>
             <a:endParaRPr lang="ko-KR" altLang="en-US"/>
           </a:p>
@@ -3103,7 +3119,7 @@
     </p:spTree>
     <p:extLst>
       <p:ext uri="{BB962C8B-B14F-4D97-AF65-F5344CB8AC3E}">
-        <p14:creationId xmlns:p14="http://schemas.microsoft.com/office/powerpoint/2010/main" xmlns="" val="4235330419"/>
+        <p14:creationId xmlns:p14="http://schemas.microsoft.com/office/powerpoint/2010/main" val="4235330419"/>
       </p:ext>
     </p:extLst>
   </p:cSld>
@@ -6140,7 +6156,7 @@
     </p:spTree>
     <p:extLst>
       <p:ext uri="{BB962C8B-B14F-4D97-AF65-F5344CB8AC3E}">
-        <p14:creationId xmlns:p14="http://schemas.microsoft.com/office/powerpoint/2010/main" xmlns="" val="1920083131"/>
+        <p14:creationId xmlns:p14="http://schemas.microsoft.com/office/powerpoint/2010/main" val="1920083131"/>
       </p:ext>
     </p:extLst>
   </p:cSld>
@@ -7798,7 +7814,7 @@
     </p:spTree>
     <p:extLst>
       <p:ext uri="{BB962C8B-B14F-4D97-AF65-F5344CB8AC3E}">
-        <p14:creationId xmlns="" xmlns:p14="http://schemas.microsoft.com/office/powerpoint/2010/main" val="2453992389"/>
+        <p14:creationId xmlns:p14="http://schemas.microsoft.com/office/powerpoint/2010/main" val="2453992389"/>
       </p:ext>
     </p:extLst>
   </p:cSld>
@@ -10600,7 +10616,7 @@
     </p:spTree>
     <p:extLst>
       <p:ext uri="{BB962C8B-B14F-4D97-AF65-F5344CB8AC3E}">
-        <p14:creationId xmlns="" xmlns:p14="http://schemas.microsoft.com/office/powerpoint/2010/main" val="1405159564"/>
+        <p14:creationId xmlns:p14="http://schemas.microsoft.com/office/powerpoint/2010/main" val="1405159564"/>
       </p:ext>
     </p:extLst>
   </p:cSld>
@@ -12077,7 +12093,7 @@
     </p:spTree>
     <p:extLst>
       <p:ext uri="{BB962C8B-B14F-4D97-AF65-F5344CB8AC3E}">
-        <p14:creationId xmlns:p14="http://schemas.microsoft.com/office/powerpoint/2010/main" xmlns="" val="3175687517"/>
+        <p14:creationId xmlns:p14="http://schemas.microsoft.com/office/powerpoint/2010/main" val="3175687517"/>
       </p:ext>
     </p:extLst>
   </p:cSld>
@@ -13351,7 +13367,7 @@
     </p:spTree>
     <p:extLst>
       <p:ext uri="{BB962C8B-B14F-4D97-AF65-F5344CB8AC3E}">
-        <p14:creationId xmlns:p14="http://schemas.microsoft.com/office/powerpoint/2010/main" xmlns="" val="3072828870"/>
+        <p14:creationId xmlns:p14="http://schemas.microsoft.com/office/powerpoint/2010/main" val="3072828870"/>
       </p:ext>
     </p:extLst>
   </p:cSld>
@@ -13381,7 +13397,7 @@
     </p:spTree>
     <p:extLst>
       <p:ext uri="{BB962C8B-B14F-4D97-AF65-F5344CB8AC3E}">
-        <p14:creationId xmlns:p14="http://schemas.microsoft.com/office/powerpoint/2010/main" xmlns="" val="2031462865"/>
+        <p14:creationId xmlns:p14="http://schemas.microsoft.com/office/powerpoint/2010/main" val="2031462865"/>
       </p:ext>
     </p:extLst>
   </p:cSld>
@@ -13411,7 +13427,7 @@
     </p:spTree>
     <p:extLst>
       <p:ext uri="{BB962C8B-B14F-4D97-AF65-F5344CB8AC3E}">
-        <p14:creationId xmlns:p14="http://schemas.microsoft.com/office/powerpoint/2010/main" xmlns="" val="2070625452"/>
+        <p14:creationId xmlns:p14="http://schemas.microsoft.com/office/powerpoint/2010/main" val="2070625452"/>
       </p:ext>
     </p:extLst>
   </p:cSld>
@@ -13676,7 +13692,7 @@
   <a:extraClrSchemeLst/>
   <a:extLst>
     <a:ext uri="{05A4C25C-085E-4340-85A3-A5531E510DB2}">
-      <thm15:themeFamily xmlns:thm15="http://schemas.microsoft.com/office/thememl/2012/main" xmlns="" name="Office Theme" id="{62F939B6-93AF-4DB8-9C6B-D6C7DFDC589F}" vid="{4A3C46E8-61CC-4603-A589-7422A47A8E4A}"/>
+      <thm15:themeFamily xmlns:thm15="http://schemas.microsoft.com/office/thememl/2012/main" name="Office Theme" id="{62F939B6-93AF-4DB8-9C6B-D6C7DFDC589F}" vid="{4A3C46E8-61CC-4603-A589-7422A47A8E4A}"/>
     </a:ext>
   </a:extLst>
 </a:theme>

--- a/com.js.ens.leveller/ver3UI업데이트.pptx
+++ b/com.js.ens.leveller/ver3UI업데이트.pptx
@@ -5,13 +5,19 @@
     <p:sldMasterId id="2147483648" r:id="rId1"/>
   </p:sldMasterIdLst>
   <p:sldIdLst>
-    <p:sldId id="256" r:id="rId2"/>
-    <p:sldId id="261" r:id="rId3"/>
-    <p:sldId id="262" r:id="rId4"/>
-    <p:sldId id="257" r:id="rId5"/>
-    <p:sldId id="258" r:id="rId6"/>
-    <p:sldId id="259" r:id="rId7"/>
-    <p:sldId id="260" r:id="rId8"/>
+    <p:sldId id="263" r:id="rId2"/>
+    <p:sldId id="264" r:id="rId3"/>
+    <p:sldId id="265" r:id="rId4"/>
+    <p:sldId id="266" r:id="rId5"/>
+    <p:sldId id="267" r:id="rId6"/>
+    <p:sldId id="268" r:id="rId7"/>
+    <p:sldId id="269" r:id="rId8"/>
+    <p:sldId id="270" r:id="rId9"/>
+    <p:sldId id="256" r:id="rId10"/>
+    <p:sldId id="261" r:id="rId11"/>
+    <p:sldId id="262" r:id="rId12"/>
+    <p:sldId id="259" r:id="rId13"/>
+    <p:sldId id="260" r:id="rId14"/>
   </p:sldIdLst>
   <p:sldSz cx="12192000" cy="6858000"/>
   <p:notesSz cx="6858000" cy="9144000"/>
@@ -261,7 +267,7 @@
             <a:fld id="{B4FEAEA1-33FC-4DA6-9577-1C5DB471FED0}" type="datetimeFigureOut">
               <a:rPr lang="ko-KR" altLang="en-US" smtClean="0"/>
               <a:pPr/>
-              <a:t>2016-07-20</a:t>
+              <a:t>2016-07-21</a:t>
             </a:fld>
             <a:endParaRPr lang="ko-KR" altLang="en-US"/>
           </a:p>
@@ -433,7 +439,7 @@
             <a:fld id="{B4FEAEA1-33FC-4DA6-9577-1C5DB471FED0}" type="datetimeFigureOut">
               <a:rPr lang="ko-KR" altLang="en-US" smtClean="0"/>
               <a:pPr/>
-              <a:t>2016-07-20</a:t>
+              <a:t>2016-07-21</a:t>
             </a:fld>
             <a:endParaRPr lang="ko-KR" altLang="en-US"/>
           </a:p>
@@ -615,7 +621,7 @@
             <a:fld id="{B4FEAEA1-33FC-4DA6-9577-1C5DB471FED0}" type="datetimeFigureOut">
               <a:rPr lang="ko-KR" altLang="en-US" smtClean="0"/>
               <a:pPr/>
-              <a:t>2016-07-20</a:t>
+              <a:t>2016-07-21</a:t>
             </a:fld>
             <a:endParaRPr lang="ko-KR" altLang="en-US"/>
           </a:p>
@@ -1214,7 +1220,7 @@
             <a:fld id="{B4FEAEA1-33FC-4DA6-9577-1C5DB471FED0}" type="datetimeFigureOut">
               <a:rPr lang="ko-KR" altLang="en-US" smtClean="0"/>
               <a:pPr/>
-              <a:t>2016-07-20</a:t>
+              <a:t>2016-07-21</a:t>
             </a:fld>
             <a:endParaRPr lang="ko-KR" altLang="en-US"/>
           </a:p>
@@ -1462,7 +1468,7 @@
             <a:fld id="{B4FEAEA1-33FC-4DA6-9577-1C5DB471FED0}" type="datetimeFigureOut">
               <a:rPr lang="ko-KR" altLang="en-US" smtClean="0"/>
               <a:pPr/>
-              <a:t>2016-07-20</a:t>
+              <a:t>2016-07-21</a:t>
             </a:fld>
             <a:endParaRPr lang="ko-KR" altLang="en-US"/>
           </a:p>
@@ -1696,7 +1702,7 @@
             <a:fld id="{B4FEAEA1-33FC-4DA6-9577-1C5DB471FED0}" type="datetimeFigureOut">
               <a:rPr lang="ko-KR" altLang="en-US" smtClean="0"/>
               <a:pPr/>
-              <a:t>2016-07-20</a:t>
+              <a:t>2016-07-21</a:t>
             </a:fld>
             <a:endParaRPr lang="ko-KR" altLang="en-US"/>
           </a:p>
@@ -2065,7 +2071,7 @@
             <a:fld id="{B4FEAEA1-33FC-4DA6-9577-1C5DB471FED0}" type="datetimeFigureOut">
               <a:rPr lang="ko-KR" altLang="en-US" smtClean="0"/>
               <a:pPr/>
-              <a:t>2016-07-20</a:t>
+              <a:t>2016-07-21</a:t>
             </a:fld>
             <a:endParaRPr lang="ko-KR" altLang="en-US"/>
           </a:p>
@@ -2185,7 +2191,7 @@
             <a:fld id="{B4FEAEA1-33FC-4DA6-9577-1C5DB471FED0}" type="datetimeFigureOut">
               <a:rPr lang="ko-KR" altLang="en-US" smtClean="0"/>
               <a:pPr/>
-              <a:t>2016-07-20</a:t>
+              <a:t>2016-07-21</a:t>
             </a:fld>
             <a:endParaRPr lang="ko-KR" altLang="en-US"/>
           </a:p>
@@ -2282,7 +2288,7 @@
             <a:fld id="{B4FEAEA1-33FC-4DA6-9577-1C5DB471FED0}" type="datetimeFigureOut">
               <a:rPr lang="ko-KR" altLang="en-US" smtClean="0"/>
               <a:pPr/>
-              <a:t>2016-07-20</a:t>
+              <a:t>2016-07-21</a:t>
             </a:fld>
             <a:endParaRPr lang="ko-KR" altLang="en-US"/>
           </a:p>
@@ -2561,7 +2567,7 @@
             <a:fld id="{B4FEAEA1-33FC-4DA6-9577-1C5DB471FED0}" type="datetimeFigureOut">
               <a:rPr lang="ko-KR" altLang="en-US" smtClean="0"/>
               <a:pPr/>
-              <a:t>2016-07-20</a:t>
+              <a:t>2016-07-21</a:t>
             </a:fld>
             <a:endParaRPr lang="ko-KR" altLang="en-US"/>
           </a:p>
@@ -2816,7 +2822,7 @@
             <a:fld id="{B4FEAEA1-33FC-4DA6-9577-1C5DB471FED0}" type="datetimeFigureOut">
               <a:rPr lang="ko-KR" altLang="en-US" smtClean="0"/>
               <a:pPr/>
-              <a:t>2016-07-20</a:t>
+              <a:t>2016-07-21</a:t>
             </a:fld>
             <a:endParaRPr lang="ko-KR" altLang="en-US"/>
           </a:p>
@@ -3031,7 +3037,7 @@
             <a:fld id="{B4FEAEA1-33FC-4DA6-9577-1C5DB471FED0}" type="datetimeFigureOut">
               <a:rPr lang="ko-KR" altLang="en-US" smtClean="0"/>
               <a:pPr/>
-              <a:t>2016-07-20</a:t>
+              <a:t>2016-07-21</a:t>
             </a:fld>
             <a:endParaRPr lang="ko-KR" altLang="en-US"/>
           </a:p>
@@ -3438,2725 +3444,10 @@
           <a:chExt cx="0" cy="0"/>
         </a:xfrm>
       </p:grpSpPr>
-      <p:pic>
-        <p:nvPicPr>
-          <p:cNvPr id="4" name="그림 3"/>
-          <p:cNvPicPr>
-            <a:picLocks noChangeAspect="1"/>
-          </p:cNvPicPr>
-          <p:nvPr/>
-        </p:nvPicPr>
-        <p:blipFill>
-          <a:blip r:embed="rId2" cstate="print"/>
-          <a:stretch>
-            <a:fillRect/>
-          </a:stretch>
-        </p:blipFill>
-        <p:spPr>
-          <a:xfrm>
-            <a:off x="147637" y="183400"/>
-            <a:ext cx="3921443" cy="6619901"/>
-          </a:xfrm>
-          <a:prstGeom prst="rect">
-            <a:avLst/>
-          </a:prstGeom>
-        </p:spPr>
-      </p:pic>
-      <p:grpSp>
-        <p:nvGrpSpPr>
-          <p:cNvPr id="5" name="그룹 4"/>
-          <p:cNvGrpSpPr/>
-          <p:nvPr/>
-        </p:nvGrpSpPr>
-        <p:grpSpPr>
-          <a:xfrm>
-            <a:off x="5042700" y="254401"/>
-            <a:ext cx="5791308" cy="3713375"/>
-            <a:chOff x="3061500" y="1845076"/>
-            <a:chExt cx="5791308" cy="3713375"/>
-          </a:xfrm>
-        </p:grpSpPr>
-        <p:sp>
-          <p:nvSpPr>
-            <p:cNvPr id="6" name="직사각형 5"/>
-            <p:cNvSpPr/>
-            <p:nvPr/>
-          </p:nvSpPr>
-          <p:spPr>
-            <a:xfrm>
-              <a:off x="3061500" y="1845076"/>
-              <a:ext cx="5791308" cy="3713375"/>
-            </a:xfrm>
-            <a:prstGeom prst="rect">
-              <a:avLst/>
-            </a:prstGeom>
-            <a:solidFill>
-              <a:schemeClr val="bg1"/>
-            </a:solidFill>
-            <a:ln>
-              <a:solidFill>
-                <a:schemeClr val="tx1">
-                  <a:lumMod val="95000"/>
-                  <a:lumOff val="5000"/>
-                </a:schemeClr>
-              </a:solidFill>
-            </a:ln>
-          </p:spPr>
-          <p:style>
-            <a:lnRef idx="2">
-              <a:schemeClr val="accent1">
-                <a:shade val="50000"/>
-              </a:schemeClr>
-            </a:lnRef>
-            <a:fillRef idx="1">
-              <a:schemeClr val="accent1"/>
-            </a:fillRef>
-            <a:effectRef idx="0">
-              <a:schemeClr val="accent1"/>
-            </a:effectRef>
-            <a:fontRef idx="minor">
-              <a:schemeClr val="lt1"/>
-            </a:fontRef>
-          </p:style>
-          <p:txBody>
-            <a:bodyPr rtlCol="0" anchor="t"/>
-            <a:lstStyle/>
-            <a:p>
-              <a:pPr algn="ctr"/>
-              <a:r>
-                <a:rPr lang="en-US" altLang="ko-KR" sz="1400" dirty="0" smtClean="0">
-                  <a:solidFill>
-                    <a:schemeClr val="tx1"/>
-                  </a:solidFill>
-                </a:rPr>
-                <a:t>Hold Down Roll Information</a:t>
-              </a:r>
-              <a:endParaRPr lang="ko-KR" altLang="en-US" sz="1400" dirty="0" smtClean="0">
-                <a:solidFill>
-                  <a:schemeClr val="tx1"/>
-                </a:solidFill>
-              </a:endParaRPr>
-            </a:p>
-          </p:txBody>
-        </p:sp>
-        <p:sp>
-          <p:nvSpPr>
-            <p:cNvPr id="7" name="직사각형 6"/>
-            <p:cNvSpPr/>
-            <p:nvPr/>
-          </p:nvSpPr>
-          <p:spPr>
-            <a:xfrm>
-              <a:off x="3404945" y="2747103"/>
-              <a:ext cx="2700000" cy="178238"/>
-            </a:xfrm>
-            <a:prstGeom prst="rect">
-              <a:avLst/>
-            </a:prstGeom>
-            <a:solidFill>
-              <a:schemeClr val="bg1">
-                <a:lumMod val="95000"/>
-              </a:schemeClr>
-            </a:solidFill>
-            <a:ln>
-              <a:solidFill>
-                <a:schemeClr val="tx1">
-                  <a:lumMod val="95000"/>
-                  <a:lumOff val="5000"/>
-                </a:schemeClr>
-              </a:solidFill>
-            </a:ln>
-          </p:spPr>
-          <p:style>
-            <a:lnRef idx="2">
-              <a:schemeClr val="accent1">
-                <a:shade val="50000"/>
-              </a:schemeClr>
-            </a:lnRef>
-            <a:fillRef idx="1">
-              <a:schemeClr val="accent1"/>
-            </a:fillRef>
-            <a:effectRef idx="0">
-              <a:schemeClr val="accent1"/>
-            </a:effectRef>
-            <a:fontRef idx="minor">
-              <a:schemeClr val="lt1"/>
-            </a:fontRef>
-          </p:style>
-          <p:txBody>
-            <a:bodyPr lIns="0" rIns="0" rtlCol="0" anchor="ctr"/>
-            <a:lstStyle/>
-            <a:p>
-              <a:pPr algn="ctr"/>
-              <a:r>
-                <a:rPr lang="en-US" altLang="ko-KR" sz="1100" dirty="0" smtClean="0">
-                  <a:solidFill>
-                    <a:schemeClr val="tx1"/>
-                  </a:solidFill>
-                </a:rPr>
-                <a:t>Front Roll </a:t>
-              </a:r>
-              <a:r>
-                <a:rPr lang="ko-KR" altLang="en-US" sz="1100" dirty="0" smtClean="0">
-                  <a:solidFill>
-                    <a:schemeClr val="tx1"/>
-                  </a:solidFill>
-                </a:rPr>
-                <a:t>배치</a:t>
-              </a:r>
-            </a:p>
-          </p:txBody>
-        </p:sp>
-        <p:sp>
-          <p:nvSpPr>
-            <p:cNvPr id="8" name="직사각형 7"/>
-            <p:cNvSpPr/>
-            <p:nvPr/>
-          </p:nvSpPr>
-          <p:spPr>
-            <a:xfrm>
-              <a:off x="4917263" y="2464085"/>
-              <a:ext cx="905608" cy="158262"/>
-            </a:xfrm>
-            <a:prstGeom prst="rect">
-              <a:avLst/>
-            </a:prstGeom>
-            <a:noFill/>
-            <a:ln>
-              <a:solidFill>
-                <a:schemeClr val="bg1"/>
-              </a:solidFill>
-            </a:ln>
-          </p:spPr>
-          <p:style>
-            <a:lnRef idx="2">
-              <a:schemeClr val="accent1">
-                <a:shade val="50000"/>
-              </a:schemeClr>
-            </a:lnRef>
-            <a:fillRef idx="1">
-              <a:schemeClr val="accent1"/>
-            </a:fillRef>
-            <a:effectRef idx="0">
-              <a:schemeClr val="accent1"/>
-            </a:effectRef>
-            <a:fontRef idx="minor">
-              <a:schemeClr val="lt1"/>
-            </a:fontRef>
-          </p:style>
-          <p:txBody>
-            <a:bodyPr rtlCol="0" anchor="ctr"/>
-            <a:lstStyle/>
-            <a:p>
-              <a:pPr algn="ctr"/>
-              <a:r>
-                <a:rPr lang="en-US" altLang="ko-KR" sz="1100" dirty="0" smtClean="0">
-                  <a:solidFill>
-                    <a:schemeClr val="tx1"/>
-                  </a:solidFill>
-                </a:rPr>
-                <a:t>Upper</a:t>
-              </a:r>
-              <a:r>
-                <a:rPr lang="ko-KR" altLang="en-US" sz="1100" dirty="0" smtClean="0">
-                  <a:solidFill>
-                    <a:schemeClr val="tx1"/>
-                  </a:solidFill>
-                </a:rPr>
-                <a:t> </a:t>
-              </a:r>
-            </a:p>
-          </p:txBody>
-        </p:sp>
-        <p:sp>
-          <p:nvSpPr>
-            <p:cNvPr id="9" name="직사각형 8"/>
-            <p:cNvSpPr/>
-            <p:nvPr/>
-          </p:nvSpPr>
-          <p:spPr>
-            <a:xfrm>
-              <a:off x="5957154" y="2464085"/>
-              <a:ext cx="905608" cy="158262"/>
-            </a:xfrm>
-            <a:prstGeom prst="rect">
-              <a:avLst/>
-            </a:prstGeom>
-            <a:noFill/>
-            <a:ln>
-              <a:solidFill>
-                <a:schemeClr val="bg1"/>
-              </a:solidFill>
-            </a:ln>
-          </p:spPr>
-          <p:style>
-            <a:lnRef idx="2">
-              <a:schemeClr val="accent1">
-                <a:shade val="50000"/>
-              </a:schemeClr>
-            </a:lnRef>
-            <a:fillRef idx="1">
-              <a:schemeClr val="accent1"/>
-            </a:fillRef>
-            <a:effectRef idx="0">
-              <a:schemeClr val="accent1"/>
-            </a:effectRef>
-            <a:fontRef idx="minor">
-              <a:schemeClr val="lt1"/>
-            </a:fontRef>
-          </p:style>
-          <p:txBody>
-            <a:bodyPr rtlCol="0" anchor="ctr"/>
-            <a:lstStyle/>
-            <a:p>
-              <a:pPr algn="ctr"/>
-              <a:r>
-                <a:rPr lang="en-US" altLang="ko-KR" sz="1100" dirty="0" smtClean="0">
-                  <a:solidFill>
-                    <a:schemeClr val="tx1"/>
-                  </a:solidFill>
-                </a:rPr>
-                <a:t>Lower</a:t>
-              </a:r>
-              <a:endParaRPr lang="ko-KR" altLang="en-US" sz="1100" dirty="0" smtClean="0">
-                <a:solidFill>
-                  <a:schemeClr val="tx1"/>
-                </a:solidFill>
-              </a:endParaRPr>
-            </a:p>
-          </p:txBody>
-        </p:sp>
-        <p:sp>
-          <p:nvSpPr>
-            <p:cNvPr id="10" name="타원 9"/>
-            <p:cNvSpPr/>
-            <p:nvPr/>
-          </p:nvSpPr>
-          <p:spPr>
-            <a:xfrm>
-              <a:off x="4899674" y="2464085"/>
-              <a:ext cx="158262" cy="158262"/>
-            </a:xfrm>
-            <a:prstGeom prst="ellipse">
-              <a:avLst/>
-            </a:prstGeom>
-            <a:solidFill>
-              <a:srgbClr val="FFFF00"/>
-            </a:solidFill>
-            <a:ln>
-              <a:solidFill>
-                <a:schemeClr val="tx1">
-                  <a:lumMod val="95000"/>
-                  <a:lumOff val="5000"/>
-                </a:schemeClr>
-              </a:solidFill>
-            </a:ln>
-          </p:spPr>
-          <p:style>
-            <a:lnRef idx="2">
-              <a:schemeClr val="accent1">
-                <a:shade val="50000"/>
-              </a:schemeClr>
-            </a:lnRef>
-            <a:fillRef idx="1">
-              <a:schemeClr val="accent1"/>
-            </a:fillRef>
-            <a:effectRef idx="0">
-              <a:schemeClr val="accent1"/>
-            </a:effectRef>
-            <a:fontRef idx="minor">
-              <a:schemeClr val="lt1"/>
-            </a:fontRef>
-          </p:style>
-          <p:txBody>
-            <a:bodyPr rtlCol="0" anchor="ctr"/>
-            <a:lstStyle/>
-            <a:p>
-              <a:pPr algn="ctr"/>
-              <a:endParaRPr lang="ko-KR" altLang="en-US" dirty="0" smtClean="0">
-                <a:solidFill>
-                  <a:schemeClr val="tx1"/>
-                </a:solidFill>
-              </a:endParaRPr>
-            </a:p>
-          </p:txBody>
-        </p:sp>
-        <p:sp>
-          <p:nvSpPr>
-            <p:cNvPr id="11" name="타원 10"/>
-            <p:cNvSpPr/>
-            <p:nvPr/>
-          </p:nvSpPr>
-          <p:spPr>
-            <a:xfrm>
-              <a:off x="5928381" y="2464085"/>
-              <a:ext cx="158262" cy="158262"/>
-            </a:xfrm>
-            <a:prstGeom prst="ellipse">
-              <a:avLst/>
-            </a:prstGeom>
-            <a:solidFill>
-              <a:schemeClr val="bg1"/>
-            </a:solidFill>
-            <a:ln>
-              <a:solidFill>
-                <a:schemeClr val="tx1">
-                  <a:lumMod val="95000"/>
-                  <a:lumOff val="5000"/>
-                </a:schemeClr>
-              </a:solidFill>
-            </a:ln>
-          </p:spPr>
-          <p:style>
-            <a:lnRef idx="2">
-              <a:schemeClr val="accent1">
-                <a:shade val="50000"/>
-              </a:schemeClr>
-            </a:lnRef>
-            <a:fillRef idx="1">
-              <a:schemeClr val="accent1"/>
-            </a:fillRef>
-            <a:effectRef idx="0">
-              <a:schemeClr val="accent1"/>
-            </a:effectRef>
-            <a:fontRef idx="minor">
-              <a:schemeClr val="lt1"/>
-            </a:fontRef>
-          </p:style>
-          <p:txBody>
-            <a:bodyPr rtlCol="0" anchor="ctr"/>
-            <a:lstStyle/>
-            <a:p>
-              <a:pPr algn="ctr"/>
-              <a:endParaRPr lang="ko-KR" altLang="en-US" dirty="0" smtClean="0">
-                <a:solidFill>
-                  <a:schemeClr val="tx1"/>
-                </a:solidFill>
-              </a:endParaRPr>
-            </a:p>
-          </p:txBody>
-        </p:sp>
-        <p:sp>
-          <p:nvSpPr>
-            <p:cNvPr id="12" name="직사각형 11"/>
-            <p:cNvSpPr/>
-            <p:nvPr/>
-          </p:nvSpPr>
-          <p:spPr>
-            <a:xfrm>
-              <a:off x="3404945" y="3018898"/>
-              <a:ext cx="2700000" cy="178238"/>
-            </a:xfrm>
-            <a:prstGeom prst="rect">
-              <a:avLst/>
-            </a:prstGeom>
-            <a:solidFill>
-              <a:schemeClr val="bg1">
-                <a:lumMod val="95000"/>
-              </a:schemeClr>
-            </a:solidFill>
-            <a:ln>
-              <a:solidFill>
-                <a:schemeClr val="tx1"/>
-              </a:solidFill>
-            </a:ln>
-          </p:spPr>
-          <p:style>
-            <a:lnRef idx="2">
-              <a:schemeClr val="accent1">
-                <a:shade val="50000"/>
-              </a:schemeClr>
-            </a:lnRef>
-            <a:fillRef idx="1">
-              <a:schemeClr val="accent1"/>
-            </a:fillRef>
-            <a:effectRef idx="0">
-              <a:schemeClr val="accent1"/>
-            </a:effectRef>
-            <a:fontRef idx="minor">
-              <a:schemeClr val="lt1"/>
-            </a:fontRef>
-          </p:style>
-          <p:txBody>
-            <a:bodyPr lIns="0" rIns="0" rtlCol="0" anchor="ctr"/>
-            <a:lstStyle/>
-            <a:p>
-              <a:pPr algn="ctr"/>
-              <a:r>
-                <a:rPr lang="en-US" altLang="ko-KR" sz="1100" dirty="0">
-                  <a:solidFill>
-                    <a:schemeClr val="tx1"/>
-                  </a:solidFill>
-                </a:rPr>
-                <a:t>Front </a:t>
-              </a:r>
-              <a:r>
-                <a:rPr lang="en-US" altLang="ko-KR" sz="1100" dirty="0" smtClean="0">
-                  <a:solidFill>
-                    <a:schemeClr val="tx1"/>
-                  </a:solidFill>
-                </a:rPr>
-                <a:t>H/D Roll Dia. (mm) </a:t>
-              </a:r>
-              <a:endParaRPr lang="ko-KR" altLang="en-US" sz="1100" dirty="0" smtClean="0">
-                <a:solidFill>
-                  <a:schemeClr val="tx1"/>
-                </a:solidFill>
-              </a:endParaRPr>
-            </a:p>
-          </p:txBody>
-        </p:sp>
-        <p:sp>
-          <p:nvSpPr>
-            <p:cNvPr id="13" name="직사각형 12"/>
-            <p:cNvSpPr/>
-            <p:nvPr/>
-          </p:nvSpPr>
-          <p:spPr>
-            <a:xfrm>
-              <a:off x="6857007" y="3018898"/>
-              <a:ext cx="905608" cy="158262"/>
-            </a:xfrm>
-            <a:prstGeom prst="rect">
-              <a:avLst/>
-            </a:prstGeom>
-            <a:noFill/>
-            <a:ln>
-              <a:solidFill>
-                <a:schemeClr val="tx1"/>
-              </a:solidFill>
-            </a:ln>
-          </p:spPr>
-          <p:style>
-            <a:lnRef idx="2">
-              <a:schemeClr val="accent1">
-                <a:shade val="50000"/>
-              </a:schemeClr>
-            </a:lnRef>
-            <a:fillRef idx="1">
-              <a:schemeClr val="accent1"/>
-            </a:fillRef>
-            <a:effectRef idx="0">
-              <a:schemeClr val="accent1"/>
-            </a:effectRef>
-            <a:fontRef idx="minor">
-              <a:schemeClr val="lt1"/>
-            </a:fontRef>
-          </p:style>
-          <p:txBody>
-            <a:bodyPr rtlCol="0" anchor="ctr"/>
-            <a:lstStyle/>
-            <a:p>
-              <a:pPr algn="ctr"/>
-              <a:r>
-                <a:rPr lang="en-US" altLang="ko-KR" sz="1100" dirty="0" smtClean="0">
-                  <a:solidFill>
-                    <a:schemeClr val="tx1"/>
-                  </a:solidFill>
-                </a:rPr>
-                <a:t>100.0</a:t>
-              </a:r>
-              <a:r>
-                <a:rPr lang="ko-KR" altLang="en-US" sz="1100" dirty="0" smtClean="0">
-                  <a:solidFill>
-                    <a:schemeClr val="tx1"/>
-                  </a:solidFill>
-                </a:rPr>
-                <a:t> </a:t>
-              </a:r>
-            </a:p>
-          </p:txBody>
-        </p:sp>
-        <p:sp>
-          <p:nvSpPr>
-            <p:cNvPr id="14" name="직사각형 13"/>
-            <p:cNvSpPr/>
-            <p:nvPr/>
-          </p:nvSpPr>
-          <p:spPr>
-            <a:xfrm>
-              <a:off x="3407876" y="3276802"/>
-              <a:ext cx="2700000" cy="178238"/>
-            </a:xfrm>
-            <a:prstGeom prst="rect">
-              <a:avLst/>
-            </a:prstGeom>
-            <a:solidFill>
-              <a:schemeClr val="bg1">
-                <a:lumMod val="95000"/>
-              </a:schemeClr>
-            </a:solidFill>
-            <a:ln>
-              <a:solidFill>
-                <a:schemeClr val="tx1"/>
-              </a:solidFill>
-            </a:ln>
-          </p:spPr>
-          <p:style>
-            <a:lnRef idx="2">
-              <a:schemeClr val="accent1">
-                <a:shade val="50000"/>
-              </a:schemeClr>
-            </a:lnRef>
-            <a:fillRef idx="1">
-              <a:schemeClr val="accent1"/>
-            </a:fillRef>
-            <a:effectRef idx="0">
-              <a:schemeClr val="accent1"/>
-            </a:effectRef>
-            <a:fontRef idx="minor">
-              <a:schemeClr val="lt1"/>
-            </a:fontRef>
-          </p:style>
-          <p:txBody>
-            <a:bodyPr lIns="0" rIns="0" rtlCol="0" anchor="ctr"/>
-            <a:lstStyle/>
-            <a:p>
-              <a:pPr algn="ctr"/>
-              <a:r>
-                <a:rPr lang="en-US" altLang="ko-KR" sz="1100" dirty="0">
-                  <a:solidFill>
-                    <a:schemeClr val="tx1"/>
-                  </a:solidFill>
-                </a:rPr>
-                <a:t>Front </a:t>
-              </a:r>
-              <a:r>
-                <a:rPr lang="en-US" altLang="ko-KR" sz="1100" dirty="0" smtClean="0">
-                  <a:solidFill>
-                    <a:schemeClr val="tx1"/>
-                  </a:solidFill>
-                </a:rPr>
-                <a:t>H/D Roll Pitch(mm) </a:t>
-              </a:r>
-              <a:endParaRPr lang="ko-KR" altLang="en-US" sz="1100" dirty="0" smtClean="0">
-                <a:solidFill>
-                  <a:schemeClr val="tx1"/>
-                </a:solidFill>
-              </a:endParaRPr>
-            </a:p>
-          </p:txBody>
-        </p:sp>
-        <p:sp>
-          <p:nvSpPr>
-            <p:cNvPr id="15" name="직사각형 14"/>
-            <p:cNvSpPr/>
-            <p:nvPr/>
-          </p:nvSpPr>
-          <p:spPr>
-            <a:xfrm>
-              <a:off x="6859938" y="3276802"/>
-              <a:ext cx="905608" cy="158262"/>
-            </a:xfrm>
-            <a:prstGeom prst="rect">
-              <a:avLst/>
-            </a:prstGeom>
-            <a:noFill/>
-            <a:ln>
-              <a:solidFill>
-                <a:schemeClr val="tx1"/>
-              </a:solidFill>
-            </a:ln>
-          </p:spPr>
-          <p:style>
-            <a:lnRef idx="2">
-              <a:schemeClr val="accent1">
-                <a:shade val="50000"/>
-              </a:schemeClr>
-            </a:lnRef>
-            <a:fillRef idx="1">
-              <a:schemeClr val="accent1"/>
-            </a:fillRef>
-            <a:effectRef idx="0">
-              <a:schemeClr val="accent1"/>
-            </a:effectRef>
-            <a:fontRef idx="minor">
-              <a:schemeClr val="lt1"/>
-            </a:fontRef>
-          </p:style>
-          <p:txBody>
-            <a:bodyPr rtlCol="0" anchor="ctr"/>
-            <a:lstStyle/>
-            <a:p>
-              <a:pPr algn="ctr"/>
-              <a:r>
-                <a:rPr lang="en-US" altLang="ko-KR" sz="1100" dirty="0" smtClean="0">
-                  <a:solidFill>
-                    <a:schemeClr val="tx1"/>
-                  </a:solidFill>
-                </a:rPr>
-                <a:t>250.0</a:t>
-              </a:r>
-              <a:r>
-                <a:rPr lang="ko-KR" altLang="en-US" sz="1100" dirty="0" smtClean="0">
-                  <a:solidFill>
-                    <a:schemeClr val="tx1"/>
-                  </a:solidFill>
-                </a:rPr>
-                <a:t> </a:t>
-              </a:r>
-            </a:p>
-          </p:txBody>
-        </p:sp>
-        <p:sp>
-          <p:nvSpPr>
-            <p:cNvPr id="16" name="직사각형 15"/>
-            <p:cNvSpPr/>
-            <p:nvPr/>
-          </p:nvSpPr>
-          <p:spPr>
-            <a:xfrm>
-              <a:off x="3402014" y="3543502"/>
-              <a:ext cx="2700000" cy="178238"/>
-            </a:xfrm>
-            <a:prstGeom prst="rect">
-              <a:avLst/>
-            </a:prstGeom>
-            <a:solidFill>
-              <a:schemeClr val="bg1">
-                <a:lumMod val="95000"/>
-              </a:schemeClr>
-            </a:solidFill>
-            <a:ln>
-              <a:solidFill>
-                <a:schemeClr val="tx1"/>
-              </a:solidFill>
-            </a:ln>
-          </p:spPr>
-          <p:style>
-            <a:lnRef idx="2">
-              <a:schemeClr val="accent1">
-                <a:shade val="50000"/>
-              </a:schemeClr>
-            </a:lnRef>
-            <a:fillRef idx="1">
-              <a:schemeClr val="accent1"/>
-            </a:fillRef>
-            <a:effectRef idx="0">
-              <a:schemeClr val="accent1"/>
-            </a:effectRef>
-            <a:fontRef idx="minor">
-              <a:schemeClr val="lt1"/>
-            </a:fontRef>
-          </p:style>
-          <p:txBody>
-            <a:bodyPr lIns="0" rIns="0" rtlCol="0" anchor="ctr"/>
-            <a:lstStyle/>
-            <a:p>
-              <a:pPr algn="ctr"/>
-              <a:r>
-                <a:rPr lang="en-US" altLang="ko-KR" sz="1100" dirty="0">
-                  <a:solidFill>
-                    <a:schemeClr val="tx1"/>
-                  </a:solidFill>
-                </a:rPr>
-                <a:t>Front </a:t>
-              </a:r>
-              <a:r>
-                <a:rPr lang="en-US" altLang="ko-KR" sz="1100" dirty="0" smtClean="0">
-                  <a:solidFill>
-                    <a:schemeClr val="tx1"/>
-                  </a:solidFill>
-                </a:rPr>
-                <a:t>H/D Roll Vertical. Pos. </a:t>
-              </a:r>
-              <a:r>
-                <a:rPr lang="en-US" altLang="ko-KR" sz="1100" dirty="0">
-                  <a:solidFill>
-                    <a:schemeClr val="tx1"/>
-                  </a:solidFill>
-                </a:rPr>
-                <a:t>(mm)</a:t>
-              </a:r>
-              <a:endParaRPr lang="ko-KR" altLang="en-US" sz="1100" dirty="0" smtClean="0">
-                <a:solidFill>
-                  <a:schemeClr val="tx1"/>
-                </a:solidFill>
-              </a:endParaRPr>
-            </a:p>
-          </p:txBody>
-        </p:sp>
-        <p:sp>
-          <p:nvSpPr>
-            <p:cNvPr id="17" name="직사각형 16"/>
-            <p:cNvSpPr/>
-            <p:nvPr/>
-          </p:nvSpPr>
-          <p:spPr>
-            <a:xfrm>
-              <a:off x="6854076" y="3543502"/>
-              <a:ext cx="905608" cy="158262"/>
-            </a:xfrm>
-            <a:prstGeom prst="rect">
-              <a:avLst/>
-            </a:prstGeom>
-            <a:noFill/>
-            <a:ln>
-              <a:solidFill>
-                <a:schemeClr val="tx1"/>
-              </a:solidFill>
-            </a:ln>
-          </p:spPr>
-          <p:style>
-            <a:lnRef idx="2">
-              <a:schemeClr val="accent1">
-                <a:shade val="50000"/>
-              </a:schemeClr>
-            </a:lnRef>
-            <a:fillRef idx="1">
-              <a:schemeClr val="accent1"/>
-            </a:fillRef>
-            <a:effectRef idx="0">
-              <a:schemeClr val="accent1"/>
-            </a:effectRef>
-            <a:fontRef idx="minor">
-              <a:schemeClr val="lt1"/>
-            </a:fontRef>
-          </p:style>
-          <p:txBody>
-            <a:bodyPr rtlCol="0" anchor="ctr"/>
-            <a:lstStyle/>
-            <a:p>
-              <a:pPr algn="ctr"/>
-              <a:r>
-                <a:rPr lang="en-US" altLang="ko-KR" sz="1100" dirty="0" smtClean="0">
-                  <a:solidFill>
-                    <a:schemeClr val="tx1"/>
-                  </a:solidFill>
-                </a:rPr>
-                <a:t>300.0</a:t>
-              </a:r>
-              <a:r>
-                <a:rPr lang="ko-KR" altLang="en-US" sz="1100" dirty="0" smtClean="0">
-                  <a:solidFill>
-                    <a:schemeClr val="tx1"/>
-                  </a:solidFill>
-                </a:rPr>
-                <a:t> </a:t>
-              </a:r>
-            </a:p>
-          </p:txBody>
-        </p:sp>
-        <p:sp>
-          <p:nvSpPr>
-            <p:cNvPr id="18" name="직사각형 17"/>
-            <p:cNvSpPr/>
-            <p:nvPr/>
-          </p:nvSpPr>
-          <p:spPr>
-            <a:xfrm>
-              <a:off x="3410700" y="3960553"/>
-              <a:ext cx="2700000" cy="178238"/>
-            </a:xfrm>
-            <a:prstGeom prst="rect">
-              <a:avLst/>
-            </a:prstGeom>
-            <a:solidFill>
-              <a:schemeClr val="bg1">
-                <a:lumMod val="95000"/>
-              </a:schemeClr>
-            </a:solidFill>
-            <a:ln>
-              <a:solidFill>
-                <a:schemeClr val="tx1">
-                  <a:lumMod val="95000"/>
-                  <a:lumOff val="5000"/>
-                </a:schemeClr>
-              </a:solidFill>
-            </a:ln>
-          </p:spPr>
-          <p:style>
-            <a:lnRef idx="2">
-              <a:schemeClr val="accent1">
-                <a:shade val="50000"/>
-              </a:schemeClr>
-            </a:lnRef>
-            <a:fillRef idx="1">
-              <a:schemeClr val="accent1"/>
-            </a:fillRef>
-            <a:effectRef idx="0">
-              <a:schemeClr val="accent1"/>
-            </a:effectRef>
-            <a:fontRef idx="minor">
-              <a:schemeClr val="lt1"/>
-            </a:fontRef>
-          </p:style>
-          <p:txBody>
-            <a:bodyPr lIns="0" rIns="0" rtlCol="0" anchor="ctr"/>
-            <a:lstStyle/>
-            <a:p>
-              <a:pPr algn="ctr"/>
-              <a:r>
-                <a:rPr lang="en-US" altLang="ko-KR" sz="1100" dirty="0" smtClean="0">
-                  <a:solidFill>
-                    <a:schemeClr val="tx1"/>
-                  </a:solidFill>
-                </a:rPr>
-                <a:t>Rear Roll </a:t>
-              </a:r>
-              <a:r>
-                <a:rPr lang="ko-KR" altLang="en-US" sz="1100" dirty="0" smtClean="0">
-                  <a:solidFill>
-                    <a:schemeClr val="tx1"/>
-                  </a:solidFill>
-                </a:rPr>
-                <a:t>배치</a:t>
-              </a:r>
-            </a:p>
-          </p:txBody>
-        </p:sp>
-        <p:sp>
-          <p:nvSpPr>
-            <p:cNvPr id="19" name="직사각형 18"/>
-            <p:cNvSpPr/>
-            <p:nvPr/>
-          </p:nvSpPr>
-          <p:spPr>
-            <a:xfrm>
-              <a:off x="3410700" y="4232348"/>
-              <a:ext cx="2700000" cy="178238"/>
-            </a:xfrm>
-            <a:prstGeom prst="rect">
-              <a:avLst/>
-            </a:prstGeom>
-            <a:solidFill>
-              <a:schemeClr val="bg1">
-                <a:lumMod val="95000"/>
-              </a:schemeClr>
-            </a:solidFill>
-            <a:ln>
-              <a:solidFill>
-                <a:schemeClr val="tx1"/>
-              </a:solidFill>
-            </a:ln>
-          </p:spPr>
-          <p:style>
-            <a:lnRef idx="2">
-              <a:schemeClr val="accent1">
-                <a:shade val="50000"/>
-              </a:schemeClr>
-            </a:lnRef>
-            <a:fillRef idx="1">
-              <a:schemeClr val="accent1"/>
-            </a:fillRef>
-            <a:effectRef idx="0">
-              <a:schemeClr val="accent1"/>
-            </a:effectRef>
-            <a:fontRef idx="minor">
-              <a:schemeClr val="lt1"/>
-            </a:fontRef>
-          </p:style>
-          <p:txBody>
-            <a:bodyPr lIns="0" rIns="0" rtlCol="0" anchor="ctr"/>
-            <a:lstStyle/>
-            <a:p>
-              <a:pPr algn="ctr"/>
-              <a:r>
-                <a:rPr lang="en-US" altLang="ko-KR" sz="1100" dirty="0" smtClean="0">
-                  <a:solidFill>
-                    <a:schemeClr val="tx1"/>
-                  </a:solidFill>
-                </a:rPr>
-                <a:t>Rear H/D Roll Dia.</a:t>
-              </a:r>
-              <a:r>
-                <a:rPr lang="en-US" altLang="ko-KR" sz="1100" dirty="0">
-                  <a:solidFill>
-                    <a:schemeClr val="tx1"/>
-                  </a:solidFill>
-                </a:rPr>
-                <a:t> (mm</a:t>
-              </a:r>
-              <a:r>
-                <a:rPr lang="en-US" altLang="ko-KR" sz="1100" dirty="0" smtClean="0">
-                  <a:solidFill>
-                    <a:schemeClr val="tx1"/>
-                  </a:solidFill>
-                </a:rPr>
-                <a:t>) </a:t>
-              </a:r>
-              <a:endParaRPr lang="ko-KR" altLang="en-US" sz="1100" dirty="0" smtClean="0">
-                <a:solidFill>
-                  <a:schemeClr val="tx1"/>
-                </a:solidFill>
-              </a:endParaRPr>
-            </a:p>
-          </p:txBody>
-        </p:sp>
-        <p:sp>
-          <p:nvSpPr>
-            <p:cNvPr id="20" name="직사각형 19"/>
-            <p:cNvSpPr/>
-            <p:nvPr/>
-          </p:nvSpPr>
-          <p:spPr>
-            <a:xfrm>
-              <a:off x="6862762" y="4232348"/>
-              <a:ext cx="905608" cy="158262"/>
-            </a:xfrm>
-            <a:prstGeom prst="rect">
-              <a:avLst/>
-            </a:prstGeom>
-            <a:noFill/>
-            <a:ln>
-              <a:solidFill>
-                <a:schemeClr val="tx1"/>
-              </a:solidFill>
-            </a:ln>
-          </p:spPr>
-          <p:style>
-            <a:lnRef idx="2">
-              <a:schemeClr val="accent1">
-                <a:shade val="50000"/>
-              </a:schemeClr>
-            </a:lnRef>
-            <a:fillRef idx="1">
-              <a:schemeClr val="accent1"/>
-            </a:fillRef>
-            <a:effectRef idx="0">
-              <a:schemeClr val="accent1"/>
-            </a:effectRef>
-            <a:fontRef idx="minor">
-              <a:schemeClr val="lt1"/>
-            </a:fontRef>
-          </p:style>
-          <p:txBody>
-            <a:bodyPr rtlCol="0" anchor="ctr"/>
-            <a:lstStyle/>
-            <a:p>
-              <a:pPr algn="ctr"/>
-              <a:r>
-                <a:rPr lang="en-US" altLang="ko-KR" sz="1100" dirty="0" smtClean="0">
-                  <a:solidFill>
-                    <a:schemeClr val="tx1"/>
-                  </a:solidFill>
-                </a:rPr>
-                <a:t>100.0</a:t>
-              </a:r>
-              <a:r>
-                <a:rPr lang="ko-KR" altLang="en-US" sz="1100" dirty="0" smtClean="0">
-                  <a:solidFill>
-                    <a:schemeClr val="tx1"/>
-                  </a:solidFill>
-                </a:rPr>
-                <a:t> </a:t>
-              </a:r>
-            </a:p>
-          </p:txBody>
-        </p:sp>
-        <p:sp>
-          <p:nvSpPr>
-            <p:cNvPr id="21" name="직사각형 20"/>
-            <p:cNvSpPr/>
-            <p:nvPr/>
-          </p:nvSpPr>
-          <p:spPr>
-            <a:xfrm>
-              <a:off x="3413631" y="4490252"/>
-              <a:ext cx="2700000" cy="178238"/>
-            </a:xfrm>
-            <a:prstGeom prst="rect">
-              <a:avLst/>
-            </a:prstGeom>
-            <a:solidFill>
-              <a:schemeClr val="bg1">
-                <a:lumMod val="95000"/>
-              </a:schemeClr>
-            </a:solidFill>
-            <a:ln>
-              <a:solidFill>
-                <a:schemeClr val="tx1"/>
-              </a:solidFill>
-            </a:ln>
-          </p:spPr>
-          <p:style>
-            <a:lnRef idx="2">
-              <a:schemeClr val="accent1">
-                <a:shade val="50000"/>
-              </a:schemeClr>
-            </a:lnRef>
-            <a:fillRef idx="1">
-              <a:schemeClr val="accent1"/>
-            </a:fillRef>
-            <a:effectRef idx="0">
-              <a:schemeClr val="accent1"/>
-            </a:effectRef>
-            <a:fontRef idx="minor">
-              <a:schemeClr val="lt1"/>
-            </a:fontRef>
-          </p:style>
-          <p:txBody>
-            <a:bodyPr lIns="0" rIns="0" rtlCol="0" anchor="ctr"/>
-            <a:lstStyle/>
-            <a:p>
-              <a:pPr algn="ctr"/>
-              <a:r>
-                <a:rPr lang="en-US" altLang="ko-KR" sz="1100" dirty="0" smtClean="0">
-                  <a:solidFill>
-                    <a:schemeClr val="tx1"/>
-                  </a:solidFill>
-                </a:rPr>
-                <a:t>Rear H/D Roll Pitch</a:t>
-              </a:r>
-              <a:r>
-                <a:rPr lang="en-US" altLang="ko-KR" sz="1100" dirty="0">
-                  <a:solidFill>
-                    <a:schemeClr val="tx1"/>
-                  </a:solidFill>
-                </a:rPr>
-                <a:t>(mm</a:t>
-              </a:r>
-              <a:r>
-                <a:rPr lang="en-US" altLang="ko-KR" sz="1100" dirty="0" smtClean="0">
-                  <a:solidFill>
-                    <a:schemeClr val="tx1"/>
-                  </a:solidFill>
-                </a:rPr>
-                <a:t>)</a:t>
-              </a:r>
-              <a:endParaRPr lang="ko-KR" altLang="en-US" sz="1100" dirty="0">
-                <a:solidFill>
-                  <a:schemeClr val="tx1"/>
-                </a:solidFill>
-              </a:endParaRPr>
-            </a:p>
-          </p:txBody>
-        </p:sp>
-        <p:sp>
-          <p:nvSpPr>
-            <p:cNvPr id="22" name="직사각형 21"/>
-            <p:cNvSpPr/>
-            <p:nvPr/>
-          </p:nvSpPr>
-          <p:spPr>
-            <a:xfrm>
-              <a:off x="6865693" y="4490252"/>
-              <a:ext cx="905608" cy="158262"/>
-            </a:xfrm>
-            <a:prstGeom prst="rect">
-              <a:avLst/>
-            </a:prstGeom>
-            <a:noFill/>
-            <a:ln>
-              <a:solidFill>
-                <a:schemeClr val="tx1"/>
-              </a:solidFill>
-            </a:ln>
-          </p:spPr>
-          <p:style>
-            <a:lnRef idx="2">
-              <a:schemeClr val="accent1">
-                <a:shade val="50000"/>
-              </a:schemeClr>
-            </a:lnRef>
-            <a:fillRef idx="1">
-              <a:schemeClr val="accent1"/>
-            </a:fillRef>
-            <a:effectRef idx="0">
-              <a:schemeClr val="accent1"/>
-            </a:effectRef>
-            <a:fontRef idx="minor">
-              <a:schemeClr val="lt1"/>
-            </a:fontRef>
-          </p:style>
-          <p:txBody>
-            <a:bodyPr rtlCol="0" anchor="ctr"/>
-            <a:lstStyle/>
-            <a:p>
-              <a:pPr algn="ctr"/>
-              <a:r>
-                <a:rPr lang="en-US" altLang="ko-KR" sz="1100" dirty="0" smtClean="0">
-                  <a:solidFill>
-                    <a:schemeClr val="tx1"/>
-                  </a:solidFill>
-                </a:rPr>
-                <a:t>250.0</a:t>
-              </a:r>
-              <a:r>
-                <a:rPr lang="ko-KR" altLang="en-US" sz="1100" dirty="0" smtClean="0">
-                  <a:solidFill>
-                    <a:schemeClr val="tx1"/>
-                  </a:solidFill>
-                </a:rPr>
-                <a:t> </a:t>
-              </a:r>
-            </a:p>
-          </p:txBody>
-        </p:sp>
-        <p:sp>
-          <p:nvSpPr>
-            <p:cNvPr id="23" name="직사각형 22"/>
-            <p:cNvSpPr/>
-            <p:nvPr/>
-          </p:nvSpPr>
-          <p:spPr>
-            <a:xfrm>
-              <a:off x="3407769" y="4756952"/>
-              <a:ext cx="2700000" cy="178238"/>
-            </a:xfrm>
-            <a:prstGeom prst="rect">
-              <a:avLst/>
-            </a:prstGeom>
-            <a:solidFill>
-              <a:schemeClr val="bg1">
-                <a:lumMod val="95000"/>
-              </a:schemeClr>
-            </a:solidFill>
-            <a:ln>
-              <a:solidFill>
-                <a:schemeClr val="tx1"/>
-              </a:solidFill>
-            </a:ln>
-          </p:spPr>
-          <p:style>
-            <a:lnRef idx="2">
-              <a:schemeClr val="accent1">
-                <a:shade val="50000"/>
-              </a:schemeClr>
-            </a:lnRef>
-            <a:fillRef idx="1">
-              <a:schemeClr val="accent1"/>
-            </a:fillRef>
-            <a:effectRef idx="0">
-              <a:schemeClr val="accent1"/>
-            </a:effectRef>
-            <a:fontRef idx="minor">
-              <a:schemeClr val="lt1"/>
-            </a:fontRef>
-          </p:style>
-          <p:txBody>
-            <a:bodyPr lIns="0" rIns="0" rtlCol="0" anchor="ctr"/>
-            <a:lstStyle/>
-            <a:p>
-              <a:pPr algn="ctr"/>
-              <a:r>
-                <a:rPr lang="en-US" altLang="ko-KR" sz="1100" dirty="0" smtClean="0">
-                  <a:solidFill>
-                    <a:schemeClr val="tx1"/>
-                  </a:solidFill>
-                </a:rPr>
-                <a:t>Rear H/D Roll Vertical Pos.</a:t>
-              </a:r>
-              <a:r>
-                <a:rPr lang="en-US" altLang="ko-KR" sz="1100" dirty="0">
-                  <a:solidFill>
-                    <a:schemeClr val="tx1"/>
-                  </a:solidFill>
-                </a:rPr>
-                <a:t> (mm</a:t>
-              </a:r>
-              <a:r>
-                <a:rPr lang="en-US" altLang="ko-KR" sz="1100" dirty="0" smtClean="0">
-                  <a:solidFill>
-                    <a:schemeClr val="tx1"/>
-                  </a:solidFill>
-                </a:rPr>
-                <a:t>) </a:t>
-              </a:r>
-              <a:endParaRPr lang="ko-KR" altLang="en-US" sz="1100" dirty="0" smtClean="0">
-                <a:solidFill>
-                  <a:schemeClr val="tx1"/>
-                </a:solidFill>
-              </a:endParaRPr>
-            </a:p>
-          </p:txBody>
-        </p:sp>
-        <p:sp>
-          <p:nvSpPr>
-            <p:cNvPr id="24" name="직사각형 23"/>
-            <p:cNvSpPr/>
-            <p:nvPr/>
-          </p:nvSpPr>
-          <p:spPr>
-            <a:xfrm>
-              <a:off x="6859831" y="4756952"/>
-              <a:ext cx="905608" cy="158262"/>
-            </a:xfrm>
-            <a:prstGeom prst="rect">
-              <a:avLst/>
-            </a:prstGeom>
-            <a:noFill/>
-            <a:ln>
-              <a:solidFill>
-                <a:schemeClr val="tx1"/>
-              </a:solidFill>
-            </a:ln>
-          </p:spPr>
-          <p:style>
-            <a:lnRef idx="2">
-              <a:schemeClr val="accent1">
-                <a:shade val="50000"/>
-              </a:schemeClr>
-            </a:lnRef>
-            <a:fillRef idx="1">
-              <a:schemeClr val="accent1"/>
-            </a:fillRef>
-            <a:effectRef idx="0">
-              <a:schemeClr val="accent1"/>
-            </a:effectRef>
-            <a:fontRef idx="minor">
-              <a:schemeClr val="lt1"/>
-            </a:fontRef>
-          </p:style>
-          <p:txBody>
-            <a:bodyPr rtlCol="0" anchor="ctr"/>
-            <a:lstStyle/>
-            <a:p>
-              <a:pPr algn="ctr"/>
-              <a:r>
-                <a:rPr lang="en-US" altLang="ko-KR" sz="1100" dirty="0" smtClean="0">
-                  <a:solidFill>
-                    <a:schemeClr val="tx1"/>
-                  </a:solidFill>
-                </a:rPr>
-                <a:t>300.0</a:t>
-              </a:r>
-              <a:r>
-                <a:rPr lang="ko-KR" altLang="en-US" sz="1100" dirty="0" smtClean="0">
-                  <a:solidFill>
-                    <a:schemeClr val="tx1"/>
-                  </a:solidFill>
-                </a:rPr>
-                <a:t> </a:t>
-              </a:r>
-            </a:p>
-          </p:txBody>
-        </p:sp>
-        <p:sp>
-          <p:nvSpPr>
-            <p:cNvPr id="25" name="직사각형 24"/>
-            <p:cNvSpPr/>
-            <p:nvPr/>
-          </p:nvSpPr>
-          <p:spPr>
-            <a:xfrm>
-              <a:off x="3915448" y="2464085"/>
-              <a:ext cx="905608" cy="158262"/>
-            </a:xfrm>
-            <a:prstGeom prst="rect">
-              <a:avLst/>
-            </a:prstGeom>
-            <a:noFill/>
-            <a:ln>
-              <a:solidFill>
-                <a:schemeClr val="bg1"/>
-              </a:solidFill>
-            </a:ln>
-          </p:spPr>
-          <p:style>
-            <a:lnRef idx="2">
-              <a:schemeClr val="accent1">
-                <a:shade val="50000"/>
-              </a:schemeClr>
-            </a:lnRef>
-            <a:fillRef idx="1">
-              <a:schemeClr val="accent1"/>
-            </a:fillRef>
-            <a:effectRef idx="0">
-              <a:schemeClr val="accent1"/>
-            </a:effectRef>
-            <a:fontRef idx="minor">
-              <a:schemeClr val="lt1"/>
-            </a:fontRef>
-          </p:style>
-          <p:txBody>
-            <a:bodyPr rtlCol="0" anchor="ctr"/>
-            <a:lstStyle/>
-            <a:p>
-              <a:pPr algn="ctr"/>
-              <a:r>
-                <a:rPr lang="en-US" altLang="ko-KR" sz="1100" dirty="0" smtClean="0">
-                  <a:solidFill>
-                    <a:schemeClr val="tx1"/>
-                  </a:solidFill>
-                </a:rPr>
-                <a:t>None</a:t>
-              </a:r>
-              <a:endParaRPr lang="ko-KR" altLang="en-US" sz="1100" dirty="0" smtClean="0">
-                <a:solidFill>
-                  <a:schemeClr val="tx1"/>
-                </a:solidFill>
-              </a:endParaRPr>
-            </a:p>
-          </p:txBody>
-        </p:sp>
-        <p:sp>
-          <p:nvSpPr>
-            <p:cNvPr id="26" name="타원 25"/>
-            <p:cNvSpPr/>
-            <p:nvPr/>
-          </p:nvSpPr>
-          <p:spPr>
-            <a:xfrm>
-              <a:off x="3886675" y="2464085"/>
-              <a:ext cx="158262" cy="158262"/>
-            </a:xfrm>
-            <a:prstGeom prst="ellipse">
-              <a:avLst/>
-            </a:prstGeom>
-            <a:solidFill>
-              <a:schemeClr val="bg1"/>
-            </a:solidFill>
-            <a:ln>
-              <a:solidFill>
-                <a:schemeClr val="tx1">
-                  <a:lumMod val="95000"/>
-                  <a:lumOff val="5000"/>
-                </a:schemeClr>
-              </a:solidFill>
-            </a:ln>
-          </p:spPr>
-          <p:style>
-            <a:lnRef idx="2">
-              <a:schemeClr val="accent1">
-                <a:shade val="50000"/>
-              </a:schemeClr>
-            </a:lnRef>
-            <a:fillRef idx="1">
-              <a:schemeClr val="accent1"/>
-            </a:fillRef>
-            <a:effectRef idx="0">
-              <a:schemeClr val="accent1"/>
-            </a:effectRef>
-            <a:fontRef idx="minor">
-              <a:schemeClr val="lt1"/>
-            </a:fontRef>
-          </p:style>
-          <p:txBody>
-            <a:bodyPr rtlCol="0" anchor="ctr"/>
-            <a:lstStyle/>
-            <a:p>
-              <a:pPr algn="ctr"/>
-              <a:endParaRPr lang="ko-KR" altLang="en-US" dirty="0" smtClean="0">
-                <a:solidFill>
-                  <a:schemeClr val="tx1"/>
-                </a:solidFill>
-              </a:endParaRPr>
-            </a:p>
-          </p:txBody>
-        </p:sp>
-        <p:sp>
-          <p:nvSpPr>
-            <p:cNvPr id="27" name="직사각형 26"/>
-            <p:cNvSpPr/>
-            <p:nvPr/>
-          </p:nvSpPr>
-          <p:spPr>
-            <a:xfrm>
-              <a:off x="3439473" y="2236495"/>
-              <a:ext cx="2517681" cy="161337"/>
-            </a:xfrm>
-            <a:prstGeom prst="rect">
-              <a:avLst/>
-            </a:prstGeom>
-            <a:noFill/>
-            <a:ln>
-              <a:solidFill>
-                <a:schemeClr val="bg1"/>
-              </a:solidFill>
-            </a:ln>
-          </p:spPr>
-          <p:style>
-            <a:lnRef idx="2">
-              <a:schemeClr val="accent1">
-                <a:shade val="50000"/>
-              </a:schemeClr>
-            </a:lnRef>
-            <a:fillRef idx="1">
-              <a:schemeClr val="accent1"/>
-            </a:fillRef>
-            <a:effectRef idx="0">
-              <a:schemeClr val="accent1"/>
-            </a:effectRef>
-            <a:fontRef idx="minor">
-              <a:schemeClr val="lt1"/>
-            </a:fontRef>
-          </p:style>
-          <p:txBody>
-            <a:bodyPr rtlCol="0" anchor="ctr"/>
-            <a:lstStyle/>
-            <a:p>
-              <a:r>
-                <a:rPr lang="en-US" altLang="ko-KR" sz="1400" dirty="0" smtClean="0">
-                  <a:solidFill>
-                    <a:schemeClr val="tx1"/>
-                  </a:solidFill>
-                </a:rPr>
-                <a:t>Hold</a:t>
-              </a:r>
-              <a:r>
-                <a:rPr lang="ko-KR" altLang="en-US" sz="1400" dirty="0" smtClean="0">
-                  <a:solidFill>
-                    <a:schemeClr val="tx1"/>
-                  </a:solidFill>
-                </a:rPr>
-                <a:t> </a:t>
-              </a:r>
-              <a:r>
-                <a:rPr lang="en-US" altLang="ko-KR" sz="1400" dirty="0" smtClean="0">
-                  <a:solidFill>
-                    <a:schemeClr val="tx1"/>
-                  </a:solidFill>
-                </a:rPr>
-                <a:t>Down Roll Generation</a:t>
-              </a:r>
-              <a:endParaRPr lang="ko-KR" altLang="en-US" sz="1400" dirty="0" smtClean="0">
-                <a:solidFill>
-                  <a:schemeClr val="tx1"/>
-                </a:solidFill>
-              </a:endParaRPr>
-            </a:p>
-          </p:txBody>
-        </p:sp>
-      </p:grpSp>
-      <p:grpSp>
-        <p:nvGrpSpPr>
-          <p:cNvPr id="28" name="그룹 27"/>
-          <p:cNvGrpSpPr/>
-          <p:nvPr/>
-        </p:nvGrpSpPr>
-        <p:grpSpPr>
-          <a:xfrm>
-            <a:off x="7475574" y="3653843"/>
-            <a:ext cx="4547991" cy="3149458"/>
-            <a:chOff x="2850249" y="2665141"/>
-            <a:chExt cx="4547991" cy="3149458"/>
-          </a:xfrm>
-        </p:grpSpPr>
-        <p:sp>
-          <p:nvSpPr>
-            <p:cNvPr id="29" name="직사각형 28"/>
-            <p:cNvSpPr/>
-            <p:nvPr/>
-          </p:nvSpPr>
-          <p:spPr>
-            <a:xfrm>
-              <a:off x="2850249" y="2665141"/>
-              <a:ext cx="4547991" cy="3149458"/>
-            </a:xfrm>
-            <a:prstGeom prst="rect">
-              <a:avLst/>
-            </a:prstGeom>
-            <a:solidFill>
-              <a:schemeClr val="bg1"/>
-            </a:solidFill>
-            <a:ln>
-              <a:solidFill>
-                <a:schemeClr val="tx1">
-                  <a:lumMod val="95000"/>
-                  <a:lumOff val="5000"/>
-                </a:schemeClr>
-              </a:solidFill>
-            </a:ln>
-          </p:spPr>
-          <p:style>
-            <a:lnRef idx="2">
-              <a:schemeClr val="accent1">
-                <a:shade val="50000"/>
-              </a:schemeClr>
-            </a:lnRef>
-            <a:fillRef idx="1">
-              <a:schemeClr val="accent1"/>
-            </a:fillRef>
-            <a:effectRef idx="0">
-              <a:schemeClr val="accent1"/>
-            </a:effectRef>
-            <a:fontRef idx="minor">
-              <a:schemeClr val="lt1"/>
-            </a:fontRef>
-          </p:style>
-          <p:txBody>
-            <a:bodyPr rtlCol="0" anchor="t"/>
-            <a:lstStyle/>
-            <a:p>
-              <a:pPr algn="ctr"/>
-              <a:r>
-                <a:rPr lang="en-US" altLang="ko-KR" dirty="0" smtClean="0">
-                  <a:solidFill>
-                    <a:schemeClr val="tx1"/>
-                  </a:solidFill>
-                </a:rPr>
-                <a:t>Roll Gap Movement Information</a:t>
-              </a:r>
-              <a:endParaRPr lang="ko-KR" altLang="en-US" dirty="0" smtClean="0">
-                <a:solidFill>
-                  <a:schemeClr val="tx1"/>
-                </a:solidFill>
-              </a:endParaRPr>
-            </a:p>
-          </p:txBody>
-        </p:sp>
-        <p:sp>
-          <p:nvSpPr>
-            <p:cNvPr id="30" name="직사각형 29"/>
-            <p:cNvSpPr/>
-            <p:nvPr/>
-          </p:nvSpPr>
-          <p:spPr>
-            <a:xfrm>
-              <a:off x="3169964" y="3351675"/>
-              <a:ext cx="2880000" cy="178238"/>
-            </a:xfrm>
-            <a:prstGeom prst="rect">
-              <a:avLst/>
-            </a:prstGeom>
-            <a:solidFill>
-              <a:schemeClr val="bg1">
-                <a:lumMod val="95000"/>
-              </a:schemeClr>
-            </a:solidFill>
-            <a:ln>
-              <a:solidFill>
-                <a:schemeClr val="tx1"/>
-              </a:solidFill>
-            </a:ln>
-          </p:spPr>
-          <p:style>
-            <a:lnRef idx="2">
-              <a:schemeClr val="accent1">
-                <a:shade val="50000"/>
-              </a:schemeClr>
-            </a:lnRef>
-            <a:fillRef idx="1">
-              <a:schemeClr val="accent1"/>
-            </a:fillRef>
-            <a:effectRef idx="0">
-              <a:schemeClr val="accent1"/>
-            </a:effectRef>
-            <a:fontRef idx="minor">
-              <a:schemeClr val="lt1"/>
-            </a:fontRef>
-          </p:style>
-          <p:txBody>
-            <a:bodyPr lIns="0" rIns="0" rtlCol="0" anchor="ctr"/>
-            <a:lstStyle/>
-            <a:p>
-              <a:pPr algn="ctr"/>
-              <a:r>
-                <a:rPr lang="en-US" altLang="ko-KR" sz="1100" dirty="0" smtClean="0">
-                  <a:solidFill>
-                    <a:schemeClr val="tx1"/>
-                  </a:solidFill>
-                </a:rPr>
-                <a:t>Upper Entry Roll Gap Movement (mm)</a:t>
-              </a:r>
-              <a:endParaRPr lang="ko-KR" altLang="en-US" sz="1100" dirty="0" smtClean="0">
-                <a:solidFill>
-                  <a:schemeClr val="tx1"/>
-                </a:solidFill>
-              </a:endParaRPr>
-            </a:p>
-          </p:txBody>
-        </p:sp>
-        <p:sp>
-          <p:nvSpPr>
-            <p:cNvPr id="31" name="직사각형 30"/>
-            <p:cNvSpPr/>
-            <p:nvPr/>
-          </p:nvSpPr>
-          <p:spPr>
-            <a:xfrm>
-              <a:off x="6121007" y="3351675"/>
-              <a:ext cx="905608" cy="158262"/>
-            </a:xfrm>
-            <a:prstGeom prst="rect">
-              <a:avLst/>
-            </a:prstGeom>
-            <a:noFill/>
-            <a:ln>
-              <a:solidFill>
-                <a:schemeClr val="tx1"/>
-              </a:solidFill>
-            </a:ln>
-          </p:spPr>
-          <p:style>
-            <a:lnRef idx="2">
-              <a:schemeClr val="accent1">
-                <a:shade val="50000"/>
-              </a:schemeClr>
-            </a:lnRef>
-            <a:fillRef idx="1">
-              <a:schemeClr val="accent1"/>
-            </a:fillRef>
-            <a:effectRef idx="0">
-              <a:schemeClr val="accent1"/>
-            </a:effectRef>
-            <a:fontRef idx="minor">
-              <a:schemeClr val="lt1"/>
-            </a:fontRef>
-          </p:style>
-          <p:txBody>
-            <a:bodyPr rtlCol="0" anchor="ctr"/>
-            <a:lstStyle/>
-            <a:p>
-              <a:pPr algn="ctr"/>
-              <a:r>
-                <a:rPr lang="en-US" altLang="ko-KR" sz="1100" dirty="0" smtClean="0">
-                  <a:solidFill>
-                    <a:schemeClr val="tx1"/>
-                  </a:solidFill>
-                </a:rPr>
-                <a:t>20.0</a:t>
-              </a:r>
-              <a:endParaRPr lang="ko-KR" altLang="en-US" sz="1100" dirty="0" smtClean="0">
-                <a:solidFill>
-                  <a:schemeClr val="tx1"/>
-                </a:solidFill>
-              </a:endParaRPr>
-            </a:p>
-          </p:txBody>
-        </p:sp>
-        <p:sp>
-          <p:nvSpPr>
-            <p:cNvPr id="32" name="직사각형 31"/>
-            <p:cNvSpPr/>
-            <p:nvPr/>
-          </p:nvSpPr>
-          <p:spPr>
-            <a:xfrm>
-              <a:off x="3172895" y="3609579"/>
-              <a:ext cx="2880000" cy="178238"/>
-            </a:xfrm>
-            <a:prstGeom prst="rect">
-              <a:avLst/>
-            </a:prstGeom>
-            <a:solidFill>
-              <a:schemeClr val="bg1">
-                <a:lumMod val="95000"/>
-              </a:schemeClr>
-            </a:solidFill>
-            <a:ln>
-              <a:solidFill>
-                <a:schemeClr val="tx1"/>
-              </a:solidFill>
-            </a:ln>
-          </p:spPr>
-          <p:style>
-            <a:lnRef idx="2">
-              <a:schemeClr val="accent1">
-                <a:shade val="50000"/>
-              </a:schemeClr>
-            </a:lnRef>
-            <a:fillRef idx="1">
-              <a:schemeClr val="accent1"/>
-            </a:fillRef>
-            <a:effectRef idx="0">
-              <a:schemeClr val="accent1"/>
-            </a:effectRef>
-            <a:fontRef idx="minor">
-              <a:schemeClr val="lt1"/>
-            </a:fontRef>
-          </p:style>
-          <p:txBody>
-            <a:bodyPr lIns="0" rIns="0" rtlCol="0" anchor="ctr"/>
-            <a:lstStyle/>
-            <a:p>
-              <a:pPr algn="ctr"/>
-              <a:r>
-                <a:rPr lang="en-US" altLang="ko-KR" sz="1100" dirty="0">
-                  <a:solidFill>
-                    <a:schemeClr val="tx1"/>
-                  </a:solidFill>
-                </a:rPr>
-                <a:t>Upper </a:t>
-              </a:r>
-              <a:r>
-                <a:rPr lang="en-US" altLang="ko-KR" sz="1100" dirty="0" smtClean="0">
-                  <a:solidFill>
-                    <a:schemeClr val="tx1"/>
-                  </a:solidFill>
-                </a:rPr>
-                <a:t>Exit </a:t>
-              </a:r>
-              <a:r>
-                <a:rPr lang="en-US" altLang="ko-KR" sz="1100" dirty="0">
-                  <a:solidFill>
-                    <a:schemeClr val="tx1"/>
-                  </a:solidFill>
-                </a:rPr>
-                <a:t>Roll Gap </a:t>
-              </a:r>
-              <a:r>
-                <a:rPr lang="en-US" altLang="ko-KR" sz="1100" dirty="0" smtClean="0">
-                  <a:solidFill>
-                    <a:schemeClr val="tx1"/>
-                  </a:solidFill>
-                </a:rPr>
-                <a:t>Movement (mm)</a:t>
-              </a:r>
-              <a:endParaRPr lang="ko-KR" altLang="en-US" sz="1100" dirty="0" smtClean="0">
-                <a:solidFill>
-                  <a:schemeClr val="tx1"/>
-                </a:solidFill>
-              </a:endParaRPr>
-            </a:p>
-          </p:txBody>
-        </p:sp>
-        <p:sp>
-          <p:nvSpPr>
-            <p:cNvPr id="33" name="직사각형 32"/>
-            <p:cNvSpPr/>
-            <p:nvPr/>
-          </p:nvSpPr>
-          <p:spPr>
-            <a:xfrm>
-              <a:off x="6123938" y="3609579"/>
-              <a:ext cx="905608" cy="158262"/>
-            </a:xfrm>
-            <a:prstGeom prst="rect">
-              <a:avLst/>
-            </a:prstGeom>
-            <a:noFill/>
-            <a:ln>
-              <a:solidFill>
-                <a:schemeClr val="tx1"/>
-              </a:solidFill>
-            </a:ln>
-          </p:spPr>
-          <p:style>
-            <a:lnRef idx="2">
-              <a:schemeClr val="accent1">
-                <a:shade val="50000"/>
-              </a:schemeClr>
-            </a:lnRef>
-            <a:fillRef idx="1">
-              <a:schemeClr val="accent1"/>
-            </a:fillRef>
-            <a:effectRef idx="0">
-              <a:schemeClr val="accent1"/>
-            </a:effectRef>
-            <a:fontRef idx="minor">
-              <a:schemeClr val="lt1"/>
-            </a:fontRef>
-          </p:style>
-          <p:txBody>
-            <a:bodyPr rtlCol="0" anchor="ctr"/>
-            <a:lstStyle/>
-            <a:p>
-              <a:pPr algn="ctr"/>
-              <a:r>
-                <a:rPr lang="en-US" altLang="ko-KR" sz="1100" dirty="0" smtClean="0">
-                  <a:solidFill>
-                    <a:schemeClr val="tx1"/>
-                  </a:solidFill>
-                </a:rPr>
-                <a:t>15.0</a:t>
-              </a:r>
-              <a:endParaRPr lang="ko-KR" altLang="en-US" sz="1100" dirty="0" smtClean="0">
-                <a:solidFill>
-                  <a:schemeClr val="tx1"/>
-                </a:solidFill>
-              </a:endParaRPr>
-            </a:p>
-          </p:txBody>
-        </p:sp>
-        <p:sp>
-          <p:nvSpPr>
-            <p:cNvPr id="34" name="직사각형 33"/>
-            <p:cNvSpPr/>
-            <p:nvPr/>
-          </p:nvSpPr>
-          <p:spPr>
-            <a:xfrm>
-              <a:off x="3175717" y="3900889"/>
-              <a:ext cx="2880000" cy="178238"/>
-            </a:xfrm>
-            <a:prstGeom prst="rect">
-              <a:avLst/>
-            </a:prstGeom>
-            <a:solidFill>
-              <a:schemeClr val="bg1">
-                <a:lumMod val="95000"/>
-              </a:schemeClr>
-            </a:solidFill>
-            <a:ln>
-              <a:solidFill>
-                <a:schemeClr val="tx1"/>
-              </a:solidFill>
-            </a:ln>
-          </p:spPr>
-          <p:style>
-            <a:lnRef idx="2">
-              <a:schemeClr val="accent1">
-                <a:shade val="50000"/>
-              </a:schemeClr>
-            </a:lnRef>
-            <a:fillRef idx="1">
-              <a:schemeClr val="accent1"/>
-            </a:fillRef>
-            <a:effectRef idx="0">
-              <a:schemeClr val="accent1"/>
-            </a:effectRef>
-            <a:fontRef idx="minor">
-              <a:schemeClr val="lt1"/>
-            </a:fontRef>
-          </p:style>
-          <p:txBody>
-            <a:bodyPr lIns="0" rIns="0" rtlCol="0" anchor="ctr"/>
-            <a:lstStyle/>
-            <a:p>
-              <a:pPr algn="ctr"/>
-              <a:r>
-                <a:rPr lang="en-US" altLang="ko-KR" sz="1100" dirty="0" smtClean="0">
-                  <a:solidFill>
-                    <a:schemeClr val="tx1"/>
-                  </a:solidFill>
-                </a:rPr>
-                <a:t>Upper Roll Gap Staying Time (sec.)</a:t>
-              </a:r>
-              <a:endParaRPr lang="ko-KR" altLang="en-US" sz="1100" dirty="0" smtClean="0">
-                <a:solidFill>
-                  <a:schemeClr val="tx1"/>
-                </a:solidFill>
-              </a:endParaRPr>
-            </a:p>
-          </p:txBody>
-        </p:sp>
-        <p:sp>
-          <p:nvSpPr>
-            <p:cNvPr id="35" name="직사각형 34"/>
-            <p:cNvSpPr/>
-            <p:nvPr/>
-          </p:nvSpPr>
-          <p:spPr>
-            <a:xfrm>
-              <a:off x="6126760" y="3900889"/>
-              <a:ext cx="905608" cy="158262"/>
-            </a:xfrm>
-            <a:prstGeom prst="rect">
-              <a:avLst/>
-            </a:prstGeom>
-            <a:noFill/>
-            <a:ln>
-              <a:solidFill>
-                <a:schemeClr val="tx1"/>
-              </a:solidFill>
-            </a:ln>
-          </p:spPr>
-          <p:style>
-            <a:lnRef idx="2">
-              <a:schemeClr val="accent1">
-                <a:shade val="50000"/>
-              </a:schemeClr>
-            </a:lnRef>
-            <a:fillRef idx="1">
-              <a:schemeClr val="accent1"/>
-            </a:fillRef>
-            <a:effectRef idx="0">
-              <a:schemeClr val="accent1"/>
-            </a:effectRef>
-            <a:fontRef idx="minor">
-              <a:schemeClr val="lt1"/>
-            </a:fontRef>
-          </p:style>
-          <p:txBody>
-            <a:bodyPr rtlCol="0" anchor="ctr"/>
-            <a:lstStyle/>
-            <a:p>
-              <a:pPr algn="ctr"/>
-              <a:r>
-                <a:rPr lang="en-US" altLang="ko-KR" sz="1100" dirty="0" smtClean="0">
-                  <a:solidFill>
-                    <a:schemeClr val="tx1"/>
-                  </a:solidFill>
-                </a:rPr>
-                <a:t>1.0</a:t>
-              </a:r>
-              <a:r>
-                <a:rPr lang="ko-KR" altLang="en-US" sz="1100" dirty="0" smtClean="0">
-                  <a:solidFill>
-                    <a:schemeClr val="tx1"/>
-                  </a:solidFill>
-                </a:rPr>
-                <a:t> </a:t>
-              </a:r>
-            </a:p>
-          </p:txBody>
-        </p:sp>
-        <p:sp>
-          <p:nvSpPr>
-            <p:cNvPr id="36" name="직사각형 35"/>
-            <p:cNvSpPr/>
-            <p:nvPr/>
-          </p:nvSpPr>
-          <p:spPr>
-            <a:xfrm>
-              <a:off x="3178648" y="4158793"/>
-              <a:ext cx="2880000" cy="178238"/>
-            </a:xfrm>
-            <a:prstGeom prst="rect">
-              <a:avLst/>
-            </a:prstGeom>
-            <a:solidFill>
-              <a:schemeClr val="bg1">
-                <a:lumMod val="95000"/>
-              </a:schemeClr>
-            </a:solidFill>
-            <a:ln>
-              <a:solidFill>
-                <a:schemeClr val="tx1"/>
-              </a:solidFill>
-            </a:ln>
-          </p:spPr>
-          <p:style>
-            <a:lnRef idx="2">
-              <a:schemeClr val="accent1">
-                <a:shade val="50000"/>
-              </a:schemeClr>
-            </a:lnRef>
-            <a:fillRef idx="1">
-              <a:schemeClr val="accent1"/>
-            </a:fillRef>
-            <a:effectRef idx="0">
-              <a:schemeClr val="accent1"/>
-            </a:effectRef>
-            <a:fontRef idx="minor">
-              <a:schemeClr val="lt1"/>
-            </a:fontRef>
-          </p:style>
-          <p:txBody>
-            <a:bodyPr lIns="0" rIns="0" rtlCol="0" anchor="ctr"/>
-            <a:lstStyle/>
-            <a:p>
-              <a:pPr algn="ctr"/>
-              <a:r>
-                <a:rPr lang="en-US" altLang="ko-KR" sz="1100" dirty="0" smtClean="0">
-                  <a:solidFill>
-                    <a:schemeClr val="tx1"/>
-                  </a:solidFill>
-                </a:rPr>
-                <a:t>Upper </a:t>
-              </a:r>
-              <a:r>
-                <a:rPr lang="en-US" altLang="ko-KR" sz="1100" dirty="0">
-                  <a:solidFill>
-                    <a:schemeClr val="tx1"/>
-                  </a:solidFill>
-                </a:rPr>
-                <a:t>Roll </a:t>
-              </a:r>
-              <a:r>
-                <a:rPr lang="en-US" altLang="ko-KR" sz="1100" dirty="0" smtClean="0">
-                  <a:solidFill>
-                    <a:schemeClr val="tx1"/>
-                  </a:solidFill>
-                </a:rPr>
-                <a:t>Moving </a:t>
-              </a:r>
-              <a:r>
-                <a:rPr lang="en-US" altLang="ko-KR" sz="1100" dirty="0">
-                  <a:solidFill>
-                    <a:schemeClr val="tx1"/>
-                  </a:solidFill>
-                </a:rPr>
-                <a:t>Time (sec</a:t>
-              </a:r>
-              <a:r>
-                <a:rPr lang="en-US" altLang="ko-KR" sz="1100" dirty="0" smtClean="0">
-                  <a:solidFill>
-                    <a:schemeClr val="tx1"/>
-                  </a:solidFill>
-                </a:rPr>
-                <a:t>.)</a:t>
-              </a:r>
-              <a:endParaRPr lang="ko-KR" altLang="en-US" sz="1100" dirty="0" smtClean="0">
-                <a:solidFill>
-                  <a:schemeClr val="tx1"/>
-                </a:solidFill>
-              </a:endParaRPr>
-            </a:p>
-          </p:txBody>
-        </p:sp>
-        <p:sp>
-          <p:nvSpPr>
-            <p:cNvPr id="37" name="직사각형 36"/>
-            <p:cNvSpPr/>
-            <p:nvPr/>
-          </p:nvSpPr>
-          <p:spPr>
-            <a:xfrm>
-              <a:off x="6129691" y="4158793"/>
-              <a:ext cx="905608" cy="158262"/>
-            </a:xfrm>
-            <a:prstGeom prst="rect">
-              <a:avLst/>
-            </a:prstGeom>
-            <a:noFill/>
-            <a:ln>
-              <a:solidFill>
-                <a:schemeClr val="tx1"/>
-              </a:solidFill>
-            </a:ln>
-          </p:spPr>
-          <p:style>
-            <a:lnRef idx="2">
-              <a:schemeClr val="accent1">
-                <a:shade val="50000"/>
-              </a:schemeClr>
-            </a:lnRef>
-            <a:fillRef idx="1">
-              <a:schemeClr val="accent1"/>
-            </a:fillRef>
-            <a:effectRef idx="0">
-              <a:schemeClr val="accent1"/>
-            </a:effectRef>
-            <a:fontRef idx="minor">
-              <a:schemeClr val="lt1"/>
-            </a:fontRef>
-          </p:style>
-          <p:txBody>
-            <a:bodyPr rtlCol="0" anchor="ctr"/>
-            <a:lstStyle/>
-            <a:p>
-              <a:pPr algn="ctr"/>
-              <a:r>
-                <a:rPr lang="en-US" altLang="ko-KR" sz="1100" dirty="0" smtClean="0">
-                  <a:solidFill>
-                    <a:schemeClr val="tx1"/>
-                  </a:solidFill>
-                </a:rPr>
-                <a:t>2.0</a:t>
-              </a:r>
-              <a:endParaRPr lang="ko-KR" altLang="en-US" sz="1100" dirty="0" smtClean="0">
-                <a:solidFill>
-                  <a:schemeClr val="tx1"/>
-                </a:solidFill>
-              </a:endParaRPr>
-            </a:p>
-          </p:txBody>
-        </p:sp>
-        <p:sp>
-          <p:nvSpPr>
-            <p:cNvPr id="38" name="직사각형 37"/>
-            <p:cNvSpPr/>
-            <p:nvPr/>
-          </p:nvSpPr>
-          <p:spPr>
-            <a:xfrm>
-              <a:off x="3178648" y="4730749"/>
-              <a:ext cx="2880000" cy="178238"/>
-            </a:xfrm>
-            <a:prstGeom prst="rect">
-              <a:avLst/>
-            </a:prstGeom>
-            <a:solidFill>
-              <a:schemeClr val="bg1">
-                <a:lumMod val="95000"/>
-              </a:schemeClr>
-            </a:solidFill>
-            <a:ln>
-              <a:solidFill>
-                <a:schemeClr val="tx1"/>
-              </a:solidFill>
-            </a:ln>
-          </p:spPr>
-          <p:style>
-            <a:lnRef idx="2">
-              <a:schemeClr val="accent1">
-                <a:shade val="50000"/>
-              </a:schemeClr>
-            </a:lnRef>
-            <a:fillRef idx="1">
-              <a:schemeClr val="accent1"/>
-            </a:fillRef>
-            <a:effectRef idx="0">
-              <a:schemeClr val="accent1"/>
-            </a:effectRef>
-            <a:fontRef idx="minor">
-              <a:schemeClr val="lt1"/>
-            </a:fontRef>
-          </p:style>
-          <p:txBody>
-            <a:bodyPr lIns="0" rIns="0" rtlCol="0" anchor="ctr"/>
-            <a:lstStyle/>
-            <a:p>
-              <a:pPr algn="ctr"/>
-              <a:r>
-                <a:rPr lang="en-US" altLang="ko-KR" sz="1100" dirty="0" smtClean="0">
-                  <a:solidFill>
-                    <a:schemeClr val="tx1"/>
-                  </a:solidFill>
-                </a:rPr>
-                <a:t>Entry Lower Roll Gap Movement (mm)</a:t>
-              </a:r>
-              <a:endParaRPr lang="ko-KR" altLang="en-US" sz="1100" dirty="0" smtClean="0">
-                <a:solidFill>
-                  <a:schemeClr val="tx1"/>
-                </a:solidFill>
-              </a:endParaRPr>
-            </a:p>
-          </p:txBody>
-        </p:sp>
-        <p:sp>
-          <p:nvSpPr>
-            <p:cNvPr id="39" name="직사각형 38"/>
-            <p:cNvSpPr/>
-            <p:nvPr/>
-          </p:nvSpPr>
-          <p:spPr>
-            <a:xfrm>
-              <a:off x="6129691" y="4730749"/>
-              <a:ext cx="905608" cy="158262"/>
-            </a:xfrm>
-            <a:prstGeom prst="rect">
-              <a:avLst/>
-            </a:prstGeom>
-            <a:noFill/>
-            <a:ln>
-              <a:solidFill>
-                <a:schemeClr val="tx1"/>
-              </a:solidFill>
-            </a:ln>
-          </p:spPr>
-          <p:style>
-            <a:lnRef idx="2">
-              <a:schemeClr val="accent1">
-                <a:shade val="50000"/>
-              </a:schemeClr>
-            </a:lnRef>
-            <a:fillRef idx="1">
-              <a:schemeClr val="accent1"/>
-            </a:fillRef>
-            <a:effectRef idx="0">
-              <a:schemeClr val="accent1"/>
-            </a:effectRef>
-            <a:fontRef idx="minor">
-              <a:schemeClr val="lt1"/>
-            </a:fontRef>
-          </p:style>
-          <p:txBody>
-            <a:bodyPr rtlCol="0" anchor="ctr"/>
-            <a:lstStyle/>
-            <a:p>
-              <a:pPr algn="ctr"/>
-              <a:r>
-                <a:rPr lang="en-US" altLang="ko-KR" sz="1100" dirty="0" smtClean="0">
-                  <a:solidFill>
-                    <a:schemeClr val="tx1"/>
-                  </a:solidFill>
-                </a:rPr>
-                <a:t>20.0</a:t>
-              </a:r>
-              <a:endParaRPr lang="ko-KR" altLang="en-US" sz="1100" dirty="0" smtClean="0">
-                <a:solidFill>
-                  <a:schemeClr val="tx1"/>
-                </a:solidFill>
-              </a:endParaRPr>
-            </a:p>
-          </p:txBody>
-        </p:sp>
-        <p:sp>
-          <p:nvSpPr>
-            <p:cNvPr id="40" name="직사각형 39"/>
-            <p:cNvSpPr/>
-            <p:nvPr/>
-          </p:nvSpPr>
-          <p:spPr>
-            <a:xfrm>
-              <a:off x="3181579" y="4988653"/>
-              <a:ext cx="2880000" cy="178238"/>
-            </a:xfrm>
-            <a:prstGeom prst="rect">
-              <a:avLst/>
-            </a:prstGeom>
-            <a:solidFill>
-              <a:schemeClr val="bg1">
-                <a:lumMod val="95000"/>
-              </a:schemeClr>
-            </a:solidFill>
-            <a:ln>
-              <a:solidFill>
-                <a:schemeClr val="tx1"/>
-              </a:solidFill>
-            </a:ln>
-          </p:spPr>
-          <p:style>
-            <a:lnRef idx="2">
-              <a:schemeClr val="accent1">
-                <a:shade val="50000"/>
-              </a:schemeClr>
-            </a:lnRef>
-            <a:fillRef idx="1">
-              <a:schemeClr val="accent1"/>
-            </a:fillRef>
-            <a:effectRef idx="0">
-              <a:schemeClr val="accent1"/>
-            </a:effectRef>
-            <a:fontRef idx="minor">
-              <a:schemeClr val="lt1"/>
-            </a:fontRef>
-          </p:style>
-          <p:txBody>
-            <a:bodyPr lIns="0" rIns="0" rtlCol="0" anchor="ctr"/>
-            <a:lstStyle/>
-            <a:p>
-              <a:pPr algn="ctr"/>
-              <a:r>
-                <a:rPr lang="en-US" altLang="ko-KR" sz="1100" dirty="0">
-                  <a:solidFill>
-                    <a:schemeClr val="tx1"/>
-                  </a:solidFill>
-                </a:rPr>
-                <a:t>Entry Lower</a:t>
-              </a:r>
-              <a:r>
-                <a:rPr lang="en-US" altLang="ko-KR" sz="1100" dirty="0" smtClean="0">
-                  <a:solidFill>
-                    <a:schemeClr val="tx1"/>
-                  </a:solidFill>
-                </a:rPr>
-                <a:t> </a:t>
-              </a:r>
-              <a:r>
-                <a:rPr lang="en-US" altLang="ko-KR" sz="1100" dirty="0">
-                  <a:solidFill>
-                    <a:schemeClr val="tx1"/>
-                  </a:solidFill>
-                </a:rPr>
-                <a:t>Roll </a:t>
-              </a:r>
-              <a:r>
-                <a:rPr lang="en-US" altLang="ko-KR" sz="1100" dirty="0" smtClean="0">
-                  <a:solidFill>
-                    <a:schemeClr val="tx1"/>
-                  </a:solidFill>
-                </a:rPr>
-                <a:t>Gap Movement </a:t>
-              </a:r>
-              <a:r>
-                <a:rPr lang="en-US" altLang="ko-KR" sz="1100" dirty="0">
-                  <a:solidFill>
-                    <a:schemeClr val="tx1"/>
-                  </a:solidFill>
-                </a:rPr>
-                <a:t>(</a:t>
-              </a:r>
-              <a:r>
-                <a:rPr lang="en-US" altLang="ko-KR" sz="1100" dirty="0" smtClean="0">
-                  <a:solidFill>
-                    <a:schemeClr val="tx1"/>
-                  </a:solidFill>
-                </a:rPr>
-                <a:t>mm)</a:t>
-              </a:r>
-              <a:endParaRPr lang="ko-KR" altLang="en-US" sz="1100" dirty="0" smtClean="0">
-                <a:solidFill>
-                  <a:schemeClr val="tx1"/>
-                </a:solidFill>
-              </a:endParaRPr>
-            </a:p>
-          </p:txBody>
-        </p:sp>
-        <p:sp>
-          <p:nvSpPr>
-            <p:cNvPr id="41" name="직사각형 40"/>
-            <p:cNvSpPr/>
-            <p:nvPr/>
-          </p:nvSpPr>
-          <p:spPr>
-            <a:xfrm>
-              <a:off x="6132622" y="4988653"/>
-              <a:ext cx="905608" cy="158262"/>
-            </a:xfrm>
-            <a:prstGeom prst="rect">
-              <a:avLst/>
-            </a:prstGeom>
-            <a:noFill/>
-            <a:ln>
-              <a:solidFill>
-                <a:schemeClr val="tx1"/>
-              </a:solidFill>
-            </a:ln>
-          </p:spPr>
-          <p:style>
-            <a:lnRef idx="2">
-              <a:schemeClr val="accent1">
-                <a:shade val="50000"/>
-              </a:schemeClr>
-            </a:lnRef>
-            <a:fillRef idx="1">
-              <a:schemeClr val="accent1"/>
-            </a:fillRef>
-            <a:effectRef idx="0">
-              <a:schemeClr val="accent1"/>
-            </a:effectRef>
-            <a:fontRef idx="minor">
-              <a:schemeClr val="lt1"/>
-            </a:fontRef>
-          </p:style>
-          <p:txBody>
-            <a:bodyPr rtlCol="0" anchor="ctr"/>
-            <a:lstStyle/>
-            <a:p>
-              <a:pPr algn="ctr"/>
-              <a:r>
-                <a:rPr lang="en-US" altLang="ko-KR" sz="1100" dirty="0" smtClean="0">
-                  <a:solidFill>
-                    <a:schemeClr val="tx1"/>
-                  </a:solidFill>
-                </a:rPr>
-                <a:t>15.0</a:t>
-              </a:r>
-              <a:endParaRPr lang="ko-KR" altLang="en-US" sz="1100" dirty="0" smtClean="0">
-                <a:solidFill>
-                  <a:schemeClr val="tx1"/>
-                </a:solidFill>
-              </a:endParaRPr>
-            </a:p>
-          </p:txBody>
-        </p:sp>
-        <p:sp>
-          <p:nvSpPr>
-            <p:cNvPr id="42" name="직사각형 41"/>
-            <p:cNvSpPr/>
-            <p:nvPr/>
-          </p:nvSpPr>
-          <p:spPr>
-            <a:xfrm>
-              <a:off x="3184401" y="5279963"/>
-              <a:ext cx="2880000" cy="178238"/>
-            </a:xfrm>
-            <a:prstGeom prst="rect">
-              <a:avLst/>
-            </a:prstGeom>
-            <a:solidFill>
-              <a:schemeClr val="bg1">
-                <a:lumMod val="95000"/>
-              </a:schemeClr>
-            </a:solidFill>
-            <a:ln>
-              <a:solidFill>
-                <a:schemeClr val="tx1"/>
-              </a:solidFill>
-            </a:ln>
-          </p:spPr>
-          <p:style>
-            <a:lnRef idx="2">
-              <a:schemeClr val="accent1">
-                <a:shade val="50000"/>
-              </a:schemeClr>
-            </a:lnRef>
-            <a:fillRef idx="1">
-              <a:schemeClr val="accent1"/>
-            </a:fillRef>
-            <a:effectRef idx="0">
-              <a:schemeClr val="accent1"/>
-            </a:effectRef>
-            <a:fontRef idx="minor">
-              <a:schemeClr val="lt1"/>
-            </a:fontRef>
-          </p:style>
-          <p:txBody>
-            <a:bodyPr lIns="0" rIns="0" rtlCol="0" anchor="ctr"/>
-            <a:lstStyle/>
-            <a:p>
-              <a:pPr algn="ctr"/>
-              <a:r>
-                <a:rPr lang="en-US" altLang="ko-KR" sz="1100" dirty="0" smtClean="0">
-                  <a:solidFill>
-                    <a:schemeClr val="tx1"/>
-                  </a:solidFill>
-                </a:rPr>
-                <a:t>Lower Roll Gap Staying Time (sec.)</a:t>
-              </a:r>
-              <a:endParaRPr lang="ko-KR" altLang="en-US" sz="1100" dirty="0" smtClean="0">
-                <a:solidFill>
-                  <a:schemeClr val="tx1"/>
-                </a:solidFill>
-              </a:endParaRPr>
-            </a:p>
-          </p:txBody>
-        </p:sp>
-        <p:sp>
-          <p:nvSpPr>
-            <p:cNvPr id="43" name="직사각형 42"/>
-            <p:cNvSpPr/>
-            <p:nvPr/>
-          </p:nvSpPr>
-          <p:spPr>
-            <a:xfrm>
-              <a:off x="6135444" y="5279963"/>
-              <a:ext cx="905608" cy="158262"/>
-            </a:xfrm>
-            <a:prstGeom prst="rect">
-              <a:avLst/>
-            </a:prstGeom>
-            <a:noFill/>
-            <a:ln>
-              <a:solidFill>
-                <a:schemeClr val="tx1"/>
-              </a:solidFill>
-            </a:ln>
-          </p:spPr>
-          <p:style>
-            <a:lnRef idx="2">
-              <a:schemeClr val="accent1">
-                <a:shade val="50000"/>
-              </a:schemeClr>
-            </a:lnRef>
-            <a:fillRef idx="1">
-              <a:schemeClr val="accent1"/>
-            </a:fillRef>
-            <a:effectRef idx="0">
-              <a:schemeClr val="accent1"/>
-            </a:effectRef>
-            <a:fontRef idx="minor">
-              <a:schemeClr val="lt1"/>
-            </a:fontRef>
-          </p:style>
-          <p:txBody>
-            <a:bodyPr rtlCol="0" anchor="ctr"/>
-            <a:lstStyle/>
-            <a:p>
-              <a:pPr algn="ctr"/>
-              <a:r>
-                <a:rPr lang="en-US" altLang="ko-KR" sz="1100" dirty="0" smtClean="0">
-                  <a:solidFill>
-                    <a:schemeClr val="tx1"/>
-                  </a:solidFill>
-                </a:rPr>
-                <a:t>1.0</a:t>
-              </a:r>
-              <a:r>
-                <a:rPr lang="ko-KR" altLang="en-US" sz="1100" dirty="0" smtClean="0">
-                  <a:solidFill>
-                    <a:schemeClr val="tx1"/>
-                  </a:solidFill>
-                </a:rPr>
-                <a:t> </a:t>
-              </a:r>
-            </a:p>
-          </p:txBody>
-        </p:sp>
-        <p:sp>
-          <p:nvSpPr>
-            <p:cNvPr id="44" name="직사각형 43"/>
-            <p:cNvSpPr/>
-            <p:nvPr/>
-          </p:nvSpPr>
-          <p:spPr>
-            <a:xfrm>
-              <a:off x="3187332" y="5537867"/>
-              <a:ext cx="2880000" cy="178238"/>
-            </a:xfrm>
-            <a:prstGeom prst="rect">
-              <a:avLst/>
-            </a:prstGeom>
-            <a:solidFill>
-              <a:schemeClr val="bg1">
-                <a:lumMod val="95000"/>
-              </a:schemeClr>
-            </a:solidFill>
-            <a:ln>
-              <a:solidFill>
-                <a:schemeClr val="tx1"/>
-              </a:solidFill>
-            </a:ln>
-          </p:spPr>
-          <p:style>
-            <a:lnRef idx="2">
-              <a:schemeClr val="accent1">
-                <a:shade val="50000"/>
-              </a:schemeClr>
-            </a:lnRef>
-            <a:fillRef idx="1">
-              <a:schemeClr val="accent1"/>
-            </a:fillRef>
-            <a:effectRef idx="0">
-              <a:schemeClr val="accent1"/>
-            </a:effectRef>
-            <a:fontRef idx="minor">
-              <a:schemeClr val="lt1"/>
-            </a:fontRef>
-          </p:style>
-          <p:txBody>
-            <a:bodyPr lIns="0" rIns="0" rtlCol="0" anchor="ctr"/>
-            <a:lstStyle/>
-            <a:p>
-              <a:pPr algn="ctr"/>
-              <a:r>
-                <a:rPr lang="en-US" altLang="ko-KR" sz="1100" dirty="0" smtClean="0">
-                  <a:solidFill>
-                    <a:schemeClr val="tx1"/>
-                  </a:solidFill>
-                </a:rPr>
-                <a:t>Lower </a:t>
-              </a:r>
-              <a:r>
-                <a:rPr lang="en-US" altLang="ko-KR" sz="1100" dirty="0">
-                  <a:solidFill>
-                    <a:schemeClr val="tx1"/>
-                  </a:solidFill>
-                </a:rPr>
-                <a:t>Roll </a:t>
-              </a:r>
-              <a:r>
-                <a:rPr lang="en-US" altLang="ko-KR" sz="1100" dirty="0" smtClean="0">
-                  <a:solidFill>
-                    <a:schemeClr val="tx1"/>
-                  </a:solidFill>
-                </a:rPr>
-                <a:t>Gap Moving </a:t>
-              </a:r>
-              <a:r>
-                <a:rPr lang="en-US" altLang="ko-KR" sz="1100" dirty="0">
-                  <a:solidFill>
-                    <a:schemeClr val="tx1"/>
-                  </a:solidFill>
-                </a:rPr>
-                <a:t>Time (sec</a:t>
-              </a:r>
-              <a:r>
-                <a:rPr lang="en-US" altLang="ko-KR" sz="1100" dirty="0" smtClean="0">
-                  <a:solidFill>
-                    <a:schemeClr val="tx1"/>
-                  </a:solidFill>
-                </a:rPr>
-                <a:t>.)</a:t>
-              </a:r>
-              <a:endParaRPr lang="ko-KR" altLang="en-US" sz="1100" dirty="0" smtClean="0">
-                <a:solidFill>
-                  <a:schemeClr val="tx1"/>
-                </a:solidFill>
-              </a:endParaRPr>
-            </a:p>
-          </p:txBody>
-        </p:sp>
-        <p:sp>
-          <p:nvSpPr>
-            <p:cNvPr id="45" name="직사각형 44"/>
-            <p:cNvSpPr/>
-            <p:nvPr/>
-          </p:nvSpPr>
-          <p:spPr>
-            <a:xfrm>
-              <a:off x="6138375" y="5537867"/>
-              <a:ext cx="905608" cy="158262"/>
-            </a:xfrm>
-            <a:prstGeom prst="rect">
-              <a:avLst/>
-            </a:prstGeom>
-            <a:noFill/>
-            <a:ln>
-              <a:solidFill>
-                <a:schemeClr val="tx1"/>
-              </a:solidFill>
-            </a:ln>
-          </p:spPr>
-          <p:style>
-            <a:lnRef idx="2">
-              <a:schemeClr val="accent1">
-                <a:shade val="50000"/>
-              </a:schemeClr>
-            </a:lnRef>
-            <a:fillRef idx="1">
-              <a:schemeClr val="accent1"/>
-            </a:fillRef>
-            <a:effectRef idx="0">
-              <a:schemeClr val="accent1"/>
-            </a:effectRef>
-            <a:fontRef idx="minor">
-              <a:schemeClr val="lt1"/>
-            </a:fontRef>
-          </p:style>
-          <p:txBody>
-            <a:bodyPr rtlCol="0" anchor="ctr"/>
-            <a:lstStyle/>
-            <a:p>
-              <a:pPr algn="ctr"/>
-              <a:r>
-                <a:rPr lang="en-US" altLang="ko-KR" sz="1100" dirty="0" smtClean="0">
-                  <a:solidFill>
-                    <a:schemeClr val="tx1"/>
-                  </a:solidFill>
-                </a:rPr>
-                <a:t>2.5</a:t>
-              </a:r>
-              <a:endParaRPr lang="ko-KR" altLang="en-US" sz="1100" dirty="0" smtClean="0">
-                <a:solidFill>
-                  <a:schemeClr val="tx1"/>
-                </a:solidFill>
-              </a:endParaRPr>
-            </a:p>
-          </p:txBody>
-        </p:sp>
-        <p:sp>
-          <p:nvSpPr>
-            <p:cNvPr id="46" name="TextBox 45"/>
-            <p:cNvSpPr txBox="1"/>
-            <p:nvPr/>
-          </p:nvSpPr>
-          <p:spPr>
-            <a:xfrm>
-              <a:off x="2928630" y="3004038"/>
-              <a:ext cx="3397404" cy="307777"/>
-            </a:xfrm>
-            <a:prstGeom prst="rect">
-              <a:avLst/>
-            </a:prstGeom>
-            <a:noFill/>
-          </p:spPr>
-          <p:txBody>
-            <a:bodyPr wrap="square" rtlCol="0">
-              <a:spAutoFit/>
-            </a:bodyPr>
-            <a:lstStyle/>
-            <a:p>
-              <a:r>
-                <a:rPr lang="en-US" altLang="ko-KR" sz="1400" dirty="0" smtClean="0">
-                  <a:latin typeface="Arial Unicode MS" panose="020B0604020202020204" pitchFamily="50" charset="-127"/>
-                  <a:ea typeface="맑은 고딕" panose="020B0503020000020004" pitchFamily="50" charset="-127"/>
-                </a:rPr>
-                <a:t>Upper Roll Gap Movement</a:t>
-              </a:r>
-              <a:endParaRPr lang="ko-KR" altLang="en-US" sz="1400" dirty="0" smtClean="0">
-                <a:latin typeface="Arial Unicode MS" panose="020B0604020202020204" pitchFamily="50" charset="-127"/>
-                <a:ea typeface="맑은 고딕" panose="020B0503020000020004" pitchFamily="50" charset="-127"/>
-              </a:endParaRPr>
-            </a:p>
-          </p:txBody>
-        </p:sp>
-        <p:sp>
-          <p:nvSpPr>
-            <p:cNvPr id="47" name="TextBox 46"/>
-            <p:cNvSpPr txBox="1"/>
-            <p:nvPr/>
-          </p:nvSpPr>
-          <p:spPr>
-            <a:xfrm>
-              <a:off x="2928630" y="4406336"/>
-              <a:ext cx="3397404" cy="307777"/>
-            </a:xfrm>
-            <a:prstGeom prst="rect">
-              <a:avLst/>
-            </a:prstGeom>
-            <a:noFill/>
-          </p:spPr>
-          <p:txBody>
-            <a:bodyPr wrap="square" rtlCol="0">
-              <a:spAutoFit/>
-            </a:bodyPr>
-            <a:lstStyle/>
-            <a:p>
-              <a:r>
-                <a:rPr lang="en-US" altLang="ko-KR" sz="1400" dirty="0" smtClean="0">
-                  <a:latin typeface="Arial Unicode MS" panose="020B0604020202020204" pitchFamily="50" charset="-127"/>
-                  <a:ea typeface="맑은 고딕" panose="020B0503020000020004" pitchFamily="50" charset="-127"/>
-                </a:rPr>
-                <a:t>Lower Roll Gap Movement</a:t>
-              </a:r>
-              <a:endParaRPr lang="ko-KR" altLang="en-US" sz="1400" dirty="0" smtClean="0">
-                <a:latin typeface="Arial Unicode MS" panose="020B0604020202020204" pitchFamily="50" charset="-127"/>
-                <a:ea typeface="맑은 고딕" panose="020B0503020000020004" pitchFamily="50" charset="-127"/>
-              </a:endParaRPr>
-            </a:p>
-          </p:txBody>
-        </p:sp>
-      </p:grpSp>
     </p:spTree>
     <p:extLst>
       <p:ext uri="{BB962C8B-B14F-4D97-AF65-F5344CB8AC3E}">
-        <p14:creationId xmlns:p14="http://schemas.microsoft.com/office/powerpoint/2010/main" val="1920083131"/>
+        <p14:creationId xmlns:p14="http://schemas.microsoft.com/office/powerpoint/2010/main" val="925748910"/>
       </p:ext>
     </p:extLst>
   </p:cSld>
@@ -6166,7 +3457,7 @@
 </p:sld>
 </file>
 
-<file path=ppt/slides/slide2.xml><?xml version="1.0" encoding="utf-8"?>
+<file path=ppt/slides/slide10.xml><?xml version="1.0" encoding="utf-8"?>
 <p:sld xmlns:a="http://schemas.openxmlformats.org/drawingml/2006/main" xmlns:r="http://schemas.openxmlformats.org/officeDocument/2006/relationships" xmlns:p="http://schemas.openxmlformats.org/presentationml/2006/main">
   <p:cSld>
     <p:spTree>
@@ -7824,7 +5115,7 @@
 </p:sld>
 </file>
 
-<file path=ppt/slides/slide3.xml><?xml version="1.0" encoding="utf-8"?>
+<file path=ppt/slides/slide11.xml><?xml version="1.0" encoding="utf-8"?>
 <p:sld xmlns:a="http://schemas.openxmlformats.org/drawingml/2006/main" xmlns:r="http://schemas.openxmlformats.org/officeDocument/2006/relationships" xmlns:p="http://schemas.openxmlformats.org/presentationml/2006/main">
   <p:cSld>
     <p:spTree>
@@ -10626,6 +7917,126 @@
 </p:sld>
 </file>
 
+<file path=ppt/slides/slide12.xml><?xml version="1.0" encoding="utf-8"?>
+<p:sld xmlns:a="http://schemas.openxmlformats.org/drawingml/2006/main" xmlns:r="http://schemas.openxmlformats.org/officeDocument/2006/relationships" xmlns:p="http://schemas.openxmlformats.org/presentationml/2006/main">
+  <p:cSld>
+    <p:spTree>
+      <p:nvGrpSpPr>
+        <p:cNvPr id="1" name=""/>
+        <p:cNvGrpSpPr/>
+        <p:nvPr/>
+      </p:nvGrpSpPr>
+      <p:grpSpPr>
+        <a:xfrm>
+          <a:off x="0" y="0"/>
+          <a:ext cx="0" cy="0"/>
+          <a:chOff x="0" y="0"/>
+          <a:chExt cx="0" cy="0"/>
+        </a:xfrm>
+      </p:grpSpPr>
+    </p:spTree>
+    <p:extLst>
+      <p:ext uri="{BB962C8B-B14F-4D97-AF65-F5344CB8AC3E}">
+        <p14:creationId xmlns:p14="http://schemas.microsoft.com/office/powerpoint/2010/main" val="2031462865"/>
+      </p:ext>
+    </p:extLst>
+  </p:cSld>
+  <p:clrMapOvr>
+    <a:masterClrMapping/>
+  </p:clrMapOvr>
+</p:sld>
+</file>
+
+<file path=ppt/slides/slide13.xml><?xml version="1.0" encoding="utf-8"?>
+<p:sld xmlns:a="http://schemas.openxmlformats.org/drawingml/2006/main" xmlns:r="http://schemas.openxmlformats.org/officeDocument/2006/relationships" xmlns:p="http://schemas.openxmlformats.org/presentationml/2006/main">
+  <p:cSld>
+    <p:spTree>
+      <p:nvGrpSpPr>
+        <p:cNvPr id="1" name=""/>
+        <p:cNvGrpSpPr/>
+        <p:nvPr/>
+      </p:nvGrpSpPr>
+      <p:grpSpPr>
+        <a:xfrm>
+          <a:off x="0" y="0"/>
+          <a:ext cx="0" cy="0"/>
+          <a:chOff x="0" y="0"/>
+          <a:chExt cx="0" cy="0"/>
+        </a:xfrm>
+      </p:grpSpPr>
+    </p:spTree>
+    <p:extLst>
+      <p:ext uri="{BB962C8B-B14F-4D97-AF65-F5344CB8AC3E}">
+        <p14:creationId xmlns:p14="http://schemas.microsoft.com/office/powerpoint/2010/main" val="2070625452"/>
+      </p:ext>
+    </p:extLst>
+  </p:cSld>
+  <p:clrMapOvr>
+    <a:masterClrMapping/>
+  </p:clrMapOvr>
+</p:sld>
+</file>
+
+<file path=ppt/slides/slide2.xml><?xml version="1.0" encoding="utf-8"?>
+<p:sld xmlns:a="http://schemas.openxmlformats.org/drawingml/2006/main" xmlns:r="http://schemas.openxmlformats.org/officeDocument/2006/relationships" xmlns:p="http://schemas.openxmlformats.org/presentationml/2006/main">
+  <p:cSld>
+    <p:spTree>
+      <p:nvGrpSpPr>
+        <p:cNvPr id="1" name=""/>
+        <p:cNvGrpSpPr/>
+        <p:nvPr/>
+      </p:nvGrpSpPr>
+      <p:grpSpPr>
+        <a:xfrm>
+          <a:off x="0" y="0"/>
+          <a:ext cx="0" cy="0"/>
+          <a:chOff x="0" y="0"/>
+          <a:chExt cx="0" cy="0"/>
+        </a:xfrm>
+      </p:grpSpPr>
+    </p:spTree>
+    <p:extLst>
+      <p:ext uri="{BB962C8B-B14F-4D97-AF65-F5344CB8AC3E}">
+        <p14:creationId xmlns:p14="http://schemas.microsoft.com/office/powerpoint/2010/main" val="593634970"/>
+      </p:ext>
+    </p:extLst>
+  </p:cSld>
+  <p:clrMapOvr>
+    <a:masterClrMapping/>
+  </p:clrMapOvr>
+</p:sld>
+</file>
+
+<file path=ppt/slides/slide3.xml><?xml version="1.0" encoding="utf-8"?>
+<p:sld xmlns:a="http://schemas.openxmlformats.org/drawingml/2006/main" xmlns:r="http://schemas.openxmlformats.org/officeDocument/2006/relationships" xmlns:p="http://schemas.openxmlformats.org/presentationml/2006/main">
+  <p:cSld>
+    <p:spTree>
+      <p:nvGrpSpPr>
+        <p:cNvPr id="1" name=""/>
+        <p:cNvGrpSpPr/>
+        <p:nvPr/>
+      </p:nvGrpSpPr>
+      <p:grpSpPr>
+        <a:xfrm>
+          <a:off x="0" y="0"/>
+          <a:ext cx="0" cy="0"/>
+          <a:chOff x="0" y="0"/>
+          <a:chExt cx="0" cy="0"/>
+        </a:xfrm>
+      </p:grpSpPr>
+    </p:spTree>
+    <p:extLst>
+      <p:ext uri="{BB962C8B-B14F-4D97-AF65-F5344CB8AC3E}">
+        <p14:creationId xmlns:p14="http://schemas.microsoft.com/office/powerpoint/2010/main" val="2184063426"/>
+      </p:ext>
+    </p:extLst>
+  </p:cSld>
+  <p:clrMapOvr>
+    <a:masterClrMapping/>
+  </p:clrMapOvr>
+</p:sld>
+</file>
+
 <file path=ppt/slides/slide4.xml><?xml version="1.0" encoding="utf-8"?>
 <p:sld xmlns:a="http://schemas.openxmlformats.org/drawingml/2006/main" xmlns:r="http://schemas.openxmlformats.org/officeDocument/2006/relationships" xmlns:p="http://schemas.openxmlformats.org/presentationml/2006/main">
   <p:cSld>
@@ -10643,15 +8054,231 @@
           <a:chExt cx="0" cy="0"/>
         </a:xfrm>
       </p:grpSpPr>
+    </p:spTree>
+    <p:extLst>
+      <p:ext uri="{BB962C8B-B14F-4D97-AF65-F5344CB8AC3E}">
+        <p14:creationId xmlns:p14="http://schemas.microsoft.com/office/powerpoint/2010/main" val="2459406098"/>
+      </p:ext>
+    </p:extLst>
+  </p:cSld>
+  <p:clrMapOvr>
+    <a:masterClrMapping/>
+  </p:clrMapOvr>
+</p:sld>
+</file>
+
+<file path=ppt/slides/slide5.xml><?xml version="1.0" encoding="utf-8"?>
+<p:sld xmlns:a="http://schemas.openxmlformats.org/drawingml/2006/main" xmlns:r="http://schemas.openxmlformats.org/officeDocument/2006/relationships" xmlns:p="http://schemas.openxmlformats.org/presentationml/2006/main">
+  <p:cSld>
+    <p:spTree>
+      <p:nvGrpSpPr>
+        <p:cNvPr id="1" name=""/>
+        <p:cNvGrpSpPr/>
+        <p:nvPr/>
+      </p:nvGrpSpPr>
+      <p:grpSpPr>
+        <a:xfrm>
+          <a:off x="0" y="0"/>
+          <a:ext cx="0" cy="0"/>
+          <a:chOff x="0" y="0"/>
+          <a:chExt cx="0" cy="0"/>
+        </a:xfrm>
+      </p:grpSpPr>
+    </p:spTree>
+    <p:extLst>
+      <p:ext uri="{BB962C8B-B14F-4D97-AF65-F5344CB8AC3E}">
+        <p14:creationId xmlns:p14="http://schemas.microsoft.com/office/powerpoint/2010/main" val="2872007856"/>
+      </p:ext>
+    </p:extLst>
+  </p:cSld>
+  <p:clrMapOvr>
+    <a:masterClrMapping/>
+  </p:clrMapOvr>
+</p:sld>
+</file>
+
+<file path=ppt/slides/slide6.xml><?xml version="1.0" encoding="utf-8"?>
+<p:sld xmlns:a="http://schemas.openxmlformats.org/drawingml/2006/main" xmlns:r="http://schemas.openxmlformats.org/officeDocument/2006/relationships" xmlns:p="http://schemas.openxmlformats.org/presentationml/2006/main">
+  <p:cSld>
+    <p:spTree>
+      <p:nvGrpSpPr>
+        <p:cNvPr id="1" name=""/>
+        <p:cNvGrpSpPr/>
+        <p:nvPr/>
+      </p:nvGrpSpPr>
+      <p:grpSpPr>
+        <a:xfrm>
+          <a:off x="0" y="0"/>
+          <a:ext cx="0" cy="0"/>
+          <a:chOff x="0" y="0"/>
+          <a:chExt cx="0" cy="0"/>
+        </a:xfrm>
+      </p:grpSpPr>
+    </p:spTree>
+    <p:extLst>
+      <p:ext uri="{BB962C8B-B14F-4D97-AF65-F5344CB8AC3E}">
+        <p14:creationId xmlns:p14="http://schemas.microsoft.com/office/powerpoint/2010/main" val="1353243357"/>
+      </p:ext>
+    </p:extLst>
+  </p:cSld>
+  <p:clrMapOvr>
+    <a:masterClrMapping/>
+  </p:clrMapOvr>
+</p:sld>
+</file>
+
+<file path=ppt/slides/slide7.xml><?xml version="1.0" encoding="utf-8"?>
+<p:sld xmlns:a="http://schemas.openxmlformats.org/drawingml/2006/main" xmlns:r="http://schemas.openxmlformats.org/officeDocument/2006/relationships" xmlns:p="http://schemas.openxmlformats.org/presentationml/2006/main">
+  <p:cSld>
+    <p:spTree>
+      <p:nvGrpSpPr>
+        <p:cNvPr id="1" name=""/>
+        <p:cNvGrpSpPr/>
+        <p:nvPr/>
+      </p:nvGrpSpPr>
+      <p:grpSpPr>
+        <a:xfrm>
+          <a:off x="0" y="0"/>
+          <a:ext cx="0" cy="0"/>
+          <a:chOff x="0" y="0"/>
+          <a:chExt cx="0" cy="0"/>
+        </a:xfrm>
+      </p:grpSpPr>
+    </p:spTree>
+    <p:extLst>
+      <p:ext uri="{BB962C8B-B14F-4D97-AF65-F5344CB8AC3E}">
+        <p14:creationId xmlns:p14="http://schemas.microsoft.com/office/powerpoint/2010/main" val="4055215815"/>
+      </p:ext>
+    </p:extLst>
+  </p:cSld>
+  <p:clrMapOvr>
+    <a:masterClrMapping/>
+  </p:clrMapOvr>
+</p:sld>
+</file>
+
+<file path=ppt/slides/slide8.xml><?xml version="1.0" encoding="utf-8"?>
+<p:sld xmlns:a="http://schemas.openxmlformats.org/drawingml/2006/main" xmlns:r="http://schemas.openxmlformats.org/officeDocument/2006/relationships" xmlns:p="http://schemas.openxmlformats.org/presentationml/2006/main">
+  <p:cSld>
+    <p:spTree>
+      <p:nvGrpSpPr>
+        <p:cNvPr id="1" name=""/>
+        <p:cNvGrpSpPr/>
+        <p:nvPr/>
+      </p:nvGrpSpPr>
+      <p:grpSpPr>
+        <a:xfrm>
+          <a:off x="0" y="0"/>
+          <a:ext cx="0" cy="0"/>
+          <a:chOff x="0" y="0"/>
+          <a:chExt cx="0" cy="0"/>
+        </a:xfrm>
+      </p:grpSpPr>
+      <p:sp>
+        <p:nvSpPr>
+          <p:cNvPr id="2" name="제목 1"/>
+          <p:cNvSpPr>
+            <a:spLocks noGrp="1"/>
+          </p:cNvSpPr>
+          <p:nvPr>
+            <p:ph type="title"/>
+          </p:nvPr>
+        </p:nvSpPr>
+        <p:spPr/>
+        <p:txBody>
+          <a:bodyPr/>
+          <a:lstStyle/>
+          <a:p>
+            <a:r>
+              <a:rPr lang="ko-KR" altLang="en-US" dirty="0" err="1" smtClean="0"/>
+              <a:t>ㄹㅇ</a:t>
+            </a:r>
+            <a:endParaRPr lang="ko-KR" altLang="en-US" dirty="0"/>
+          </a:p>
+        </p:txBody>
+      </p:sp>
+      <p:sp>
+        <p:nvSpPr>
+          <p:cNvPr id="3" name="내용 개체 틀 2"/>
+          <p:cNvSpPr>
+            <a:spLocks noGrp="1"/>
+          </p:cNvSpPr>
+          <p:nvPr>
+            <p:ph idx="1"/>
+          </p:nvPr>
+        </p:nvSpPr>
+        <p:spPr/>
+        <p:txBody>
+          <a:bodyPr/>
+          <a:lstStyle/>
+          <a:p>
+            <a:endParaRPr lang="ko-KR" altLang="en-US" dirty="0"/>
+          </a:p>
+        </p:txBody>
+      </p:sp>
+    </p:spTree>
+    <p:extLst>
+      <p:ext uri="{BB962C8B-B14F-4D97-AF65-F5344CB8AC3E}">
+        <p14:creationId xmlns:p14="http://schemas.microsoft.com/office/powerpoint/2010/main" val="2612087162"/>
+      </p:ext>
+    </p:extLst>
+  </p:cSld>
+  <p:clrMapOvr>
+    <a:masterClrMapping/>
+  </p:clrMapOvr>
+</p:sld>
+</file>
+
+<file path=ppt/slides/slide9.xml><?xml version="1.0" encoding="utf-8"?>
+<p:sld xmlns:a="http://schemas.openxmlformats.org/drawingml/2006/main" xmlns:r="http://schemas.openxmlformats.org/officeDocument/2006/relationships" xmlns:p="http://schemas.openxmlformats.org/presentationml/2006/main">
+  <p:cSld>
+    <p:spTree>
+      <p:nvGrpSpPr>
+        <p:cNvPr id="1" name=""/>
+        <p:cNvGrpSpPr/>
+        <p:nvPr/>
+      </p:nvGrpSpPr>
+      <p:grpSpPr>
+        <a:xfrm>
+          <a:off x="0" y="0"/>
+          <a:ext cx="0" cy="0"/>
+          <a:chOff x="0" y="0"/>
+          <a:chExt cx="0" cy="0"/>
+        </a:xfrm>
+      </p:grpSpPr>
+      <p:pic>
+        <p:nvPicPr>
+          <p:cNvPr id="4" name="그림 3"/>
+          <p:cNvPicPr>
+            <a:picLocks noChangeAspect="1"/>
+          </p:cNvPicPr>
+          <p:nvPr/>
+        </p:nvPicPr>
+        <p:blipFill>
+          <a:blip r:embed="rId2" cstate="print"/>
+          <a:stretch>
+            <a:fillRect/>
+          </a:stretch>
+        </p:blipFill>
+        <p:spPr>
+          <a:xfrm>
+            <a:off x="147637" y="183400"/>
+            <a:ext cx="3921443" cy="6619901"/>
+          </a:xfrm>
+          <a:prstGeom prst="rect">
+            <a:avLst/>
+          </a:prstGeom>
+        </p:spPr>
+      </p:pic>
       <p:grpSp>
         <p:nvGrpSpPr>
-          <p:cNvPr id="2" name="그룹 1"/>
+          <p:cNvPr id="5" name="그룹 4"/>
           <p:cNvGrpSpPr/>
           <p:nvPr/>
         </p:nvGrpSpPr>
         <p:grpSpPr>
           <a:xfrm>
-            <a:off x="337350" y="349651"/>
+            <a:off x="5042700" y="254401"/>
             <a:ext cx="5791308" cy="3713375"/>
             <a:chOff x="3061500" y="1845076"/>
             <a:chExt cx="5791308" cy="3713375"/>
@@ -10659,7 +8286,7 @@
         </p:grpSpPr>
         <p:sp>
           <p:nvSpPr>
-            <p:cNvPr id="3" name="직사각형 2"/>
+            <p:cNvPr id="6" name="직사각형 5"/>
             <p:cNvSpPr/>
             <p:nvPr/>
           </p:nvSpPr>
@@ -10722,7 +8349,7 @@
         </p:sp>
         <p:sp>
           <p:nvSpPr>
-            <p:cNvPr id="4" name="직사각형 3"/>
+            <p:cNvPr id="7" name="직사각형 6"/>
             <p:cNvSpPr/>
             <p:nvPr/>
           </p:nvSpPr>
@@ -10790,7 +8417,7 @@
         </p:sp>
         <p:sp>
           <p:nvSpPr>
-            <p:cNvPr id="5" name="직사각형 4"/>
+            <p:cNvPr id="8" name="직사각형 7"/>
             <p:cNvSpPr/>
             <p:nvPr/>
           </p:nvSpPr>
@@ -10851,7 +8478,7 @@
         </p:sp>
         <p:sp>
           <p:nvSpPr>
-            <p:cNvPr id="6" name="직사각형 5"/>
+            <p:cNvPr id="9" name="직사각형 8"/>
             <p:cNvSpPr/>
             <p:nvPr/>
           </p:nvSpPr>
@@ -10909,7 +8536,7 @@
         </p:sp>
         <p:sp>
           <p:nvSpPr>
-            <p:cNvPr id="7" name="타원 6"/>
+            <p:cNvPr id="10" name="타원 9"/>
             <p:cNvSpPr/>
             <p:nvPr/>
           </p:nvSpPr>
@@ -10964,7 +8591,7 @@
         </p:sp>
         <p:sp>
           <p:nvSpPr>
-            <p:cNvPr id="8" name="타원 7"/>
+            <p:cNvPr id="11" name="타원 10"/>
             <p:cNvSpPr/>
             <p:nvPr/>
           </p:nvSpPr>
@@ -11019,7 +8646,7 @@
         </p:sp>
         <p:sp>
           <p:nvSpPr>
-            <p:cNvPr id="9" name="직사각형 8"/>
+            <p:cNvPr id="12" name="직사각형 11"/>
             <p:cNvSpPr/>
             <p:nvPr/>
           </p:nvSpPr>
@@ -11089,7 +8716,7 @@
         </p:sp>
         <p:sp>
           <p:nvSpPr>
-            <p:cNvPr id="10" name="직사각형 9"/>
+            <p:cNvPr id="13" name="직사각형 12"/>
             <p:cNvSpPr/>
             <p:nvPr/>
           </p:nvSpPr>
@@ -11150,7 +8777,7 @@
         </p:sp>
         <p:sp>
           <p:nvSpPr>
-            <p:cNvPr id="11" name="직사각형 10"/>
+            <p:cNvPr id="14" name="직사각형 13"/>
             <p:cNvSpPr/>
             <p:nvPr/>
           </p:nvSpPr>
@@ -11220,7 +8847,7 @@
         </p:sp>
         <p:sp>
           <p:nvSpPr>
-            <p:cNvPr id="12" name="직사각형 11"/>
+            <p:cNvPr id="15" name="직사각형 14"/>
             <p:cNvSpPr/>
             <p:nvPr/>
           </p:nvSpPr>
@@ -11281,7 +8908,7 @@
         </p:sp>
         <p:sp>
           <p:nvSpPr>
-            <p:cNvPr id="13" name="직사각형 12"/>
+            <p:cNvPr id="16" name="직사각형 15"/>
             <p:cNvSpPr/>
             <p:nvPr/>
           </p:nvSpPr>
@@ -11359,7 +8986,7 @@
         </p:sp>
         <p:sp>
           <p:nvSpPr>
-            <p:cNvPr id="14" name="직사각형 13"/>
+            <p:cNvPr id="17" name="직사각형 16"/>
             <p:cNvSpPr/>
             <p:nvPr/>
           </p:nvSpPr>
@@ -11420,7 +9047,7 @@
         </p:sp>
         <p:sp>
           <p:nvSpPr>
-            <p:cNvPr id="15" name="직사각형 14"/>
+            <p:cNvPr id="18" name="직사각형 17"/>
             <p:cNvSpPr/>
             <p:nvPr/>
           </p:nvSpPr>
@@ -11488,7 +9115,7 @@
         </p:sp>
         <p:sp>
           <p:nvSpPr>
-            <p:cNvPr id="16" name="직사각형 15"/>
+            <p:cNvPr id="19" name="직사각형 18"/>
             <p:cNvSpPr/>
             <p:nvPr/>
           </p:nvSpPr>
@@ -11566,7 +9193,7 @@
         </p:sp>
         <p:sp>
           <p:nvSpPr>
-            <p:cNvPr id="17" name="직사각형 16"/>
+            <p:cNvPr id="20" name="직사각형 19"/>
             <p:cNvSpPr/>
             <p:nvPr/>
           </p:nvSpPr>
@@ -11627,7 +9254,7 @@
         </p:sp>
         <p:sp>
           <p:nvSpPr>
-            <p:cNvPr id="18" name="직사각형 17"/>
+            <p:cNvPr id="21" name="직사각형 20"/>
             <p:cNvSpPr/>
             <p:nvPr/>
           </p:nvSpPr>
@@ -11705,7 +9332,7 @@
         </p:sp>
         <p:sp>
           <p:nvSpPr>
-            <p:cNvPr id="19" name="직사각형 18"/>
+            <p:cNvPr id="22" name="직사각형 21"/>
             <p:cNvSpPr/>
             <p:nvPr/>
           </p:nvSpPr>
@@ -11766,7 +9393,7 @@
         </p:sp>
         <p:sp>
           <p:nvSpPr>
-            <p:cNvPr id="20" name="직사각형 19"/>
+            <p:cNvPr id="23" name="직사각형 22"/>
             <p:cNvSpPr/>
             <p:nvPr/>
           </p:nvSpPr>
@@ -11844,7 +9471,7 @@
         </p:sp>
         <p:sp>
           <p:nvSpPr>
-            <p:cNvPr id="21" name="직사각형 20"/>
+            <p:cNvPr id="24" name="직사각형 23"/>
             <p:cNvSpPr/>
             <p:nvPr/>
           </p:nvSpPr>
@@ -11905,7 +9532,7 @@
         </p:sp>
         <p:sp>
           <p:nvSpPr>
-            <p:cNvPr id="22" name="직사각형 21"/>
+            <p:cNvPr id="25" name="직사각형 24"/>
             <p:cNvSpPr/>
             <p:nvPr/>
           </p:nvSpPr>
@@ -11963,7 +9590,7 @@
         </p:sp>
         <p:sp>
           <p:nvSpPr>
-            <p:cNvPr id="23" name="타원 22"/>
+            <p:cNvPr id="26" name="타원 25"/>
             <p:cNvSpPr/>
             <p:nvPr/>
           </p:nvSpPr>
@@ -12018,7 +9645,7 @@
         </p:sp>
         <p:sp>
           <p:nvSpPr>
-            <p:cNvPr id="24" name="직사각형 23"/>
+            <p:cNvPr id="27" name="직사각형 26"/>
             <p:cNvSpPr/>
             <p:nvPr/>
           </p:nvSpPr>
@@ -12090,45 +9717,15 @@
           </p:txBody>
         </p:sp>
       </p:grpSp>
-    </p:spTree>
-    <p:extLst>
-      <p:ext uri="{BB962C8B-B14F-4D97-AF65-F5344CB8AC3E}">
-        <p14:creationId xmlns:p14="http://schemas.microsoft.com/office/powerpoint/2010/main" val="3175687517"/>
-      </p:ext>
-    </p:extLst>
-  </p:cSld>
-  <p:clrMapOvr>
-    <a:masterClrMapping/>
-  </p:clrMapOvr>
-</p:sld>
-</file>
-
-<file path=ppt/slides/slide5.xml><?xml version="1.0" encoding="utf-8"?>
-<p:sld xmlns:a="http://schemas.openxmlformats.org/drawingml/2006/main" xmlns:r="http://schemas.openxmlformats.org/officeDocument/2006/relationships" xmlns:p="http://schemas.openxmlformats.org/presentationml/2006/main">
-  <p:cSld>
-    <p:spTree>
-      <p:nvGrpSpPr>
-        <p:cNvPr id="1" name=""/>
-        <p:cNvGrpSpPr/>
-        <p:nvPr/>
-      </p:nvGrpSpPr>
-      <p:grpSpPr>
-        <a:xfrm>
-          <a:off x="0" y="0"/>
-          <a:ext cx="0" cy="0"/>
-          <a:chOff x="0" y="0"/>
-          <a:chExt cx="0" cy="0"/>
-        </a:xfrm>
-      </p:grpSpPr>
       <p:grpSp>
         <p:nvGrpSpPr>
-          <p:cNvPr id="2" name="그룹 1"/>
+          <p:cNvPr id="28" name="그룹 27"/>
           <p:cNvGrpSpPr/>
           <p:nvPr/>
         </p:nvGrpSpPr>
         <p:grpSpPr>
           <a:xfrm>
-            <a:off x="468999" y="588691"/>
+            <a:off x="7475574" y="3653843"/>
             <a:ext cx="4547991" cy="3149458"/>
             <a:chOff x="2850249" y="2665141"/>
             <a:chExt cx="4547991" cy="3149458"/>
@@ -12136,7 +9733,7 @@
         </p:grpSpPr>
         <p:sp>
           <p:nvSpPr>
-            <p:cNvPr id="3" name="직사각형 2"/>
+            <p:cNvPr id="29" name="직사각형 28"/>
             <p:cNvSpPr/>
             <p:nvPr/>
           </p:nvSpPr>
@@ -12199,7 +9796,7 @@
         </p:sp>
         <p:sp>
           <p:nvSpPr>
-            <p:cNvPr id="4" name="직사각형 3"/>
+            <p:cNvPr id="30" name="직사각형 29"/>
             <p:cNvSpPr/>
             <p:nvPr/>
           </p:nvSpPr>
@@ -12261,7 +9858,7 @@
         </p:sp>
         <p:sp>
           <p:nvSpPr>
-            <p:cNvPr id="5" name="직사각형 4"/>
+            <p:cNvPr id="31" name="직사각형 30"/>
             <p:cNvSpPr/>
             <p:nvPr/>
           </p:nvSpPr>
@@ -12319,7 +9916,7 @@
         </p:sp>
         <p:sp>
           <p:nvSpPr>
-            <p:cNvPr id="6" name="직사각형 5"/>
+            <p:cNvPr id="32" name="직사각형 31"/>
             <p:cNvSpPr/>
             <p:nvPr/>
           </p:nvSpPr>
@@ -12405,7 +10002,7 @@
         </p:sp>
         <p:sp>
           <p:nvSpPr>
-            <p:cNvPr id="7" name="직사각형 6"/>
+            <p:cNvPr id="33" name="직사각형 32"/>
             <p:cNvSpPr/>
             <p:nvPr/>
           </p:nvSpPr>
@@ -12463,7 +10060,7 @@
         </p:sp>
         <p:sp>
           <p:nvSpPr>
-            <p:cNvPr id="8" name="직사각형 7"/>
+            <p:cNvPr id="34" name="직사각형 33"/>
             <p:cNvSpPr/>
             <p:nvPr/>
           </p:nvSpPr>
@@ -12525,7 +10122,7 @@
         </p:sp>
         <p:sp>
           <p:nvSpPr>
-            <p:cNvPr id="9" name="직사각형 8"/>
+            <p:cNvPr id="35" name="직사각형 34"/>
             <p:cNvSpPr/>
             <p:nvPr/>
           </p:nvSpPr>
@@ -12586,7 +10183,7 @@
         </p:sp>
         <p:sp>
           <p:nvSpPr>
-            <p:cNvPr id="10" name="직사각형 9"/>
+            <p:cNvPr id="36" name="직사각형 35"/>
             <p:cNvSpPr/>
             <p:nvPr/>
           </p:nvSpPr>
@@ -12680,7 +10277,7 @@
         </p:sp>
         <p:sp>
           <p:nvSpPr>
-            <p:cNvPr id="11" name="직사각형 10"/>
+            <p:cNvPr id="37" name="직사각형 36"/>
             <p:cNvSpPr/>
             <p:nvPr/>
           </p:nvSpPr>
@@ -12738,7 +10335,7 @@
         </p:sp>
         <p:sp>
           <p:nvSpPr>
-            <p:cNvPr id="12" name="직사각형 11"/>
+            <p:cNvPr id="38" name="직사각형 37"/>
             <p:cNvSpPr/>
             <p:nvPr/>
           </p:nvSpPr>
@@ -12800,7 +10397,7 @@
         </p:sp>
         <p:sp>
           <p:nvSpPr>
-            <p:cNvPr id="13" name="직사각형 12"/>
+            <p:cNvPr id="39" name="직사각형 38"/>
             <p:cNvSpPr/>
             <p:nvPr/>
           </p:nvSpPr>
@@ -12858,7 +10455,7 @@
         </p:sp>
         <p:sp>
           <p:nvSpPr>
-            <p:cNvPr id="14" name="직사각형 13"/>
+            <p:cNvPr id="40" name="직사각형 39"/>
             <p:cNvSpPr/>
             <p:nvPr/>
           </p:nvSpPr>
@@ -12960,7 +10557,7 @@
         </p:sp>
         <p:sp>
           <p:nvSpPr>
-            <p:cNvPr id="15" name="직사각형 14"/>
+            <p:cNvPr id="41" name="직사각형 40"/>
             <p:cNvSpPr/>
             <p:nvPr/>
           </p:nvSpPr>
@@ -13018,7 +10615,7 @@
         </p:sp>
         <p:sp>
           <p:nvSpPr>
-            <p:cNvPr id="16" name="직사각형 15"/>
+            <p:cNvPr id="42" name="직사각형 41"/>
             <p:cNvSpPr/>
             <p:nvPr/>
           </p:nvSpPr>
@@ -13080,7 +10677,7 @@
         </p:sp>
         <p:sp>
           <p:nvSpPr>
-            <p:cNvPr id="17" name="직사각형 16"/>
+            <p:cNvPr id="43" name="직사각형 42"/>
             <p:cNvSpPr/>
             <p:nvPr/>
           </p:nvSpPr>
@@ -13141,7 +10738,7 @@
         </p:sp>
         <p:sp>
           <p:nvSpPr>
-            <p:cNvPr id="18" name="직사각형 17"/>
+            <p:cNvPr id="44" name="직사각형 43"/>
             <p:cNvSpPr/>
             <p:nvPr/>
           </p:nvSpPr>
@@ -13235,7 +10832,7 @@
         </p:sp>
         <p:sp>
           <p:nvSpPr>
-            <p:cNvPr id="19" name="직사각형 18"/>
+            <p:cNvPr id="45" name="직사각형 44"/>
             <p:cNvSpPr/>
             <p:nvPr/>
           </p:nvSpPr>
@@ -13293,7 +10890,7 @@
         </p:sp>
         <p:sp>
           <p:nvSpPr>
-            <p:cNvPr id="20" name="TextBox 19"/>
+            <p:cNvPr id="46" name="TextBox 45"/>
             <p:cNvSpPr txBox="1"/>
             <p:nvPr/>
           </p:nvSpPr>
@@ -13329,7 +10926,7 @@
         </p:sp>
         <p:sp>
           <p:nvSpPr>
-            <p:cNvPr id="21" name="TextBox 20"/>
+            <p:cNvPr id="47" name="TextBox 46"/>
             <p:cNvSpPr txBox="1"/>
             <p:nvPr/>
           </p:nvSpPr>
@@ -13367,67 +10964,7 @@
     </p:spTree>
     <p:extLst>
       <p:ext uri="{BB962C8B-B14F-4D97-AF65-F5344CB8AC3E}">
-        <p14:creationId xmlns:p14="http://schemas.microsoft.com/office/powerpoint/2010/main" val="3072828870"/>
-      </p:ext>
-    </p:extLst>
-  </p:cSld>
-  <p:clrMapOvr>
-    <a:masterClrMapping/>
-  </p:clrMapOvr>
-</p:sld>
-</file>
-
-<file path=ppt/slides/slide6.xml><?xml version="1.0" encoding="utf-8"?>
-<p:sld xmlns:a="http://schemas.openxmlformats.org/drawingml/2006/main" xmlns:r="http://schemas.openxmlformats.org/officeDocument/2006/relationships" xmlns:p="http://schemas.openxmlformats.org/presentationml/2006/main">
-  <p:cSld>
-    <p:spTree>
-      <p:nvGrpSpPr>
-        <p:cNvPr id="1" name=""/>
-        <p:cNvGrpSpPr/>
-        <p:nvPr/>
-      </p:nvGrpSpPr>
-      <p:grpSpPr>
-        <a:xfrm>
-          <a:off x="0" y="0"/>
-          <a:ext cx="0" cy="0"/>
-          <a:chOff x="0" y="0"/>
-          <a:chExt cx="0" cy="0"/>
-        </a:xfrm>
-      </p:grpSpPr>
-    </p:spTree>
-    <p:extLst>
-      <p:ext uri="{BB962C8B-B14F-4D97-AF65-F5344CB8AC3E}">
-        <p14:creationId xmlns:p14="http://schemas.microsoft.com/office/powerpoint/2010/main" val="2031462865"/>
-      </p:ext>
-    </p:extLst>
-  </p:cSld>
-  <p:clrMapOvr>
-    <a:masterClrMapping/>
-  </p:clrMapOvr>
-</p:sld>
-</file>
-
-<file path=ppt/slides/slide7.xml><?xml version="1.0" encoding="utf-8"?>
-<p:sld xmlns:a="http://schemas.openxmlformats.org/drawingml/2006/main" xmlns:r="http://schemas.openxmlformats.org/officeDocument/2006/relationships" xmlns:p="http://schemas.openxmlformats.org/presentationml/2006/main">
-  <p:cSld>
-    <p:spTree>
-      <p:nvGrpSpPr>
-        <p:cNvPr id="1" name=""/>
-        <p:cNvGrpSpPr/>
-        <p:nvPr/>
-      </p:nvGrpSpPr>
-      <p:grpSpPr>
-        <a:xfrm>
-          <a:off x="0" y="0"/>
-          <a:ext cx="0" cy="0"/>
-          <a:chOff x="0" y="0"/>
-          <a:chExt cx="0" cy="0"/>
-        </a:xfrm>
-      </p:grpSpPr>
-    </p:spTree>
-    <p:extLst>
-      <p:ext uri="{BB962C8B-B14F-4D97-AF65-F5344CB8AC3E}">
-        <p14:creationId xmlns:p14="http://schemas.microsoft.com/office/powerpoint/2010/main" val="2070625452"/>
+        <p14:creationId xmlns:p14="http://schemas.microsoft.com/office/powerpoint/2010/main" val="1920083131"/>
       </p:ext>
     </p:extLst>
   </p:cSld>
